--- a/report/200825_WPCN.pptx
+++ b/report/200825_WPCN.pptx
@@ -5,7 +5,7 @@
     <p:sldMasterId id="2147483648" r:id="rId1"/>
   </p:sldMasterIdLst>
   <p:notesMasterIdLst>
-    <p:notesMasterId r:id="rId18"/>
+    <p:notesMasterId r:id="rId22"/>
   </p:notesMasterIdLst>
   <p:sldIdLst>
     <p:sldId id="256" r:id="rId2"/>
@@ -23,7 +23,11 @@
     <p:sldId id="399" r:id="rId14"/>
     <p:sldId id="400" r:id="rId15"/>
     <p:sldId id="401" r:id="rId16"/>
-    <p:sldId id="339" r:id="rId17"/>
+    <p:sldId id="403" r:id="rId17"/>
+    <p:sldId id="404" r:id="rId18"/>
+    <p:sldId id="405" r:id="rId19"/>
+    <p:sldId id="406" r:id="rId20"/>
+    <p:sldId id="339" r:id="rId21"/>
   </p:sldIdLst>
   <p:sldSz cx="13004800" cy="9753600"/>
   <p:notesSz cx="6858000" cy="9144000"/>
@@ -3410,12 +3414,12 @@
           <a:lstStyle/>
           <a:p>
             <a:r>
-              <a:rPr dirty="0" smtClean="0"/>
+              <a:rPr smtClean="0"/>
               <a:t>20</a:t>
             </a:r>
             <a:r>
-              <a:rPr lang="en-US" dirty="0" smtClean="0"/>
-              <a:t>20.08.25</a:t>
+              <a:rPr lang="en-US" smtClean="0"/>
+              <a:t>20.08.26</a:t>
             </a:r>
             <a:endParaRPr lang="en-US" dirty="0" smtClean="0"/>
           </a:p>
@@ -3597,8 +3601,8 @@
           </a:p>
         </p:txBody>
       </p:sp>
-      <mc:AlternateContent xmlns:mc="http://schemas.openxmlformats.org/markup-compatibility/2006">
-        <mc:Choice xmlns:a14="http://schemas.microsoft.com/office/drawing/2010/main" Requires="a14">
+      <mc:AlternateContent xmlns:mc="http://schemas.openxmlformats.org/markup-compatibility/2006" xmlns:a14="http://schemas.microsoft.com/office/drawing/2010/main">
+        <mc:Choice Requires="a14">
           <p:sp>
             <p:nvSpPr>
               <p:cNvPr id="2" name="Rectangle 1"/>
@@ -3620,6 +3624,7 @@
               </a:bodyPr>
               <a:lstStyle/>
               <a:p>
+                <a:pPr/>
                 <a14:m>
                   <m:oMathPara xmlns:m="http://schemas.openxmlformats.org/officeDocument/2006/math">
                     <m:oMathParaPr>
@@ -3629,18 +3634,24 @@
                       <m:sSub>
                         <m:sSubPr>
                           <m:ctrlPr>
-                            <a:rPr lang="ko-KR" altLang="ko-KR" i="1"/>
+                            <a:rPr lang="ko-KR" altLang="ko-KR" i="1">
+                              <a:latin typeface="Cambria Math" panose="02040503050406030204" pitchFamily="18" charset="0"/>
+                            </a:rPr>
                           </m:ctrlPr>
                         </m:sSubPr>
                         <m:e>
                           <m:r>
-                            <a:rPr lang="en-US" altLang="ko-KR" i="1"/>
+                            <a:rPr lang="en-US" altLang="ko-KR" i="1">
+                              <a:latin typeface="Cambria Math" panose="02040503050406030204" pitchFamily="18" charset="0"/>
+                            </a:rPr>
                             <m:t>𝝉</m:t>
                           </m:r>
                         </m:e>
                         <m:sub>
                           <m:r>
-                            <a:rPr lang="en-US" altLang="ko-KR" i="1"/>
+                            <a:rPr lang="en-US" altLang="ko-KR" i="1">
+                              <a:latin typeface="Cambria Math" panose="02040503050406030204" pitchFamily="18" charset="0"/>
+                            </a:rPr>
                             <m:t>𝒌</m:t>
                           </m:r>
                         </m:sub>
@@ -3650,12 +3661,16 @@
                           <m:begChr m:val="["/>
                           <m:endChr m:val="]"/>
                           <m:ctrlPr>
-                            <a:rPr lang="ko-KR" altLang="ko-KR" i="1"/>
+                            <a:rPr lang="ko-KR" altLang="ko-KR" i="1">
+                              <a:latin typeface="Cambria Math" panose="02040503050406030204" pitchFamily="18" charset="0"/>
+                            </a:rPr>
                           </m:ctrlPr>
                         </m:dPr>
                         <m:e>
                           <m:r>
-                            <a:rPr lang="en-US" altLang="ko-KR" i="1"/>
+                            <a:rPr lang="en-US" altLang="ko-KR" i="1">
+                              <a:latin typeface="Cambria Math" panose="02040503050406030204" pitchFamily="18" charset="0"/>
+                            </a:rPr>
                             <m:t>𝒏</m:t>
                           </m:r>
                         </m:e>
@@ -3663,24 +3678,32 @@
                       <m:sSubSup>
                         <m:sSubSupPr>
                           <m:ctrlPr>
-                            <a:rPr lang="ko-KR" altLang="ko-KR" i="1"/>
+                            <a:rPr lang="ko-KR" altLang="ko-KR" i="1">
+                              <a:latin typeface="Cambria Math" panose="02040503050406030204" pitchFamily="18" charset="0"/>
+                            </a:rPr>
                           </m:ctrlPr>
                         </m:sSubSupPr>
                         <m:e>
                           <m:r>
-                            <a:rPr lang="en-US" altLang="ko-KR" i="1"/>
+                            <a:rPr lang="en-US" altLang="ko-KR" i="1">
+                              <a:latin typeface="Cambria Math" panose="02040503050406030204" pitchFamily="18" charset="0"/>
+                            </a:rPr>
                             <m:t>𝑷</m:t>
                           </m:r>
                         </m:e>
                         <m:sub>
                           <m:r>
-                            <a:rPr lang="en-US" altLang="ko-KR" i="1"/>
+                            <a:rPr lang="en-US" altLang="ko-KR" i="1">
+                              <a:latin typeface="Cambria Math" panose="02040503050406030204" pitchFamily="18" charset="0"/>
+                            </a:rPr>
                             <m:t>𝒌</m:t>
                           </m:r>
                         </m:sub>
                         <m:sup>
                           <m:r>
-                            <a:rPr lang="en-US" altLang="ko-KR" i="1"/>
+                            <a:rPr lang="en-US" altLang="ko-KR" i="1">
+                              <a:latin typeface="Cambria Math" panose="02040503050406030204" pitchFamily="18" charset="0"/>
+                            </a:rPr>
                             <m:t>𝑼𝑳</m:t>
                           </m:r>
                         </m:sup>
@@ -3690,18 +3713,24 @@
                           <m:begChr m:val="["/>
                           <m:endChr m:val="]"/>
                           <m:ctrlPr>
-                            <a:rPr lang="ko-KR" altLang="ko-KR" i="1"/>
+                            <a:rPr lang="ko-KR" altLang="ko-KR" i="1">
+                              <a:latin typeface="Cambria Math" panose="02040503050406030204" pitchFamily="18" charset="0"/>
+                            </a:rPr>
                           </m:ctrlPr>
                         </m:dPr>
                         <m:e>
                           <m:r>
-                            <a:rPr lang="en-US" altLang="ko-KR" i="1"/>
+                            <a:rPr lang="en-US" altLang="ko-KR" i="1">
+                              <a:latin typeface="Cambria Math" panose="02040503050406030204" pitchFamily="18" charset="0"/>
+                            </a:rPr>
                             <m:t>𝒏</m:t>
                           </m:r>
                         </m:e>
                       </m:d>
                       <m:r>
-                        <a:rPr lang="en-US" altLang="ko-KR" i="1"/>
+                        <a:rPr lang="en-US" altLang="ko-KR" i="1">
+                          <a:latin typeface="Cambria Math" panose="02040503050406030204" pitchFamily="18" charset="0"/>
+                        </a:rPr>
                         <m:t>≤</m:t>
                       </m:r>
                       <m:nary>
@@ -3709,34 +3738,48 @@
                           <m:chr m:val="∑"/>
                           <m:limLoc m:val="undOvr"/>
                           <m:ctrlPr>
-                            <a:rPr lang="ko-KR" altLang="ko-KR" i="1"/>
+                            <a:rPr lang="ko-KR" altLang="ko-KR" i="1">
+                              <a:latin typeface="Cambria Math" panose="02040503050406030204" pitchFamily="18" charset="0"/>
+                            </a:rPr>
                           </m:ctrlPr>
                         </m:naryPr>
                         <m:sub>
                           <m:r>
-                            <a:rPr lang="en-US" altLang="ko-KR" i="1"/>
+                            <a:rPr lang="en-US" altLang="ko-KR" i="1">
+                              <a:latin typeface="Cambria Math" panose="02040503050406030204" pitchFamily="18" charset="0"/>
+                            </a:rPr>
                             <m:t>𝒊</m:t>
                           </m:r>
                           <m:r>
-                            <a:rPr lang="en-US" altLang="ko-KR" i="1"/>
+                            <a:rPr lang="en-US" altLang="ko-KR" i="1">
+                              <a:latin typeface="Cambria Math" panose="02040503050406030204" pitchFamily="18" charset="0"/>
+                            </a:rPr>
                             <m:t>=</m:t>
                           </m:r>
                           <m:r>
-                            <a:rPr lang="en-US" altLang="ko-KR" i="1"/>
+                            <a:rPr lang="en-US" altLang="ko-KR" i="1">
+                              <a:latin typeface="Cambria Math" panose="02040503050406030204" pitchFamily="18" charset="0"/>
+                            </a:rPr>
                             <m:t>𝟏</m:t>
                           </m:r>
                         </m:sub>
                         <m:sup>
                           <m:r>
-                            <a:rPr lang="en-US" altLang="ko-KR" i="1"/>
+                            <a:rPr lang="en-US" altLang="ko-KR" i="1">
+                              <a:latin typeface="Cambria Math" panose="02040503050406030204" pitchFamily="18" charset="0"/>
+                            </a:rPr>
                             <m:t>𝒏</m:t>
                           </m:r>
                           <m:r>
-                            <a:rPr lang="en-US" altLang="ko-KR" i="1"/>
+                            <a:rPr lang="en-US" altLang="ko-KR" i="1">
+                              <a:latin typeface="Cambria Math" panose="02040503050406030204" pitchFamily="18" charset="0"/>
+                            </a:rPr>
                             <m:t>−</m:t>
                           </m:r>
                           <m:r>
-                            <a:rPr lang="en-US" altLang="ko-KR" i="1"/>
+                            <a:rPr lang="en-US" altLang="ko-KR" i="1">
+                              <a:latin typeface="Cambria Math" panose="02040503050406030204" pitchFamily="18" charset="0"/>
+                            </a:rPr>
                             <m:t>𝟏</m:t>
                           </m:r>
                         </m:sup>
@@ -3744,32 +3787,42 @@
                           <m:d>
                             <m:dPr>
                               <m:ctrlPr>
-                                <a:rPr lang="ko-KR" altLang="ko-KR" i="1"/>
+                                <a:rPr lang="ko-KR" altLang="ko-KR" i="1">
+                                  <a:latin typeface="Cambria Math" panose="02040503050406030204" pitchFamily="18" charset="0"/>
+                                </a:rPr>
                               </m:ctrlPr>
                             </m:dPr>
                             <m:e>
                               <m:f>
                                 <m:fPr>
                                   <m:ctrlPr>
-                                    <a:rPr lang="ko-KR" altLang="ko-KR" i="1"/>
+                                    <a:rPr lang="ko-KR" altLang="ko-KR" i="1">
+                                      <a:latin typeface="Cambria Math" panose="02040503050406030204" pitchFamily="18" charset="0"/>
+                                    </a:rPr>
                                   </m:ctrlPr>
                                 </m:fPr>
                                 <m:num>
                                   <m:sSub>
                                     <m:sSubPr>
                                       <m:ctrlPr>
-                                        <a:rPr lang="ko-KR" altLang="ko-KR" i="1"/>
+                                        <a:rPr lang="ko-KR" altLang="ko-KR" i="1">
+                                          <a:latin typeface="Cambria Math" panose="02040503050406030204" pitchFamily="18" charset="0"/>
+                                        </a:rPr>
                                       </m:ctrlPr>
                                     </m:sSubPr>
                                     <m:e>
                                       <m:r>
-                                        <a:rPr lang="en-US" altLang="ko-KR" i="1"/>
+                                        <a:rPr lang="en-US" altLang="ko-KR" i="1">
+                                          <a:latin typeface="Cambria Math" panose="02040503050406030204" pitchFamily="18" charset="0"/>
+                                        </a:rPr>
                                         <m:t>𝝉</m:t>
                                       </m:r>
                                     </m:e>
                                     <m:sub>
                                       <m:r>
-                                        <a:rPr lang="en-US" altLang="ko-KR" i="1"/>
+                                        <a:rPr lang="en-US" altLang="ko-KR" i="1">
+                                          <a:latin typeface="Cambria Math" panose="02040503050406030204" pitchFamily="18" charset="0"/>
+                                        </a:rPr>
                                         <m:t>𝟎</m:t>
                                       </m:r>
                                     </m:sub>
@@ -3779,12 +3832,16 @@
                                       <m:begChr m:val="["/>
                                       <m:endChr m:val="]"/>
                                       <m:ctrlPr>
-                                        <a:rPr lang="ko-KR" altLang="ko-KR" i="1"/>
+                                        <a:rPr lang="ko-KR" altLang="ko-KR" i="1">
+                                          <a:latin typeface="Cambria Math" panose="02040503050406030204" pitchFamily="18" charset="0"/>
+                                        </a:rPr>
                                       </m:ctrlPr>
                                     </m:dPr>
                                     <m:e>
                                       <m:r>
-                                        <a:rPr lang="en-US" altLang="ko-KR" i="1"/>
+                                        <a:rPr lang="en-US" altLang="ko-KR" i="1">
+                                          <a:latin typeface="Cambria Math" panose="02040503050406030204" pitchFamily="18" charset="0"/>
+                                        </a:rPr>
                                         <m:t>𝒊</m:t>
                                       </m:r>
                                     </m:e>
@@ -3792,18 +3849,24 @@
                                   <m:sSub>
                                     <m:sSubPr>
                                       <m:ctrlPr>
-                                        <a:rPr lang="ko-KR" altLang="ko-KR" i="1"/>
+                                        <a:rPr lang="ko-KR" altLang="ko-KR" i="1">
+                                          <a:latin typeface="Cambria Math" panose="02040503050406030204" pitchFamily="18" charset="0"/>
+                                        </a:rPr>
                                       </m:ctrlPr>
                                     </m:sSubPr>
                                     <m:e>
                                       <m:r>
-                                        <a:rPr lang="en-US" altLang="ko-KR" i="1"/>
+                                        <a:rPr lang="en-US" altLang="ko-KR" i="1">
+                                          <a:latin typeface="Cambria Math" panose="02040503050406030204" pitchFamily="18" charset="0"/>
+                                        </a:rPr>
                                         <m:t>𝜻</m:t>
                                       </m:r>
                                     </m:e>
                                     <m:sub>
                                       <m:r>
-                                        <a:rPr lang="en-US" altLang="ko-KR" i="1"/>
+                                        <a:rPr lang="en-US" altLang="ko-KR" i="1">
+                                          <a:latin typeface="Cambria Math" panose="02040503050406030204" pitchFamily="18" charset="0"/>
+                                        </a:rPr>
                                         <m:t>𝒌</m:t>
                                       </m:r>
                                     </m:sub>
@@ -3815,6 +3878,7 @@
                                           <a:solidFill>
                                             <a:srgbClr val="9933FF"/>
                                           </a:solidFill>
+                                          <a:latin typeface="Cambria Math" panose="02040503050406030204" pitchFamily="18" charset="0"/>
                                         </a:rPr>
                                       </m:ctrlPr>
                                     </m:sSubPr>
@@ -3824,6 +3888,7 @@
                                           <a:solidFill>
                                             <a:srgbClr val="9933FF"/>
                                           </a:solidFill>
+                                          <a:latin typeface="Cambria Math" panose="02040503050406030204" pitchFamily="18" charset="0"/>
                                         </a:rPr>
                                         <m:t>𝒈</m:t>
                                       </m:r>
@@ -3834,6 +3899,7 @@
                                           <a:solidFill>
                                             <a:srgbClr val="9933FF"/>
                                           </a:solidFill>
+                                          <a:latin typeface="Cambria Math" panose="02040503050406030204" pitchFamily="18" charset="0"/>
                                         </a:rPr>
                                         <m:t>𝟎</m:t>
                                       </m:r>
@@ -3842,18 +3908,24 @@
                                   <m:sSup>
                                     <m:sSupPr>
                                       <m:ctrlPr>
-                                        <a:rPr lang="ko-KR" altLang="ko-KR" i="1"/>
+                                        <a:rPr lang="ko-KR" altLang="ko-KR" i="1">
+                                          <a:latin typeface="Cambria Math" panose="02040503050406030204" pitchFamily="18" charset="0"/>
+                                        </a:rPr>
                                       </m:ctrlPr>
                                     </m:sSupPr>
                                     <m:e>
                                       <m:r>
-                                        <a:rPr lang="en-US" altLang="ko-KR" i="1"/>
+                                        <a:rPr lang="en-US" altLang="ko-KR" i="1">
+                                          <a:latin typeface="Cambria Math" panose="02040503050406030204" pitchFamily="18" charset="0"/>
+                                        </a:rPr>
                                         <m:t>𝑷</m:t>
                                       </m:r>
                                     </m:e>
                                     <m:sup>
                                       <m:r>
-                                        <a:rPr lang="en-US" altLang="ko-KR" i="1"/>
+                                        <a:rPr lang="en-US" altLang="ko-KR" i="1">
+                                          <a:latin typeface="Cambria Math" panose="02040503050406030204" pitchFamily="18" charset="0"/>
+                                        </a:rPr>
                                         <m:t>𝑫𝑳</m:t>
                                       </m:r>
                                     </m:sup>
@@ -3867,6 +3939,7 @@
                                           <a:solidFill>
                                             <a:srgbClr val="9933FF"/>
                                           </a:solidFill>
+                                          <a:latin typeface="Cambria Math" panose="02040503050406030204" pitchFamily="18" charset="0"/>
                                         </a:rPr>
                                       </m:ctrlPr>
                                     </m:sSupPr>
@@ -3878,6 +3951,7 @@
                                               <a:solidFill>
                                                 <a:srgbClr val="9933FF"/>
                                               </a:solidFill>
+                                              <a:latin typeface="Cambria Math" panose="02040503050406030204" pitchFamily="18" charset="0"/>
                                             </a:rPr>
                                           </m:ctrlPr>
                                         </m:dPr>
@@ -3889,6 +3963,7 @@
                                                   <a:solidFill>
                                                     <a:srgbClr val="9933FF"/>
                                                   </a:solidFill>
+                                                  <a:latin typeface="Cambria Math" panose="02040503050406030204" pitchFamily="18" charset="0"/>
                                                 </a:rPr>
                                               </m:ctrlPr>
                                             </m:sSupPr>
@@ -3902,6 +3977,7 @@
                                                       <a:solidFill>
                                                         <a:srgbClr val="9933FF"/>
                                                       </a:solidFill>
+                                                      <a:latin typeface="Cambria Math" panose="02040503050406030204" pitchFamily="18" charset="0"/>
                                                     </a:rPr>
                                                   </m:ctrlPr>
                                                 </m:dPr>
@@ -3913,6 +3989,7 @@
                                                           <a:solidFill>
                                                             <a:srgbClr val="9933FF"/>
                                                           </a:solidFill>
+                                                          <a:latin typeface="Cambria Math" panose="02040503050406030204" pitchFamily="18" charset="0"/>
                                                         </a:rPr>
                                                       </m:ctrlPr>
                                                     </m:sSubPr>
@@ -3922,6 +3999,7 @@
                                                           <a:solidFill>
                                                             <a:srgbClr val="9933FF"/>
                                                           </a:solidFill>
+                                                          <a:latin typeface="Cambria Math" panose="02040503050406030204" pitchFamily="18" charset="0"/>
                                                         </a:rPr>
                                                         <m:t>𝐩</m:t>
                                                       </m:r>
@@ -3932,6 +4010,7 @@
                                                           <a:solidFill>
                                                             <a:srgbClr val="9933FF"/>
                                                           </a:solidFill>
+                                                          <a:latin typeface="Cambria Math" panose="02040503050406030204" pitchFamily="18" charset="0"/>
                                                         </a:rPr>
                                                         <m:t>𝐄</m:t>
                                                       </m:r>
@@ -3946,6 +4025,7 @@
                                                           <a:solidFill>
                                                             <a:srgbClr val="9933FF"/>
                                                           </a:solidFill>
+                                                          <a:latin typeface="Cambria Math" panose="02040503050406030204" pitchFamily="18" charset="0"/>
                                                         </a:rPr>
                                                       </m:ctrlPr>
                                                     </m:dPr>
@@ -3955,6 +4035,7 @@
                                                           <a:solidFill>
                                                             <a:srgbClr val="9933FF"/>
                                                           </a:solidFill>
+                                                          <a:latin typeface="Cambria Math" panose="02040503050406030204" pitchFamily="18" charset="0"/>
                                                         </a:rPr>
                                                         <m:t>𝒊</m:t>
                                                       </m:r>
@@ -3965,6 +4046,7 @@
                                                       <a:solidFill>
                                                         <a:srgbClr val="9933FF"/>
                                                       </a:solidFill>
+                                                      <a:latin typeface="Cambria Math" panose="02040503050406030204" pitchFamily="18" charset="0"/>
                                                     </a:rPr>
                                                     <m:t>−</m:t>
                                                   </m:r>
@@ -3975,6 +4057,7 @@
                                                           <a:solidFill>
                                                             <a:srgbClr val="9933FF"/>
                                                           </a:solidFill>
+                                                          <a:latin typeface="Cambria Math" panose="02040503050406030204" pitchFamily="18" charset="0"/>
                                                         </a:rPr>
                                                       </m:ctrlPr>
                                                     </m:sSubPr>
@@ -3984,6 +4067,7 @@
                                                           <a:solidFill>
                                                             <a:srgbClr val="9933FF"/>
                                                           </a:solidFill>
+                                                          <a:latin typeface="Cambria Math" panose="02040503050406030204" pitchFamily="18" charset="0"/>
                                                         </a:rPr>
                                                         <m:t>𝐮</m:t>
                                                       </m:r>
@@ -3994,6 +4078,7 @@
                                                           <a:solidFill>
                                                             <a:srgbClr val="9933FF"/>
                                                           </a:solidFill>
+                                                          <a:latin typeface="Cambria Math" panose="02040503050406030204" pitchFamily="18" charset="0"/>
                                                         </a:rPr>
                                                         <m:t>𝒌</m:t>
                                                       </m:r>
@@ -4008,6 +4093,7 @@
                                                   <a:solidFill>
                                                     <a:srgbClr val="9933FF"/>
                                                   </a:solidFill>
+                                                  <a:latin typeface="Cambria Math" panose="02040503050406030204" pitchFamily="18" charset="0"/>
                                                 </a:rPr>
                                                 <m:t>𝟐</m:t>
                                               </m:r>
@@ -4018,6 +4104,7 @@
                                               <a:solidFill>
                                                 <a:srgbClr val="9933FF"/>
                                               </a:solidFill>
+                                              <a:latin typeface="Cambria Math" panose="02040503050406030204" pitchFamily="18" charset="0"/>
                                             </a:rPr>
                                             <m:t>+</m:t>
                                           </m:r>
@@ -4028,6 +4115,7 @@
                                                   <a:solidFill>
                                                     <a:srgbClr val="9933FF"/>
                                                   </a:solidFill>
+                                                  <a:latin typeface="Cambria Math" panose="02040503050406030204" pitchFamily="18" charset="0"/>
                                                 </a:rPr>
                                               </m:ctrlPr>
                                             </m:sSubSupPr>
@@ -4037,6 +4125,7 @@
                                                   <a:solidFill>
                                                     <a:srgbClr val="9933FF"/>
                                                   </a:solidFill>
+                                                  <a:latin typeface="Cambria Math" panose="02040503050406030204" pitchFamily="18" charset="0"/>
                                                 </a:rPr>
                                                 <m:t>𝑯</m:t>
                                               </m:r>
@@ -4047,6 +4136,7 @@
                                                   <a:solidFill>
                                                     <a:srgbClr val="9933FF"/>
                                                   </a:solidFill>
+                                                  <a:latin typeface="Cambria Math" panose="02040503050406030204" pitchFamily="18" charset="0"/>
                                                 </a:rPr>
                                                 <m:t>𝑬</m:t>
                                               </m:r>
@@ -4057,6 +4147,7 @@
                                                   <a:solidFill>
                                                     <a:srgbClr val="9933FF"/>
                                                   </a:solidFill>
+                                                  <a:latin typeface="Cambria Math" panose="02040503050406030204" pitchFamily="18" charset="0"/>
                                                 </a:rPr>
                                                 <m:t>𝟐</m:t>
                                               </m:r>
@@ -4073,6 +4164,7 @@
                                               <a:solidFill>
                                                 <a:srgbClr val="9933FF"/>
                                               </a:solidFill>
+                                              <a:latin typeface="Cambria Math" panose="02040503050406030204" pitchFamily="18" charset="0"/>
                                             </a:rPr>
                                           </m:ctrlPr>
                                         </m:fPr>
@@ -4082,6 +4174,7 @@
                                               <a:solidFill>
                                                 <a:srgbClr val="9933FF"/>
                                               </a:solidFill>
+                                              <a:latin typeface="Cambria Math" panose="02040503050406030204" pitchFamily="18" charset="0"/>
                                             </a:rPr>
                                             <m:t>𝜸</m:t>
                                           </m:r>
@@ -4092,6 +4185,7 @@
                                               <a:solidFill>
                                                 <a:srgbClr val="9933FF"/>
                                               </a:solidFill>
+                                              <a:latin typeface="Cambria Math" panose="02040503050406030204" pitchFamily="18" charset="0"/>
                                             </a:rPr>
                                             <m:t>𝟐</m:t>
                                           </m:r>
@@ -4102,24 +4196,32 @@
                                 </m:den>
                               </m:f>
                               <m:r>
-                                <a:rPr lang="en-US" altLang="ko-KR" i="1"/>
+                                <a:rPr lang="en-US" altLang="ko-KR" i="1">
+                                  <a:latin typeface="Cambria Math" panose="02040503050406030204" pitchFamily="18" charset="0"/>
+                                </a:rPr>
                                 <m:t>−</m:t>
                               </m:r>
                               <m:sSub>
                                 <m:sSubPr>
                                   <m:ctrlPr>
-                                    <a:rPr lang="ko-KR" altLang="ko-KR" i="1"/>
+                                    <a:rPr lang="ko-KR" altLang="ko-KR" i="1">
+                                      <a:latin typeface="Cambria Math" panose="02040503050406030204" pitchFamily="18" charset="0"/>
+                                    </a:rPr>
                                   </m:ctrlPr>
                                 </m:sSubPr>
                                 <m:e>
                                   <m:r>
-                                    <a:rPr lang="en-US" altLang="ko-KR" i="1"/>
+                                    <a:rPr lang="en-US" altLang="ko-KR" i="1">
+                                      <a:latin typeface="Cambria Math" panose="02040503050406030204" pitchFamily="18" charset="0"/>
+                                    </a:rPr>
                                     <m:t>𝝉</m:t>
                                   </m:r>
                                 </m:e>
                                 <m:sub>
                                   <m:r>
-                                    <a:rPr lang="en-US" altLang="ko-KR" i="1"/>
+                                    <a:rPr lang="en-US" altLang="ko-KR" i="1">
+                                      <a:latin typeface="Cambria Math" panose="02040503050406030204" pitchFamily="18" charset="0"/>
+                                    </a:rPr>
                                     <m:t>𝒌</m:t>
                                   </m:r>
                                 </m:sub>
@@ -4129,12 +4231,16 @@
                                   <m:begChr m:val="["/>
                                   <m:endChr m:val="]"/>
                                   <m:ctrlPr>
-                                    <a:rPr lang="ko-KR" altLang="ko-KR" i="1"/>
+                                    <a:rPr lang="ko-KR" altLang="ko-KR" i="1">
+                                      <a:latin typeface="Cambria Math" panose="02040503050406030204" pitchFamily="18" charset="0"/>
+                                    </a:rPr>
                                   </m:ctrlPr>
                                 </m:dPr>
                                 <m:e>
                                   <m:r>
-                                    <a:rPr lang="en-US" altLang="ko-KR" i="1"/>
+                                    <a:rPr lang="en-US" altLang="ko-KR" i="1">
+                                      <a:latin typeface="Cambria Math" panose="02040503050406030204" pitchFamily="18" charset="0"/>
+                                    </a:rPr>
                                     <m:t>𝒊</m:t>
                                   </m:r>
                                 </m:e>
@@ -4142,24 +4248,32 @@
                               <m:sSubSup>
                                 <m:sSubSupPr>
                                   <m:ctrlPr>
-                                    <a:rPr lang="ko-KR" altLang="ko-KR" i="1"/>
+                                    <a:rPr lang="ko-KR" altLang="ko-KR" i="1">
+                                      <a:latin typeface="Cambria Math" panose="02040503050406030204" pitchFamily="18" charset="0"/>
+                                    </a:rPr>
                                   </m:ctrlPr>
                                 </m:sSubSupPr>
                                 <m:e>
                                   <m:r>
-                                    <a:rPr lang="en-US" altLang="ko-KR" i="1"/>
+                                    <a:rPr lang="en-US" altLang="ko-KR" i="1">
+                                      <a:latin typeface="Cambria Math" panose="02040503050406030204" pitchFamily="18" charset="0"/>
+                                    </a:rPr>
                                     <m:t>𝑷</m:t>
                                   </m:r>
                                 </m:e>
                                 <m:sub>
                                   <m:r>
-                                    <a:rPr lang="en-US" altLang="ko-KR" i="1"/>
+                                    <a:rPr lang="en-US" altLang="ko-KR" i="1">
+                                      <a:latin typeface="Cambria Math" panose="02040503050406030204" pitchFamily="18" charset="0"/>
+                                    </a:rPr>
                                     <m:t>𝒌</m:t>
                                   </m:r>
                                 </m:sub>
                                 <m:sup>
                                   <m:r>
-                                    <a:rPr lang="en-US" altLang="ko-KR" i="1"/>
+                                    <a:rPr lang="en-US" altLang="ko-KR" i="1">
+                                      <a:latin typeface="Cambria Math" panose="02040503050406030204" pitchFamily="18" charset="0"/>
+                                    </a:rPr>
                                     <m:t>𝑼𝑳</m:t>
                                   </m:r>
                                 </m:sup>
@@ -4169,12 +4283,16 @@
                                   <m:begChr m:val="["/>
                                   <m:endChr m:val="]"/>
                                   <m:ctrlPr>
-                                    <a:rPr lang="ko-KR" altLang="ko-KR" i="1"/>
+                                    <a:rPr lang="ko-KR" altLang="ko-KR" i="1">
+                                      <a:latin typeface="Cambria Math" panose="02040503050406030204" pitchFamily="18" charset="0"/>
+                                    </a:rPr>
                                   </m:ctrlPr>
                                 </m:dPr>
                                 <m:e>
                                   <m:r>
-                                    <a:rPr lang="en-US" altLang="ko-KR" i="1"/>
+                                    <a:rPr lang="en-US" altLang="ko-KR" i="1">
+                                      <a:latin typeface="Cambria Math" panose="02040503050406030204" pitchFamily="18" charset="0"/>
+                                    </a:rPr>
                                     <m:t>𝒊</m:t>
                                   </m:r>
                                 </m:e>
@@ -4335,7 +4453,7 @@
             </p:txBody>
           </p:sp>
         </mc:Choice>
-        <mc:Fallback>
+        <mc:Fallback xmlns="">
           <p:sp>
             <p:nvSpPr>
               <p:cNvPr id="2" name="Rectangle 1"/>
@@ -4374,8 +4492,8 @@
           </p:sp>
         </mc:Fallback>
       </mc:AlternateContent>
-      <mc:AlternateContent xmlns:mc="http://schemas.openxmlformats.org/markup-compatibility/2006">
-        <mc:Choice xmlns:a14="http://schemas.microsoft.com/office/drawing/2010/main" Requires="a14">
+      <mc:AlternateContent xmlns:mc="http://schemas.openxmlformats.org/markup-compatibility/2006" xmlns:a14="http://schemas.microsoft.com/office/drawing/2010/main">
+        <mc:Choice Requires="a14">
           <p:sp>
             <p:nvSpPr>
               <p:cNvPr id="3" name="Rectangle 2"/>
@@ -4397,6 +4515,7 @@
               </a:bodyPr>
               <a:lstStyle/>
               <a:p>
+                <a:pPr/>
                 <a14:m>
                   <m:oMathPara xmlns:m="http://schemas.openxmlformats.org/officeDocument/2006/math">
                     <m:oMathParaPr>
@@ -4406,7 +4525,7 @@
                       <m:sSub>
                         <m:sSubPr>
                           <m:ctrlPr>
-                            <a:rPr lang="ko-KR" altLang="en-US" smtClean="0">
+                            <a:rPr lang="ko-KR" altLang="en-US" i="1" smtClean="0">
                               <a:solidFill>
                                 <a:srgbClr val="0000FF"/>
                               </a:solidFill>
@@ -4758,7 +4877,7 @@
             </p:txBody>
           </p:sp>
         </mc:Choice>
-        <mc:Fallback>
+        <mc:Fallback xmlns="">
           <p:sp>
             <p:nvSpPr>
               <p:cNvPr id="3" name="Rectangle 2"/>
@@ -4797,8 +4916,8 @@
           </p:sp>
         </mc:Fallback>
       </mc:AlternateContent>
-      <mc:AlternateContent xmlns:mc="http://schemas.openxmlformats.org/markup-compatibility/2006">
-        <mc:Choice xmlns:a14="http://schemas.microsoft.com/office/drawing/2010/main" Requires="a14">
+      <mc:AlternateContent xmlns:mc="http://schemas.openxmlformats.org/markup-compatibility/2006" xmlns:a14="http://schemas.microsoft.com/office/drawing/2010/main">
+        <mc:Choice Requires="a14">
           <p:sp>
             <p:nvSpPr>
               <p:cNvPr id="11" name="Rectangle 10"/>
@@ -4820,6 +4939,7 @@
               </a:bodyPr>
               <a:lstStyle/>
               <a:p>
+                <a:pPr/>
                 <a14:m>
                   <m:oMathPara xmlns:m="http://schemas.openxmlformats.org/officeDocument/2006/math">
                     <m:oMathParaPr>
@@ -4829,7 +4949,7 @@
                       <m:sSub>
                         <m:sSubPr>
                           <m:ctrlPr>
-                            <a:rPr lang="ko-KR" altLang="en-US" smtClean="0">
+                            <a:rPr lang="ko-KR" altLang="en-US" i="1" smtClean="0">
                               <a:solidFill>
                                 <a:srgbClr val="FF0000"/>
                               </a:solidFill>
@@ -5020,7 +5140,7 @@
                                           <m:sSub>
                                             <m:sSubPr>
                                               <m:ctrlPr>
-                                                <a:rPr lang="en-US" altLang="ko-KR" b="1" i="0" smtClean="0">
+                                                <a:rPr lang="en-US" altLang="ko-KR" b="1" i="1" smtClean="0">
                                                   <a:solidFill>
                                                     <a:srgbClr val="FF0000"/>
                                                   </a:solidFill>
@@ -5238,7 +5358,7 @@
             </p:txBody>
           </p:sp>
         </mc:Choice>
-        <mc:Fallback>
+        <mc:Fallback xmlns="">
           <p:sp>
             <p:nvSpPr>
               <p:cNvPr id="11" name="Rectangle 10"/>
@@ -5277,8 +5397,8 @@
           </p:sp>
         </mc:Fallback>
       </mc:AlternateContent>
-      <mc:AlternateContent xmlns:mc="http://schemas.openxmlformats.org/markup-compatibility/2006">
-        <mc:Choice xmlns:a14="http://schemas.microsoft.com/office/drawing/2010/main" Requires="a14">
+      <mc:AlternateContent xmlns:mc="http://schemas.openxmlformats.org/markup-compatibility/2006" xmlns:a14="http://schemas.microsoft.com/office/drawing/2010/main">
+        <mc:Choice Requires="a14">
           <p:sp>
             <p:nvSpPr>
               <p:cNvPr id="12" name="Rectangle 11"/>
@@ -5300,6 +5420,7 @@
               </a:bodyPr>
               <a:lstStyle/>
               <a:p>
+                <a:pPr/>
                 <a14:m>
                   <m:oMathPara xmlns:m="http://schemas.openxmlformats.org/officeDocument/2006/math">
                     <m:oMathParaPr>
@@ -5309,18 +5430,24 @@
                       <m:sSub>
                         <m:sSubPr>
                           <m:ctrlPr>
-                            <a:rPr lang="ko-KR" altLang="ko-KR" i="1" smtClean="0"/>
+                            <a:rPr lang="ko-KR" altLang="ko-KR" i="1" smtClean="0">
+                              <a:latin typeface="Cambria Math" panose="02040503050406030204" pitchFamily="18" charset="0"/>
+                            </a:rPr>
                           </m:ctrlPr>
                         </m:sSubPr>
                         <m:e>
                           <m:r>
-                            <a:rPr lang="en-US" altLang="ko-KR" i="1"/>
+                            <a:rPr lang="en-US" altLang="ko-KR" i="1">
+                              <a:latin typeface="Cambria Math" panose="02040503050406030204" pitchFamily="18" charset="0"/>
+                            </a:rPr>
                             <m:t>𝝉</m:t>
                           </m:r>
                         </m:e>
                         <m:sub>
                           <m:r>
-                            <a:rPr lang="en-US" altLang="ko-KR" i="1"/>
+                            <a:rPr lang="en-US" altLang="ko-KR" i="1">
+                              <a:latin typeface="Cambria Math" panose="02040503050406030204" pitchFamily="18" charset="0"/>
+                            </a:rPr>
                             <m:t>𝒌</m:t>
                           </m:r>
                         </m:sub>
@@ -5330,12 +5457,16 @@
                           <m:begChr m:val="["/>
                           <m:endChr m:val="]"/>
                           <m:ctrlPr>
-                            <a:rPr lang="ko-KR" altLang="ko-KR" i="1"/>
+                            <a:rPr lang="ko-KR" altLang="ko-KR" i="1">
+                              <a:latin typeface="Cambria Math" panose="02040503050406030204" pitchFamily="18" charset="0"/>
+                            </a:rPr>
                           </m:ctrlPr>
                         </m:dPr>
                         <m:e>
                           <m:r>
-                            <a:rPr lang="en-US" altLang="ko-KR" i="1"/>
+                            <a:rPr lang="en-US" altLang="ko-KR" i="1">
+                              <a:latin typeface="Cambria Math" panose="02040503050406030204" pitchFamily="18" charset="0"/>
+                            </a:rPr>
                             <m:t>𝒏</m:t>
                           </m:r>
                         </m:e>
@@ -5343,24 +5474,32 @@
                       <m:sSubSup>
                         <m:sSubSupPr>
                           <m:ctrlPr>
-                            <a:rPr lang="ko-KR" altLang="ko-KR" i="1"/>
+                            <a:rPr lang="ko-KR" altLang="ko-KR" i="1">
+                              <a:latin typeface="Cambria Math" panose="02040503050406030204" pitchFamily="18" charset="0"/>
+                            </a:rPr>
                           </m:ctrlPr>
                         </m:sSubSupPr>
                         <m:e>
                           <m:r>
-                            <a:rPr lang="en-US" altLang="ko-KR" i="1"/>
+                            <a:rPr lang="en-US" altLang="ko-KR" i="1">
+                              <a:latin typeface="Cambria Math" panose="02040503050406030204" pitchFamily="18" charset="0"/>
+                            </a:rPr>
                             <m:t>𝑷</m:t>
                           </m:r>
                         </m:e>
                         <m:sub>
                           <m:r>
-                            <a:rPr lang="en-US" altLang="ko-KR" i="1"/>
+                            <a:rPr lang="en-US" altLang="ko-KR" i="1">
+                              <a:latin typeface="Cambria Math" panose="02040503050406030204" pitchFamily="18" charset="0"/>
+                            </a:rPr>
                             <m:t>𝒌</m:t>
                           </m:r>
                         </m:sub>
                         <m:sup>
                           <m:r>
-                            <a:rPr lang="en-US" altLang="ko-KR" i="1"/>
+                            <a:rPr lang="en-US" altLang="ko-KR" i="1">
+                              <a:latin typeface="Cambria Math" panose="02040503050406030204" pitchFamily="18" charset="0"/>
+                            </a:rPr>
                             <m:t>𝑼𝑳</m:t>
                           </m:r>
                         </m:sup>
@@ -5370,18 +5509,24 @@
                           <m:begChr m:val="["/>
                           <m:endChr m:val="]"/>
                           <m:ctrlPr>
-                            <a:rPr lang="ko-KR" altLang="ko-KR" i="1"/>
+                            <a:rPr lang="ko-KR" altLang="ko-KR" i="1">
+                              <a:latin typeface="Cambria Math" panose="02040503050406030204" pitchFamily="18" charset="0"/>
+                            </a:rPr>
                           </m:ctrlPr>
                         </m:dPr>
                         <m:e>
                           <m:r>
-                            <a:rPr lang="en-US" altLang="ko-KR" i="1"/>
+                            <a:rPr lang="en-US" altLang="ko-KR" i="1">
+                              <a:latin typeface="Cambria Math" panose="02040503050406030204" pitchFamily="18" charset="0"/>
+                            </a:rPr>
                             <m:t>𝒏</m:t>
                           </m:r>
                         </m:e>
                       </m:d>
                       <m:r>
-                        <a:rPr lang="en-US" altLang="ko-KR" i="1"/>
+                        <a:rPr lang="en-US" altLang="ko-KR" i="1">
+                          <a:latin typeface="Cambria Math" panose="02040503050406030204" pitchFamily="18" charset="0"/>
+                        </a:rPr>
                         <m:t>≤</m:t>
                       </m:r>
                       <m:nary>
@@ -5389,34 +5534,48 @@
                           <m:chr m:val="∑"/>
                           <m:limLoc m:val="undOvr"/>
                           <m:ctrlPr>
-                            <a:rPr lang="ko-KR" altLang="ko-KR" i="1"/>
+                            <a:rPr lang="ko-KR" altLang="ko-KR" i="1">
+                              <a:latin typeface="Cambria Math" panose="02040503050406030204" pitchFamily="18" charset="0"/>
+                            </a:rPr>
                           </m:ctrlPr>
                         </m:naryPr>
                         <m:sub>
                           <m:r>
-                            <a:rPr lang="en-US" altLang="ko-KR" i="1"/>
+                            <a:rPr lang="en-US" altLang="ko-KR" i="1">
+                              <a:latin typeface="Cambria Math" panose="02040503050406030204" pitchFamily="18" charset="0"/>
+                            </a:rPr>
                             <m:t>𝒊</m:t>
                           </m:r>
                           <m:r>
-                            <a:rPr lang="en-US" altLang="ko-KR" i="1"/>
+                            <a:rPr lang="en-US" altLang="ko-KR" i="1">
+                              <a:latin typeface="Cambria Math" panose="02040503050406030204" pitchFamily="18" charset="0"/>
+                            </a:rPr>
                             <m:t>=</m:t>
                           </m:r>
                           <m:r>
-                            <a:rPr lang="en-US" altLang="ko-KR" i="1"/>
+                            <a:rPr lang="en-US" altLang="ko-KR" i="1">
+                              <a:latin typeface="Cambria Math" panose="02040503050406030204" pitchFamily="18" charset="0"/>
+                            </a:rPr>
                             <m:t>𝟏</m:t>
                           </m:r>
                         </m:sub>
                         <m:sup>
                           <m:r>
-                            <a:rPr lang="en-US" altLang="ko-KR" i="1"/>
+                            <a:rPr lang="en-US" altLang="ko-KR" i="1">
+                              <a:latin typeface="Cambria Math" panose="02040503050406030204" pitchFamily="18" charset="0"/>
+                            </a:rPr>
                             <m:t>𝒏</m:t>
                           </m:r>
                           <m:r>
-                            <a:rPr lang="en-US" altLang="ko-KR" i="1"/>
+                            <a:rPr lang="en-US" altLang="ko-KR" i="1">
+                              <a:latin typeface="Cambria Math" panose="02040503050406030204" pitchFamily="18" charset="0"/>
+                            </a:rPr>
                             <m:t>−</m:t>
                           </m:r>
                           <m:r>
-                            <a:rPr lang="en-US" altLang="ko-KR" i="1"/>
+                            <a:rPr lang="en-US" altLang="ko-KR" i="1">
+                              <a:latin typeface="Cambria Math" panose="02040503050406030204" pitchFamily="18" charset="0"/>
+                            </a:rPr>
                             <m:t>𝟏</m:t>
                           </m:r>
                         </m:sup>
@@ -5424,7 +5583,9 @@
                           <m:d>
                             <m:dPr>
                               <m:ctrlPr>
-                                <a:rPr lang="ko-KR" altLang="ko-KR" i="1"/>
+                                <a:rPr lang="ko-KR" altLang="ko-KR" i="1">
+                                  <a:latin typeface="Cambria Math" panose="02040503050406030204" pitchFamily="18" charset="0"/>
+                                </a:rPr>
                               </m:ctrlPr>
                             </m:dPr>
                             <m:e>
@@ -5609,24 +5770,32 @@
                                 </m:sup>
                               </m:sSup>
                               <m:r>
-                                <a:rPr lang="en-US" altLang="ko-KR" i="1"/>
+                                <a:rPr lang="en-US" altLang="ko-KR" i="1">
+                                  <a:latin typeface="Cambria Math" panose="02040503050406030204" pitchFamily="18" charset="0"/>
+                                </a:rPr>
                                 <m:t>−</m:t>
                               </m:r>
                               <m:sSub>
                                 <m:sSubPr>
                                   <m:ctrlPr>
-                                    <a:rPr lang="ko-KR" altLang="ko-KR" i="1"/>
+                                    <a:rPr lang="ko-KR" altLang="ko-KR" i="1">
+                                      <a:latin typeface="Cambria Math" panose="02040503050406030204" pitchFamily="18" charset="0"/>
+                                    </a:rPr>
                                   </m:ctrlPr>
                                 </m:sSubPr>
                                 <m:e>
                                   <m:r>
-                                    <a:rPr lang="en-US" altLang="ko-KR" i="1"/>
+                                    <a:rPr lang="en-US" altLang="ko-KR" i="1">
+                                      <a:latin typeface="Cambria Math" panose="02040503050406030204" pitchFamily="18" charset="0"/>
+                                    </a:rPr>
                                     <m:t>𝝉</m:t>
                                   </m:r>
                                 </m:e>
                                 <m:sub>
                                   <m:r>
-                                    <a:rPr lang="en-US" altLang="ko-KR" i="1"/>
+                                    <a:rPr lang="en-US" altLang="ko-KR" i="1">
+                                      <a:latin typeface="Cambria Math" panose="02040503050406030204" pitchFamily="18" charset="0"/>
+                                    </a:rPr>
                                     <m:t>𝒌</m:t>
                                   </m:r>
                                 </m:sub>
@@ -5636,12 +5805,16 @@
                                   <m:begChr m:val="["/>
                                   <m:endChr m:val="]"/>
                                   <m:ctrlPr>
-                                    <a:rPr lang="ko-KR" altLang="ko-KR" i="1"/>
+                                    <a:rPr lang="ko-KR" altLang="ko-KR" i="1">
+                                      <a:latin typeface="Cambria Math" panose="02040503050406030204" pitchFamily="18" charset="0"/>
+                                    </a:rPr>
                                   </m:ctrlPr>
                                 </m:dPr>
                                 <m:e>
                                   <m:r>
-                                    <a:rPr lang="en-US" altLang="ko-KR" i="1"/>
+                                    <a:rPr lang="en-US" altLang="ko-KR" i="1">
+                                      <a:latin typeface="Cambria Math" panose="02040503050406030204" pitchFamily="18" charset="0"/>
+                                    </a:rPr>
                                     <m:t>𝒊</m:t>
                                   </m:r>
                                 </m:e>
@@ -5649,24 +5822,32 @@
                               <m:sSubSup>
                                 <m:sSubSupPr>
                                   <m:ctrlPr>
-                                    <a:rPr lang="ko-KR" altLang="ko-KR" i="1"/>
+                                    <a:rPr lang="ko-KR" altLang="ko-KR" i="1">
+                                      <a:latin typeface="Cambria Math" panose="02040503050406030204" pitchFamily="18" charset="0"/>
+                                    </a:rPr>
                                   </m:ctrlPr>
                                 </m:sSubSupPr>
                                 <m:e>
                                   <m:r>
-                                    <a:rPr lang="en-US" altLang="ko-KR" i="1"/>
+                                    <a:rPr lang="en-US" altLang="ko-KR" i="1">
+                                      <a:latin typeface="Cambria Math" panose="02040503050406030204" pitchFamily="18" charset="0"/>
+                                    </a:rPr>
                                     <m:t>𝑷</m:t>
                                   </m:r>
                                 </m:e>
                                 <m:sub>
                                   <m:r>
-                                    <a:rPr lang="en-US" altLang="ko-KR" i="1"/>
+                                    <a:rPr lang="en-US" altLang="ko-KR" i="1">
+                                      <a:latin typeface="Cambria Math" panose="02040503050406030204" pitchFamily="18" charset="0"/>
+                                    </a:rPr>
                                     <m:t>𝒌</m:t>
                                   </m:r>
                                 </m:sub>
                                 <m:sup>
                                   <m:r>
-                                    <a:rPr lang="en-US" altLang="ko-KR" i="1"/>
+                                    <a:rPr lang="en-US" altLang="ko-KR" i="1">
+                                      <a:latin typeface="Cambria Math" panose="02040503050406030204" pitchFamily="18" charset="0"/>
+                                    </a:rPr>
                                     <m:t>𝑼𝑳</m:t>
                                   </m:r>
                                 </m:sup>
@@ -5676,12 +5857,16 @@
                                   <m:begChr m:val="["/>
                                   <m:endChr m:val="]"/>
                                   <m:ctrlPr>
-                                    <a:rPr lang="ko-KR" altLang="ko-KR" i="1"/>
+                                    <a:rPr lang="ko-KR" altLang="ko-KR" i="1">
+                                      <a:latin typeface="Cambria Math" panose="02040503050406030204" pitchFamily="18" charset="0"/>
+                                    </a:rPr>
                                   </m:ctrlPr>
                                 </m:dPr>
                                 <m:e>
                                   <m:r>
-                                    <a:rPr lang="en-US" altLang="ko-KR" i="1"/>
+                                    <a:rPr lang="en-US" altLang="ko-KR" i="1">
+                                      <a:latin typeface="Cambria Math" panose="02040503050406030204" pitchFamily="18" charset="0"/>
+                                    </a:rPr>
                                     <m:t>𝒊</m:t>
                                   </m:r>
                                 </m:e>
@@ -5842,7 +6027,7 @@
             </p:txBody>
           </p:sp>
         </mc:Choice>
-        <mc:Fallback>
+        <mc:Fallback xmlns="">
           <p:sp>
             <p:nvSpPr>
               <p:cNvPr id="12" name="Rectangle 11"/>
@@ -6042,8 +6227,8 @@
           </a:p>
         </p:txBody>
       </p:sp>
-      <mc:AlternateContent xmlns:mc="http://schemas.openxmlformats.org/markup-compatibility/2006">
-        <mc:Choice xmlns:a14="http://schemas.microsoft.com/office/drawing/2010/main" Requires="a14">
+      <mc:AlternateContent xmlns:mc="http://schemas.openxmlformats.org/markup-compatibility/2006" xmlns:a14="http://schemas.microsoft.com/office/drawing/2010/main">
+        <mc:Choice Requires="a14">
           <p:sp>
             <p:nvSpPr>
               <p:cNvPr id="2" name="Rectangle 1"/>
@@ -6065,6 +6250,7 @@
               </a:bodyPr>
               <a:lstStyle/>
               <a:p>
+                <a:pPr/>
                 <a14:m>
                   <m:oMathPara xmlns:m="http://schemas.openxmlformats.org/officeDocument/2006/math">
                     <m:oMathParaPr>
@@ -6074,32 +6260,44 @@
                       <m:sSub>
                         <m:sSubPr>
                           <m:ctrlPr>
-                            <a:rPr lang="ko-KR" altLang="ko-KR" i="1"/>
+                            <a:rPr lang="ko-KR" altLang="ko-KR" i="1">
+                              <a:latin typeface="Cambria Math" panose="02040503050406030204" pitchFamily="18" charset="0"/>
+                            </a:rPr>
                           </m:ctrlPr>
                         </m:sSubPr>
                         <m:e>
                           <m:r>
-                            <a:rPr lang="en-US" altLang="ko-KR" i="1"/>
+                            <a:rPr lang="en-US" altLang="ko-KR" i="1">
+                              <a:latin typeface="Cambria Math" panose="02040503050406030204" pitchFamily="18" charset="0"/>
+                            </a:rPr>
                             <m:t>𝑹</m:t>
                           </m:r>
                         </m:e>
                         <m:sub>
                           <m:r>
-                            <a:rPr lang="en-US" altLang="ko-KR" i="1"/>
+                            <a:rPr lang="en-US" altLang="ko-KR" i="1">
+                              <a:latin typeface="Cambria Math" panose="02040503050406030204" pitchFamily="18" charset="0"/>
+                            </a:rPr>
                             <m:t>𝒌</m:t>
                           </m:r>
                           <m:r>
-                            <a:rPr lang="en-US" altLang="ko-KR" i="1"/>
+                            <a:rPr lang="en-US" altLang="ko-KR" i="1">
+                              <a:latin typeface="Cambria Math" panose="02040503050406030204" pitchFamily="18" charset="0"/>
+                            </a:rPr>
                             <m:t>,</m:t>
                           </m:r>
                           <m:r>
-                            <a:rPr lang="en-US" altLang="ko-KR" i="1"/>
+                            <a:rPr lang="en-US" altLang="ko-KR" i="1">
+                              <a:latin typeface="Cambria Math" panose="02040503050406030204" pitchFamily="18" charset="0"/>
+                            </a:rPr>
                             <m:t>𝑺</m:t>
                           </m:r>
                         </m:sub>
                       </m:sSub>
                       <m:r>
-                        <a:rPr lang="en-US" altLang="ko-KR" i="1"/>
+                        <a:rPr lang="en-US" altLang="ko-KR" i="1">
+                          <a:latin typeface="Cambria Math" panose="02040503050406030204" pitchFamily="18" charset="0"/>
+                        </a:rPr>
                         <m:t>≜</m:t>
                       </m:r>
                       <m:nary>
@@ -6107,26 +6305,36 @@
                           <m:chr m:val="∑"/>
                           <m:limLoc m:val="undOvr"/>
                           <m:ctrlPr>
-                            <a:rPr lang="ko-KR" altLang="ko-KR" i="1"/>
+                            <a:rPr lang="ko-KR" altLang="ko-KR" i="1">
+                              <a:latin typeface="Cambria Math" panose="02040503050406030204" pitchFamily="18" charset="0"/>
+                            </a:rPr>
                           </m:ctrlPr>
                         </m:naryPr>
                         <m:sub>
                           <m:r>
-                            <a:rPr lang="en-US" altLang="ko-KR" i="1"/>
+                            <a:rPr lang="en-US" altLang="ko-KR" i="1">
+                              <a:latin typeface="Cambria Math" panose="02040503050406030204" pitchFamily="18" charset="0"/>
+                            </a:rPr>
                             <m:t>𝒏</m:t>
                           </m:r>
                           <m:r>
-                            <a:rPr lang="en-US" altLang="ko-KR" i="1"/>
+                            <a:rPr lang="en-US" altLang="ko-KR" i="1">
+                              <a:latin typeface="Cambria Math" panose="02040503050406030204" pitchFamily="18" charset="0"/>
+                            </a:rPr>
                             <m:t>=</m:t>
                           </m:r>
                           <m:r>
-                            <a:rPr lang="en-US" altLang="ko-KR" i="1"/>
+                            <a:rPr lang="en-US" altLang="ko-KR" i="1">
+                              <a:latin typeface="Cambria Math" panose="02040503050406030204" pitchFamily="18" charset="0"/>
+                            </a:rPr>
                             <m:t>𝟐</m:t>
                           </m:r>
                         </m:sub>
                         <m:sup>
                           <m:r>
-                            <a:rPr lang="en-US" altLang="ko-KR" i="1"/>
+                            <a:rPr lang="en-US" altLang="ko-KR" i="1">
+                              <a:latin typeface="Cambria Math" panose="02040503050406030204" pitchFamily="18" charset="0"/>
+                            </a:rPr>
                             <m:t>𝑵</m:t>
                           </m:r>
                         </m:sup>
@@ -6134,25 +6342,33 @@
                           <m:f>
                             <m:fPr>
                               <m:ctrlPr>
-                                <a:rPr lang="ko-KR" altLang="ko-KR" i="1"/>
+                                <a:rPr lang="ko-KR" altLang="ko-KR" i="1">
+                                  <a:latin typeface="Cambria Math" panose="02040503050406030204" pitchFamily="18" charset="0"/>
+                                </a:rPr>
                               </m:ctrlPr>
                             </m:fPr>
                             <m:num>
                               <m:sSub>
                                 <m:sSubPr>
                                   <m:ctrlPr>
-                                    <a:rPr lang="ko-KR" altLang="ko-KR" i="1"/>
+                                    <a:rPr lang="ko-KR" altLang="ko-KR" i="1">
+                                      <a:latin typeface="Cambria Math" panose="02040503050406030204" pitchFamily="18" charset="0"/>
+                                    </a:rPr>
                                   </m:ctrlPr>
                                 </m:sSubPr>
                                 <m:e>
                                   <m:r>
-                                    <a:rPr lang="en-US" altLang="ko-KR" i="1"/>
+                                    <a:rPr lang="en-US" altLang="ko-KR" i="1">
+                                      <a:latin typeface="Cambria Math" panose="02040503050406030204" pitchFamily="18" charset="0"/>
+                                    </a:rPr>
                                     <m:t>𝝉</m:t>
                                   </m:r>
                                 </m:e>
                                 <m:sub>
                                   <m:r>
-                                    <a:rPr lang="en-US" altLang="ko-KR" i="1"/>
+                                    <a:rPr lang="en-US" altLang="ko-KR" i="1">
+                                      <a:latin typeface="Cambria Math" panose="02040503050406030204" pitchFamily="18" charset="0"/>
+                                    </a:rPr>
                                     <m:t>𝒌</m:t>
                                   </m:r>
                                 </m:sub>
@@ -6162,12 +6378,16 @@
                                   <m:begChr m:val="["/>
                                   <m:endChr m:val="]"/>
                                   <m:ctrlPr>
-                                    <a:rPr lang="ko-KR" altLang="ko-KR" i="1"/>
+                                    <a:rPr lang="ko-KR" altLang="ko-KR" i="1">
+                                      <a:latin typeface="Cambria Math" panose="02040503050406030204" pitchFamily="18" charset="0"/>
+                                    </a:rPr>
                                   </m:ctrlPr>
                                 </m:dPr>
                                 <m:e>
                                   <m:r>
-                                    <a:rPr lang="en-US" altLang="ko-KR" i="1"/>
+                                    <a:rPr lang="en-US" altLang="ko-KR" i="1">
+                                      <a:latin typeface="Cambria Math" panose="02040503050406030204" pitchFamily="18" charset="0"/>
+                                    </a:rPr>
                                     <m:t>𝒏</m:t>
                                   </m:r>
                                 </m:e>
@@ -6175,7 +6395,9 @@
                             </m:num>
                             <m:den>
                               <m:r>
-                                <a:rPr lang="en-US" altLang="ko-KR" i="1"/>
+                                <a:rPr lang="en-US" altLang="ko-KR" i="1">
+                                  <a:latin typeface="Cambria Math" panose="02040503050406030204" pitchFamily="18" charset="0"/>
+                                </a:rPr>
                                 <m:t>𝑵</m:t>
                               </m:r>
                             </m:den>
@@ -6185,25 +6407,33 @@
                       <m:func>
                         <m:funcPr>
                           <m:ctrlPr>
-                            <a:rPr lang="ko-KR" altLang="ko-KR" i="1"/>
+                            <a:rPr lang="ko-KR" altLang="ko-KR" i="1">
+                              <a:latin typeface="Cambria Math" panose="02040503050406030204" pitchFamily="18" charset="0"/>
+                            </a:rPr>
                           </m:ctrlPr>
                         </m:funcPr>
                         <m:fName>
                           <m:sSub>
                             <m:sSubPr>
                               <m:ctrlPr>
-                                <a:rPr lang="ko-KR" altLang="ko-KR" i="1"/>
+                                <a:rPr lang="ko-KR" altLang="ko-KR" i="1">
+                                  <a:latin typeface="Cambria Math" panose="02040503050406030204" pitchFamily="18" charset="0"/>
+                                </a:rPr>
                               </m:ctrlPr>
                             </m:sSubPr>
                             <m:e>
                               <m:r>
-                                <a:rPr lang="en-US" altLang="ko-KR" i="1"/>
+                                <a:rPr lang="en-US" altLang="ko-KR" i="1">
+                                  <a:latin typeface="Cambria Math" panose="02040503050406030204" pitchFamily="18" charset="0"/>
+                                </a:rPr>
                                 <m:t>𝐥𝐨𝐠</m:t>
                               </m:r>
                             </m:e>
                             <m:sub>
                               <m:r>
-                                <a:rPr lang="en-US" altLang="ko-KR" i="1"/>
+                                <a:rPr lang="en-US" altLang="ko-KR" i="1">
+                                  <a:latin typeface="Cambria Math" panose="02040503050406030204" pitchFamily="18" charset="0"/>
+                                </a:rPr>
                                 <m:t>𝟐</m:t>
                               </m:r>
                             </m:sub>
@@ -6213,29 +6443,39 @@
                           <m:d>
                             <m:dPr>
                               <m:ctrlPr>
-                                <a:rPr lang="ko-KR" altLang="ko-KR" i="1"/>
+                                <a:rPr lang="ko-KR" altLang="ko-KR" i="1">
+                                  <a:latin typeface="Cambria Math" panose="02040503050406030204" pitchFamily="18" charset="0"/>
+                                </a:rPr>
                               </m:ctrlPr>
                             </m:dPr>
                             <m:e>
                               <m:r>
-                                <a:rPr lang="en-US" altLang="ko-KR" i="1"/>
+                                <a:rPr lang="en-US" altLang="ko-KR" i="1">
+                                  <a:latin typeface="Cambria Math" panose="02040503050406030204" pitchFamily="18" charset="0"/>
+                                </a:rPr>
                                 <m:t>𝟏</m:t>
                               </m:r>
                               <m:r>
-                                <a:rPr lang="en-US" altLang="ko-KR" i="1"/>
+                                <a:rPr lang="en-US" altLang="ko-KR" i="1">
+                                  <a:latin typeface="Cambria Math" panose="02040503050406030204" pitchFamily="18" charset="0"/>
+                                </a:rPr>
                                 <m:t>+</m:t>
                               </m:r>
                               <m:f>
                                 <m:fPr>
                                   <m:ctrlPr>
-                                    <a:rPr lang="ko-KR" altLang="ko-KR" i="1"/>
+                                    <a:rPr lang="ko-KR" altLang="ko-KR" i="1">
+                                      <a:latin typeface="Cambria Math" panose="02040503050406030204" pitchFamily="18" charset="0"/>
+                                    </a:rPr>
                                   </m:ctrlPr>
                                 </m:fPr>
                                 <m:num>
                                   <m:f>
                                     <m:fPr>
                                       <m:ctrlPr>
-                                        <a:rPr lang="ko-KR" altLang="ko-KR" i="1"/>
+                                        <a:rPr lang="ko-KR" altLang="ko-KR" i="1">
+                                          <a:latin typeface="Cambria Math" panose="02040503050406030204" pitchFamily="18" charset="0"/>
+                                        </a:rPr>
                                       </m:ctrlPr>
                                     </m:fPr>
                                     <m:num>
@@ -6246,6 +6486,7 @@
                                               <a:solidFill>
                                                 <a:srgbClr val="9933FF"/>
                                               </a:solidFill>
+                                              <a:latin typeface="Cambria Math" panose="02040503050406030204" pitchFamily="18" charset="0"/>
                                             </a:rPr>
                                           </m:ctrlPr>
                                         </m:sSubPr>
@@ -6255,6 +6496,7 @@
                                               <a:solidFill>
                                                 <a:srgbClr val="9933FF"/>
                                               </a:solidFill>
+                                              <a:latin typeface="Cambria Math" panose="02040503050406030204" pitchFamily="18" charset="0"/>
                                             </a:rPr>
                                             <m:t>𝒈</m:t>
                                           </m:r>
@@ -6265,13 +6507,16 @@
                                               <a:solidFill>
                                                 <a:srgbClr val="9933FF"/>
                                               </a:solidFill>
+                                              <a:latin typeface="Cambria Math" panose="02040503050406030204" pitchFamily="18" charset="0"/>
                                             </a:rPr>
                                             <m:t>𝟎</m:t>
                                           </m:r>
                                         </m:sub>
                                       </m:sSub>
                                       <m:r>
-                                        <a:rPr lang="en-US" altLang="ko-KR" i="1"/>
+                                        <a:rPr lang="en-US" altLang="ko-KR" i="1">
+                                          <a:latin typeface="Cambria Math" panose="02040503050406030204" pitchFamily="18" charset="0"/>
+                                        </a:rPr>
                                         <m:t>𝜼</m:t>
                                       </m:r>
                                     </m:num>
@@ -6279,18 +6524,24 @@
                                       <m:sSup>
                                         <m:sSupPr>
                                           <m:ctrlPr>
-                                            <a:rPr lang="ko-KR" altLang="ko-KR" i="1"/>
+                                            <a:rPr lang="ko-KR" altLang="ko-KR" i="1">
+                                              <a:latin typeface="Cambria Math" panose="02040503050406030204" pitchFamily="18" charset="0"/>
+                                            </a:rPr>
                                           </m:ctrlPr>
                                         </m:sSupPr>
                                         <m:e>
                                           <m:r>
-                                            <a:rPr lang="en-US" altLang="ko-KR" i="1"/>
+                                            <a:rPr lang="en-US" altLang="ko-KR" i="1">
+                                              <a:latin typeface="Cambria Math" panose="02040503050406030204" pitchFamily="18" charset="0"/>
+                                            </a:rPr>
                                             <m:t>𝝈</m:t>
                                           </m:r>
                                         </m:e>
                                         <m:sup>
                                           <m:r>
-                                            <a:rPr lang="en-US" altLang="ko-KR" i="1"/>
+                                            <a:rPr lang="en-US" altLang="ko-KR" i="1">
+                                              <a:latin typeface="Cambria Math" panose="02040503050406030204" pitchFamily="18" charset="0"/>
+                                            </a:rPr>
                                             <m:t>𝟐</m:t>
                                           </m:r>
                                         </m:sup>
@@ -6300,24 +6551,32 @@
                                   <m:sSubSup>
                                     <m:sSubSupPr>
                                       <m:ctrlPr>
-                                        <a:rPr lang="ko-KR" altLang="ko-KR" i="1"/>
+                                        <a:rPr lang="ko-KR" altLang="ko-KR" i="1">
+                                          <a:latin typeface="Cambria Math" panose="02040503050406030204" pitchFamily="18" charset="0"/>
+                                        </a:rPr>
                                       </m:ctrlPr>
                                     </m:sSubSupPr>
                                     <m:e>
                                       <m:r>
-                                        <a:rPr lang="en-US" altLang="ko-KR" i="1"/>
+                                        <a:rPr lang="en-US" altLang="ko-KR" i="1">
+                                          <a:latin typeface="Cambria Math" panose="02040503050406030204" pitchFamily="18" charset="0"/>
+                                        </a:rPr>
                                         <m:t>𝑷</m:t>
                                       </m:r>
                                     </m:e>
                                     <m:sub>
                                       <m:r>
-                                        <a:rPr lang="en-US" altLang="ko-KR" i="1"/>
+                                        <a:rPr lang="en-US" altLang="ko-KR" i="1">
+                                          <a:latin typeface="Cambria Math" panose="02040503050406030204" pitchFamily="18" charset="0"/>
+                                        </a:rPr>
                                         <m:t>𝒌</m:t>
                                       </m:r>
                                     </m:sub>
                                     <m:sup>
                                       <m:r>
-                                        <a:rPr lang="en-US" altLang="ko-KR" i="1"/>
+                                        <a:rPr lang="en-US" altLang="ko-KR" i="1">
+                                          <a:latin typeface="Cambria Math" panose="02040503050406030204" pitchFamily="18" charset="0"/>
+                                        </a:rPr>
                                         <m:t>𝑼𝑳</m:t>
                                       </m:r>
                                     </m:sup>
@@ -6327,12 +6586,16 @@
                                       <m:begChr m:val="["/>
                                       <m:endChr m:val="]"/>
                                       <m:ctrlPr>
-                                        <a:rPr lang="ko-KR" altLang="ko-KR" i="1"/>
+                                        <a:rPr lang="ko-KR" altLang="ko-KR" i="1">
+                                          <a:latin typeface="Cambria Math" panose="02040503050406030204" pitchFamily="18" charset="0"/>
+                                        </a:rPr>
                                       </m:ctrlPr>
                                     </m:dPr>
                                     <m:e>
                                       <m:r>
-                                        <a:rPr lang="en-US" altLang="ko-KR" i="1"/>
+                                        <a:rPr lang="en-US" altLang="ko-KR" i="1">
+                                          <a:latin typeface="Cambria Math" panose="02040503050406030204" pitchFamily="18" charset="0"/>
+                                        </a:rPr>
                                         <m:t>𝒏</m:t>
                                       </m:r>
                                     </m:e>
@@ -6346,6 +6609,7 @@
                                           <a:solidFill>
                                             <a:srgbClr val="9933FF"/>
                                           </a:solidFill>
+                                          <a:latin typeface="Cambria Math" panose="02040503050406030204" pitchFamily="18" charset="0"/>
                                         </a:rPr>
                                       </m:ctrlPr>
                                     </m:sSupPr>
@@ -6357,6 +6621,7 @@
                                               <a:solidFill>
                                                 <a:srgbClr val="9933FF"/>
                                               </a:solidFill>
+                                              <a:latin typeface="Cambria Math" panose="02040503050406030204" pitchFamily="18" charset="0"/>
                                             </a:rPr>
                                           </m:ctrlPr>
                                         </m:dPr>
@@ -6368,6 +6633,7 @@
                                                   <a:solidFill>
                                                     <a:srgbClr val="9933FF"/>
                                                   </a:solidFill>
+                                                  <a:latin typeface="Cambria Math" panose="02040503050406030204" pitchFamily="18" charset="0"/>
                                                 </a:rPr>
                                               </m:ctrlPr>
                                             </m:sSupPr>
@@ -6381,6 +6647,7 @@
                                                       <a:solidFill>
                                                         <a:srgbClr val="9933FF"/>
                                                       </a:solidFill>
+                                                      <a:latin typeface="Cambria Math" panose="02040503050406030204" pitchFamily="18" charset="0"/>
                                                     </a:rPr>
                                                   </m:ctrlPr>
                                                 </m:dPr>
@@ -6392,6 +6659,7 @@
                                                           <a:solidFill>
                                                             <a:srgbClr val="9933FF"/>
                                                           </a:solidFill>
+                                                          <a:latin typeface="Cambria Math" panose="02040503050406030204" pitchFamily="18" charset="0"/>
                                                         </a:rPr>
                                                       </m:ctrlPr>
                                                     </m:sSubPr>
@@ -6401,6 +6669,7 @@
                                                           <a:solidFill>
                                                             <a:srgbClr val="9933FF"/>
                                                           </a:solidFill>
+                                                          <a:latin typeface="Cambria Math" panose="02040503050406030204" pitchFamily="18" charset="0"/>
                                                         </a:rPr>
                                                         <m:t>𝐩</m:t>
                                                       </m:r>
@@ -6411,6 +6680,7 @@
                                                           <a:solidFill>
                                                             <a:srgbClr val="9933FF"/>
                                                           </a:solidFill>
+                                                          <a:latin typeface="Cambria Math" panose="02040503050406030204" pitchFamily="18" charset="0"/>
                                                         </a:rPr>
                                                         <m:t>𝐈</m:t>
                                                       </m:r>
@@ -6425,6 +6695,7 @@
                                                           <a:solidFill>
                                                             <a:srgbClr val="9933FF"/>
                                                           </a:solidFill>
+                                                          <a:latin typeface="Cambria Math" panose="02040503050406030204" pitchFamily="18" charset="0"/>
                                                         </a:rPr>
                                                       </m:ctrlPr>
                                                     </m:dPr>
@@ -6434,6 +6705,7 @@
                                                           <a:solidFill>
                                                             <a:srgbClr val="9933FF"/>
                                                           </a:solidFill>
+                                                          <a:latin typeface="Cambria Math" panose="02040503050406030204" pitchFamily="18" charset="0"/>
                                                         </a:rPr>
                                                         <m:t>𝒊</m:t>
                                                       </m:r>
@@ -6444,6 +6716,7 @@
                                                       <a:solidFill>
                                                         <a:srgbClr val="9933FF"/>
                                                       </a:solidFill>
+                                                      <a:latin typeface="Cambria Math" panose="02040503050406030204" pitchFamily="18" charset="0"/>
                                                     </a:rPr>
                                                     <m:t>−</m:t>
                                                   </m:r>
@@ -6454,6 +6727,7 @@
                                                           <a:solidFill>
                                                             <a:srgbClr val="9933FF"/>
                                                           </a:solidFill>
+                                                          <a:latin typeface="Cambria Math" panose="02040503050406030204" pitchFamily="18" charset="0"/>
                                                         </a:rPr>
                                                       </m:ctrlPr>
                                                     </m:sSubPr>
@@ -6463,6 +6737,7 @@
                                                           <a:solidFill>
                                                             <a:srgbClr val="9933FF"/>
                                                           </a:solidFill>
+                                                          <a:latin typeface="Cambria Math" panose="02040503050406030204" pitchFamily="18" charset="0"/>
                                                         </a:rPr>
                                                         <m:t>𝐮</m:t>
                                                       </m:r>
@@ -6473,6 +6748,7 @@
                                                           <a:solidFill>
                                                             <a:srgbClr val="9933FF"/>
                                                           </a:solidFill>
+                                                          <a:latin typeface="Cambria Math" panose="02040503050406030204" pitchFamily="18" charset="0"/>
                                                         </a:rPr>
                                                         <m:t>𝒌</m:t>
                                                       </m:r>
@@ -6487,6 +6763,7 @@
                                                   <a:solidFill>
                                                     <a:srgbClr val="9933FF"/>
                                                   </a:solidFill>
+                                                  <a:latin typeface="Cambria Math" panose="02040503050406030204" pitchFamily="18" charset="0"/>
                                                 </a:rPr>
                                                 <m:t>𝟐</m:t>
                                               </m:r>
@@ -6497,6 +6774,7 @@
                                               <a:solidFill>
                                                 <a:srgbClr val="9933FF"/>
                                               </a:solidFill>
+                                              <a:latin typeface="Cambria Math" panose="02040503050406030204" pitchFamily="18" charset="0"/>
                                             </a:rPr>
                                             <m:t>+</m:t>
                                           </m:r>
@@ -6507,6 +6785,7 @@
                                                   <a:solidFill>
                                                     <a:srgbClr val="9933FF"/>
                                                   </a:solidFill>
+                                                  <a:latin typeface="Cambria Math" panose="02040503050406030204" pitchFamily="18" charset="0"/>
                                                 </a:rPr>
                                               </m:ctrlPr>
                                             </m:sSubSupPr>
@@ -6516,6 +6795,7 @@
                                                   <a:solidFill>
                                                     <a:srgbClr val="9933FF"/>
                                                   </a:solidFill>
+                                                  <a:latin typeface="Cambria Math" panose="02040503050406030204" pitchFamily="18" charset="0"/>
                                                 </a:rPr>
                                                 <m:t>𝑯</m:t>
                                               </m:r>
@@ -6526,6 +6806,7 @@
                                                   <a:solidFill>
                                                     <a:srgbClr val="9933FF"/>
                                                   </a:solidFill>
+                                                  <a:latin typeface="Cambria Math" panose="02040503050406030204" pitchFamily="18" charset="0"/>
                                                 </a:rPr>
                                                 <m:t>𝐈</m:t>
                                               </m:r>
@@ -6536,6 +6817,7 @@
                                                   <a:solidFill>
                                                     <a:srgbClr val="9933FF"/>
                                                   </a:solidFill>
+                                                  <a:latin typeface="Cambria Math" panose="02040503050406030204" pitchFamily="18" charset="0"/>
                                                 </a:rPr>
                                                 <m:t>𝟐</m:t>
                                               </m:r>
@@ -6552,6 +6834,7 @@
                                               <a:solidFill>
                                                 <a:srgbClr val="9933FF"/>
                                               </a:solidFill>
+                                              <a:latin typeface="Cambria Math" panose="02040503050406030204" pitchFamily="18" charset="0"/>
                                             </a:rPr>
                                           </m:ctrlPr>
                                         </m:fPr>
@@ -6561,6 +6844,7 @@
                                               <a:solidFill>
                                                 <a:srgbClr val="9933FF"/>
                                               </a:solidFill>
+                                              <a:latin typeface="Cambria Math" panose="02040503050406030204" pitchFamily="18" charset="0"/>
                                             </a:rPr>
                                             <m:t>𝜸</m:t>
                                           </m:r>
@@ -6571,6 +6855,7 @@
                                               <a:solidFill>
                                                 <a:srgbClr val="9933FF"/>
                                               </a:solidFill>
+                                              <a:latin typeface="Cambria Math" panose="02040503050406030204" pitchFamily="18" charset="0"/>
                                             </a:rPr>
                                             <m:t>𝟐</m:t>
                                           </m:r>
@@ -6598,7 +6883,7 @@
             </p:txBody>
           </p:sp>
         </mc:Choice>
-        <mc:Fallback>
+        <mc:Fallback xmlns="">
           <p:sp>
             <p:nvSpPr>
               <p:cNvPr id="2" name="Rectangle 1"/>
@@ -6637,8 +6922,8 @@
           </p:sp>
         </mc:Fallback>
       </mc:AlternateContent>
-      <mc:AlternateContent xmlns:mc="http://schemas.openxmlformats.org/markup-compatibility/2006">
-        <mc:Choice xmlns:a14="http://schemas.microsoft.com/office/drawing/2010/main" Requires="a14">
+      <mc:AlternateContent xmlns:mc="http://schemas.openxmlformats.org/markup-compatibility/2006" xmlns:a14="http://schemas.microsoft.com/office/drawing/2010/main">
+        <mc:Choice Requires="a14">
           <p:sp>
             <p:nvSpPr>
               <p:cNvPr id="3" name="Rectangle 2"/>
@@ -6660,6 +6945,7 @@
               </a:bodyPr>
               <a:lstStyle/>
               <a:p>
+                <a:pPr/>
                 <a14:m>
                   <m:oMathPara xmlns:m="http://schemas.openxmlformats.org/officeDocument/2006/math">
                     <m:oMathParaPr>
@@ -6669,7 +6955,7 @@
                       <m:sSub>
                         <m:sSubPr>
                           <m:ctrlPr>
-                            <a:rPr lang="ko-KR" altLang="en-US" smtClean="0">
+                            <a:rPr lang="ko-KR" altLang="en-US" i="1" smtClean="0">
                               <a:solidFill>
                                 <a:srgbClr val="0000FF"/>
                               </a:solidFill>
@@ -7021,7 +7307,7 @@
             </p:txBody>
           </p:sp>
         </mc:Choice>
-        <mc:Fallback>
+        <mc:Fallback xmlns="">
           <p:sp>
             <p:nvSpPr>
               <p:cNvPr id="3" name="Rectangle 2"/>
@@ -7060,8 +7346,8 @@
           </p:sp>
         </mc:Fallback>
       </mc:AlternateContent>
-      <mc:AlternateContent xmlns:mc="http://schemas.openxmlformats.org/markup-compatibility/2006">
-        <mc:Choice xmlns:a14="http://schemas.microsoft.com/office/drawing/2010/main" Requires="a14">
+      <mc:AlternateContent xmlns:mc="http://schemas.openxmlformats.org/markup-compatibility/2006" xmlns:a14="http://schemas.microsoft.com/office/drawing/2010/main">
+        <mc:Choice Requires="a14">
           <p:sp>
             <p:nvSpPr>
               <p:cNvPr id="11" name="Rectangle 10"/>
@@ -7083,6 +7369,7 @@
               </a:bodyPr>
               <a:lstStyle/>
               <a:p>
+                <a:pPr/>
                 <a14:m>
                   <m:oMathPara xmlns:m="http://schemas.openxmlformats.org/officeDocument/2006/math">
                     <m:oMathParaPr>
@@ -7092,7 +7379,7 @@
                       <m:sSub>
                         <m:sSubPr>
                           <m:ctrlPr>
-                            <a:rPr lang="ko-KR" altLang="en-US" smtClean="0">
+                            <a:rPr lang="ko-KR" altLang="en-US" i="1" smtClean="0">
                               <a:solidFill>
                                 <a:srgbClr val="FF0000"/>
                               </a:solidFill>
@@ -7283,7 +7570,7 @@
                                           <m:sSub>
                                             <m:sSubPr>
                                               <m:ctrlPr>
-                                                <a:rPr lang="en-US" altLang="ko-KR" b="1" i="0" smtClean="0">
+                                                <a:rPr lang="en-US" altLang="ko-KR" b="1" i="1" smtClean="0">
                                                   <a:solidFill>
                                                     <a:srgbClr val="FF0000"/>
                                                   </a:solidFill>
@@ -7501,7 +7788,7 @@
             </p:txBody>
           </p:sp>
         </mc:Choice>
-        <mc:Fallback>
+        <mc:Fallback xmlns="">
           <p:sp>
             <p:nvSpPr>
               <p:cNvPr id="11" name="Rectangle 10"/>
@@ -7540,8 +7827,8 @@
           </p:sp>
         </mc:Fallback>
       </mc:AlternateContent>
-      <mc:AlternateContent xmlns:mc="http://schemas.openxmlformats.org/markup-compatibility/2006">
-        <mc:Choice xmlns:a14="http://schemas.microsoft.com/office/drawing/2010/main" Requires="a14">
+      <mc:AlternateContent xmlns:mc="http://schemas.openxmlformats.org/markup-compatibility/2006" xmlns:a14="http://schemas.microsoft.com/office/drawing/2010/main">
+        <mc:Choice Requires="a14">
           <p:sp>
             <p:nvSpPr>
               <p:cNvPr id="12" name="Rectangle 11"/>
@@ -7563,6 +7850,7 @@
               </a:bodyPr>
               <a:lstStyle/>
               <a:p>
+                <a:pPr/>
                 <a14:m>
                   <m:oMathPara xmlns:m="http://schemas.openxmlformats.org/officeDocument/2006/math">
                     <m:oMathParaPr>
@@ -7572,32 +7860,44 @@
                       <m:sSub>
                         <m:sSubPr>
                           <m:ctrlPr>
-                            <a:rPr lang="ko-KR" altLang="ko-KR" i="1"/>
+                            <a:rPr lang="ko-KR" altLang="ko-KR" i="1">
+                              <a:latin typeface="Cambria Math" panose="02040503050406030204" pitchFamily="18" charset="0"/>
+                            </a:rPr>
                           </m:ctrlPr>
                         </m:sSubPr>
                         <m:e>
                           <m:r>
-                            <a:rPr lang="en-US" altLang="ko-KR" i="1"/>
+                            <a:rPr lang="en-US" altLang="ko-KR" i="1">
+                              <a:latin typeface="Cambria Math" panose="02040503050406030204" pitchFamily="18" charset="0"/>
+                            </a:rPr>
                             <m:t>𝑹</m:t>
                           </m:r>
                         </m:e>
                         <m:sub>
                           <m:r>
-                            <a:rPr lang="en-US" altLang="ko-KR" i="1"/>
+                            <a:rPr lang="en-US" altLang="ko-KR" i="1">
+                              <a:latin typeface="Cambria Math" panose="02040503050406030204" pitchFamily="18" charset="0"/>
+                            </a:rPr>
                             <m:t>𝒌</m:t>
                           </m:r>
                           <m:r>
-                            <a:rPr lang="en-US" altLang="ko-KR" i="1"/>
+                            <a:rPr lang="en-US" altLang="ko-KR" i="1">
+                              <a:latin typeface="Cambria Math" panose="02040503050406030204" pitchFamily="18" charset="0"/>
+                            </a:rPr>
                             <m:t>,</m:t>
                           </m:r>
                           <m:r>
-                            <a:rPr lang="en-US" altLang="ko-KR" i="1"/>
+                            <a:rPr lang="en-US" altLang="ko-KR" i="1">
+                              <a:latin typeface="Cambria Math" panose="02040503050406030204" pitchFamily="18" charset="0"/>
+                            </a:rPr>
                             <m:t>𝑺</m:t>
                           </m:r>
                         </m:sub>
                       </m:sSub>
                       <m:r>
-                        <a:rPr lang="en-US" altLang="ko-KR" i="1"/>
+                        <a:rPr lang="en-US" altLang="ko-KR" i="1">
+                          <a:latin typeface="Cambria Math" panose="02040503050406030204" pitchFamily="18" charset="0"/>
+                        </a:rPr>
                         <m:t>≜</m:t>
                       </m:r>
                       <m:nary>
@@ -7605,26 +7905,36 @@
                           <m:chr m:val="∑"/>
                           <m:limLoc m:val="undOvr"/>
                           <m:ctrlPr>
-                            <a:rPr lang="ko-KR" altLang="ko-KR" i="1"/>
+                            <a:rPr lang="ko-KR" altLang="ko-KR" i="1">
+                              <a:latin typeface="Cambria Math" panose="02040503050406030204" pitchFamily="18" charset="0"/>
+                            </a:rPr>
                           </m:ctrlPr>
                         </m:naryPr>
                         <m:sub>
                           <m:r>
-                            <a:rPr lang="en-US" altLang="ko-KR" i="1"/>
+                            <a:rPr lang="en-US" altLang="ko-KR" i="1">
+                              <a:latin typeface="Cambria Math" panose="02040503050406030204" pitchFamily="18" charset="0"/>
+                            </a:rPr>
                             <m:t>𝒏</m:t>
                           </m:r>
                           <m:r>
-                            <a:rPr lang="en-US" altLang="ko-KR" i="1"/>
+                            <a:rPr lang="en-US" altLang="ko-KR" i="1">
+                              <a:latin typeface="Cambria Math" panose="02040503050406030204" pitchFamily="18" charset="0"/>
+                            </a:rPr>
                             <m:t>=</m:t>
                           </m:r>
                           <m:r>
-                            <a:rPr lang="en-US" altLang="ko-KR" i="1"/>
+                            <a:rPr lang="en-US" altLang="ko-KR" i="1">
+                              <a:latin typeface="Cambria Math" panose="02040503050406030204" pitchFamily="18" charset="0"/>
+                            </a:rPr>
                             <m:t>𝟐</m:t>
                           </m:r>
                         </m:sub>
                         <m:sup>
                           <m:r>
-                            <a:rPr lang="en-US" altLang="ko-KR" i="1"/>
+                            <a:rPr lang="en-US" altLang="ko-KR" i="1">
+                              <a:latin typeface="Cambria Math" panose="02040503050406030204" pitchFamily="18" charset="0"/>
+                            </a:rPr>
                             <m:t>𝑵</m:t>
                           </m:r>
                         </m:sup>
@@ -7632,25 +7942,33 @@
                           <m:f>
                             <m:fPr>
                               <m:ctrlPr>
-                                <a:rPr lang="ko-KR" altLang="ko-KR" i="1"/>
+                                <a:rPr lang="ko-KR" altLang="ko-KR" i="1">
+                                  <a:latin typeface="Cambria Math" panose="02040503050406030204" pitchFamily="18" charset="0"/>
+                                </a:rPr>
                               </m:ctrlPr>
                             </m:fPr>
                             <m:num>
                               <m:sSub>
                                 <m:sSubPr>
                                   <m:ctrlPr>
-                                    <a:rPr lang="ko-KR" altLang="ko-KR" i="1"/>
+                                    <a:rPr lang="ko-KR" altLang="ko-KR" i="1">
+                                      <a:latin typeface="Cambria Math" panose="02040503050406030204" pitchFamily="18" charset="0"/>
+                                    </a:rPr>
                                   </m:ctrlPr>
                                 </m:sSubPr>
                                 <m:e>
                                   <m:r>
-                                    <a:rPr lang="en-US" altLang="ko-KR" i="1"/>
+                                    <a:rPr lang="en-US" altLang="ko-KR" i="1">
+                                      <a:latin typeface="Cambria Math" panose="02040503050406030204" pitchFamily="18" charset="0"/>
+                                    </a:rPr>
                                     <m:t>𝝉</m:t>
                                   </m:r>
                                 </m:e>
                                 <m:sub>
                                   <m:r>
-                                    <a:rPr lang="en-US" altLang="ko-KR" i="1"/>
+                                    <a:rPr lang="en-US" altLang="ko-KR" i="1">
+                                      <a:latin typeface="Cambria Math" panose="02040503050406030204" pitchFamily="18" charset="0"/>
+                                    </a:rPr>
                                     <m:t>𝒌</m:t>
                                   </m:r>
                                 </m:sub>
@@ -7660,12 +7978,16 @@
                                   <m:begChr m:val="["/>
                                   <m:endChr m:val="]"/>
                                   <m:ctrlPr>
-                                    <a:rPr lang="ko-KR" altLang="ko-KR" i="1"/>
+                                    <a:rPr lang="ko-KR" altLang="ko-KR" i="1">
+                                      <a:latin typeface="Cambria Math" panose="02040503050406030204" pitchFamily="18" charset="0"/>
+                                    </a:rPr>
                                   </m:ctrlPr>
                                 </m:dPr>
                                 <m:e>
                                   <m:r>
-                                    <a:rPr lang="en-US" altLang="ko-KR" i="1"/>
+                                    <a:rPr lang="en-US" altLang="ko-KR" i="1">
+                                      <a:latin typeface="Cambria Math" panose="02040503050406030204" pitchFamily="18" charset="0"/>
+                                    </a:rPr>
                                     <m:t>𝒏</m:t>
                                   </m:r>
                                 </m:e>
@@ -7673,7 +7995,9 @@
                             </m:num>
                             <m:den>
                               <m:r>
-                                <a:rPr lang="en-US" altLang="ko-KR" i="1"/>
+                                <a:rPr lang="en-US" altLang="ko-KR" i="1">
+                                  <a:latin typeface="Cambria Math" panose="02040503050406030204" pitchFamily="18" charset="0"/>
+                                </a:rPr>
                                 <m:t>𝑵</m:t>
                               </m:r>
                             </m:den>
@@ -7683,25 +8007,33 @@
                       <m:func>
                         <m:funcPr>
                           <m:ctrlPr>
-                            <a:rPr lang="ko-KR" altLang="ko-KR" i="1"/>
+                            <a:rPr lang="ko-KR" altLang="ko-KR" i="1">
+                              <a:latin typeface="Cambria Math" panose="02040503050406030204" pitchFamily="18" charset="0"/>
+                            </a:rPr>
                           </m:ctrlPr>
                         </m:funcPr>
                         <m:fName>
                           <m:sSub>
                             <m:sSubPr>
                               <m:ctrlPr>
-                                <a:rPr lang="ko-KR" altLang="ko-KR" i="1"/>
+                                <a:rPr lang="ko-KR" altLang="ko-KR" i="1">
+                                  <a:latin typeface="Cambria Math" panose="02040503050406030204" pitchFamily="18" charset="0"/>
+                                </a:rPr>
                               </m:ctrlPr>
                             </m:sSubPr>
                             <m:e>
                               <m:r>
-                                <a:rPr lang="en-US" altLang="ko-KR" i="1"/>
+                                <a:rPr lang="en-US" altLang="ko-KR" i="1">
+                                  <a:latin typeface="Cambria Math" panose="02040503050406030204" pitchFamily="18" charset="0"/>
+                                </a:rPr>
                                 <m:t>𝐥𝐨𝐠</m:t>
                               </m:r>
                             </m:e>
                             <m:sub>
                               <m:r>
-                                <a:rPr lang="en-US" altLang="ko-KR" i="1"/>
+                                <a:rPr lang="en-US" altLang="ko-KR" i="1">
+                                  <a:latin typeface="Cambria Math" panose="02040503050406030204" pitchFamily="18" charset="0"/>
+                                </a:rPr>
                                 <m:t>𝟐</m:t>
                               </m:r>
                             </m:sub>
@@ -7711,16 +8043,22 @@
                           <m:d>
                             <m:dPr>
                               <m:ctrlPr>
-                                <a:rPr lang="ko-KR" altLang="ko-KR" i="1"/>
+                                <a:rPr lang="ko-KR" altLang="ko-KR" i="1">
+                                  <a:latin typeface="Cambria Math" panose="02040503050406030204" pitchFamily="18" charset="0"/>
+                                </a:rPr>
                               </m:ctrlPr>
                             </m:dPr>
                             <m:e>
                               <m:r>
-                                <a:rPr lang="en-US" altLang="ko-KR" i="1"/>
+                                <a:rPr lang="en-US" altLang="ko-KR" i="1">
+                                  <a:latin typeface="Cambria Math" panose="02040503050406030204" pitchFamily="18" charset="0"/>
+                                </a:rPr>
                                 <m:t>𝟏</m:t>
                               </m:r>
                               <m:r>
-                                <a:rPr lang="en-US" altLang="ko-KR" i="1"/>
+                                <a:rPr lang="en-US" altLang="ko-KR" i="1">
+                                  <a:latin typeface="Cambria Math" panose="02040503050406030204" pitchFamily="18" charset="0"/>
+                                </a:rPr>
                                 <m:t>+</m:t>
                               </m:r>
                               <m:f>
@@ -7921,7 +8259,7 @@
             </p:txBody>
           </p:sp>
         </mc:Choice>
-        <mc:Fallback>
+        <mc:Fallback xmlns="">
           <p:sp>
             <p:nvSpPr>
               <p:cNvPr id="12" name="Rectangle 11"/>
@@ -8121,8 +8459,8 @@
           </a:p>
         </p:txBody>
       </p:sp>
-      <mc:AlternateContent xmlns:mc="http://schemas.openxmlformats.org/markup-compatibility/2006">
-        <mc:Choice xmlns:a14="http://schemas.microsoft.com/office/drawing/2010/main" Requires="a14">
+      <mc:AlternateContent xmlns:mc="http://schemas.openxmlformats.org/markup-compatibility/2006" xmlns:a14="http://schemas.microsoft.com/office/drawing/2010/main">
+        <mc:Choice Requires="a14">
           <p:sp>
             <p:nvSpPr>
               <p:cNvPr id="2" name="Rectangle 1"/>
@@ -8144,6 +8482,7 @@
               </a:bodyPr>
               <a:lstStyle/>
               <a:p>
+                <a:pPr/>
                 <a14:m>
                   <m:oMathPara xmlns:m="http://schemas.openxmlformats.org/officeDocument/2006/math">
                     <m:oMathParaPr>
@@ -8153,24 +8492,32 @@
                       <m:sSubSup>
                         <m:sSubSupPr>
                           <m:ctrlPr>
-                            <a:rPr lang="ko-KR" altLang="ko-KR" i="1"/>
+                            <a:rPr lang="ko-KR" altLang="ko-KR" i="1">
+                              <a:latin typeface="Cambria Math" panose="02040503050406030204" pitchFamily="18" charset="0"/>
+                            </a:rPr>
                           </m:ctrlPr>
                         </m:sSubSupPr>
                         <m:e>
                           <m:r>
-                            <a:rPr lang="en-US" altLang="ko-KR" i="1"/>
+                            <a:rPr lang="en-US" altLang="ko-KR" i="1">
+                              <a:latin typeface="Cambria Math" panose="02040503050406030204" pitchFamily="18" charset="0"/>
+                            </a:rPr>
                             <m:t>𝑬</m:t>
                           </m:r>
                         </m:e>
                         <m:sub>
                           <m:r>
-                            <a:rPr lang="en-US" altLang="ko-KR" i="1"/>
+                            <a:rPr lang="en-US" altLang="ko-KR" i="1">
+                              <a:latin typeface="Cambria Math" panose="02040503050406030204" pitchFamily="18" charset="0"/>
+                            </a:rPr>
                             <m:t>𝒌</m:t>
                           </m:r>
                         </m:sub>
                         <m:sup>
                           <m:r>
-                            <a:rPr lang="en-US" altLang="ko-KR" i="1"/>
+                            <a:rPr lang="en-US" altLang="ko-KR" i="1">
+                              <a:latin typeface="Cambria Math" panose="02040503050406030204" pitchFamily="18" charset="0"/>
+                            </a:rPr>
                             <m:t>𝑵𝑳</m:t>
                           </m:r>
                         </m:sup>
@@ -8180,42 +8527,56 @@
                           <m:begChr m:val="["/>
                           <m:endChr m:val="]"/>
                           <m:ctrlPr>
-                            <a:rPr lang="ko-KR" altLang="ko-KR" i="1"/>
+                            <a:rPr lang="ko-KR" altLang="ko-KR" i="1">
+                              <a:latin typeface="Cambria Math" panose="02040503050406030204" pitchFamily="18" charset="0"/>
+                            </a:rPr>
                           </m:ctrlPr>
                         </m:dPr>
                         <m:e>
                           <m:r>
-                            <a:rPr lang="en-US" altLang="ko-KR" i="1"/>
+                            <a:rPr lang="en-US" altLang="ko-KR" i="1">
+                              <a:latin typeface="Cambria Math" panose="02040503050406030204" pitchFamily="18" charset="0"/>
+                            </a:rPr>
                             <m:t>𝒏</m:t>
                           </m:r>
                         </m:e>
                       </m:d>
                       <m:r>
-                        <a:rPr lang="en-US" altLang="ko-KR" i="1"/>
+                        <a:rPr lang="en-US" altLang="ko-KR" i="1">
+                          <a:latin typeface="Cambria Math" panose="02040503050406030204" pitchFamily="18" charset="0"/>
+                        </a:rPr>
                         <m:t>≜</m:t>
                       </m:r>
                       <m:f>
                         <m:fPr>
                           <m:ctrlPr>
-                            <a:rPr lang="ko-KR" altLang="ko-KR" i="1"/>
+                            <a:rPr lang="ko-KR" altLang="ko-KR" i="1">
+                              <a:latin typeface="Cambria Math" panose="02040503050406030204" pitchFamily="18" charset="0"/>
+                            </a:rPr>
                           </m:ctrlPr>
                         </m:fPr>
                         <m:num>
                           <m:sSub>
                             <m:sSubPr>
                               <m:ctrlPr>
-                                <a:rPr lang="ko-KR" altLang="ko-KR" i="1"/>
+                                <a:rPr lang="ko-KR" altLang="ko-KR" i="1">
+                                  <a:latin typeface="Cambria Math" panose="02040503050406030204" pitchFamily="18" charset="0"/>
+                                </a:rPr>
                               </m:ctrlPr>
                             </m:sSubPr>
                             <m:e>
                               <m:r>
-                                <a:rPr lang="en-US" altLang="ko-KR" i="1"/>
+                                <a:rPr lang="en-US" altLang="ko-KR" i="1">
+                                  <a:latin typeface="Cambria Math" panose="02040503050406030204" pitchFamily="18" charset="0"/>
+                                </a:rPr>
                                 <m:t>𝝉</m:t>
                               </m:r>
                             </m:e>
                             <m:sub>
                               <m:r>
-                                <a:rPr lang="en-US" altLang="ko-KR" i="1"/>
+                                <a:rPr lang="en-US" altLang="ko-KR" i="1">
+                                  <a:latin typeface="Cambria Math" panose="02040503050406030204" pitchFamily="18" charset="0"/>
+                                </a:rPr>
                                 <m:t>𝟎</m:t>
                               </m:r>
                             </m:sub>
@@ -8225,12 +8586,16 @@
                               <m:begChr m:val="["/>
                               <m:endChr m:val="]"/>
                               <m:ctrlPr>
-                                <a:rPr lang="ko-KR" altLang="ko-KR" i="1"/>
+                                <a:rPr lang="ko-KR" altLang="ko-KR" i="1">
+                                  <a:latin typeface="Cambria Math" panose="02040503050406030204" pitchFamily="18" charset="0"/>
+                                </a:rPr>
                               </m:ctrlPr>
                             </m:dPr>
                             <m:e>
                               <m:r>
-                                <a:rPr lang="en-US" altLang="ko-KR" i="1"/>
+                                <a:rPr lang="en-US" altLang="ko-KR" i="1">
+                                  <a:latin typeface="Cambria Math" panose="02040503050406030204" pitchFamily="18" charset="0"/>
+                                </a:rPr>
                                 <m:t>𝒏</m:t>
                               </m:r>
                             </m:e>
@@ -8238,18 +8603,24 @@
                           <m:sSub>
                             <m:sSubPr>
                               <m:ctrlPr>
-                                <a:rPr lang="ko-KR" altLang="ko-KR" i="1"/>
+                                <a:rPr lang="ko-KR" altLang="ko-KR" i="1">
+                                  <a:latin typeface="Cambria Math" panose="02040503050406030204" pitchFamily="18" charset="0"/>
+                                </a:rPr>
                               </m:ctrlPr>
                             </m:sSubPr>
                             <m:e>
                               <m:r>
-                                <a:rPr lang="en-US" altLang="ko-KR" i="1"/>
+                                <a:rPr lang="en-US" altLang="ko-KR" i="1">
+                                  <a:latin typeface="Cambria Math" panose="02040503050406030204" pitchFamily="18" charset="0"/>
+                                </a:rPr>
                                 <m:t>𝜹</m:t>
                               </m:r>
                             </m:e>
                             <m:sub>
                               <m:r>
-                                <a:rPr lang="en-US" altLang="ko-KR" i="1"/>
+                                <a:rPr lang="en-US" altLang="ko-KR" i="1">
+                                  <a:latin typeface="Cambria Math" panose="02040503050406030204" pitchFamily="18" charset="0"/>
+                                </a:rPr>
                                 <m:t>𝑵</m:t>
                               </m:r>
                             </m:sub>
@@ -8257,7 +8628,9 @@
                         </m:num>
                         <m:den>
                           <m:r>
-                            <a:rPr lang="en-US" altLang="ko-KR" i="1"/>
+                            <a:rPr lang="en-US" altLang="ko-KR" i="1">
+                              <a:latin typeface="Cambria Math" panose="02040503050406030204" pitchFamily="18" charset="0"/>
+                            </a:rPr>
                             <m:t>𝜶</m:t>
                           </m:r>
                         </m:den>
@@ -8265,68 +8638,96 @@
                       <m:d>
                         <m:dPr>
                           <m:ctrlPr>
-                            <a:rPr lang="ko-KR" altLang="ko-KR" i="1"/>
+                            <a:rPr lang="ko-KR" altLang="ko-KR" i="1">
+                              <a:latin typeface="Cambria Math" panose="02040503050406030204" pitchFamily="18" charset="0"/>
+                            </a:rPr>
                           </m:ctrlPr>
                         </m:dPr>
                         <m:e>
                           <m:f>
                             <m:fPr>
                               <m:ctrlPr>
-                                <a:rPr lang="ko-KR" altLang="ko-KR" i="1"/>
+                                <a:rPr lang="ko-KR" altLang="ko-KR" i="1">
+                                  <a:latin typeface="Cambria Math" panose="02040503050406030204" pitchFamily="18" charset="0"/>
+                                </a:rPr>
                               </m:ctrlPr>
                             </m:fPr>
                             <m:num>
                               <m:r>
-                                <a:rPr lang="en-US" altLang="ko-KR" i="1"/>
+                                <a:rPr lang="en-US" altLang="ko-KR" i="1">
+                                  <a:latin typeface="Cambria Math" panose="02040503050406030204" pitchFamily="18" charset="0"/>
+                                </a:rPr>
                                 <m:t>𝑴</m:t>
                               </m:r>
                               <m:r>
-                                <a:rPr lang="en-US" altLang="ko-KR" i="1"/>
+                                <a:rPr lang="en-US" altLang="ko-KR" i="1">
+                                  <a:latin typeface="Cambria Math" panose="02040503050406030204" pitchFamily="18" charset="0"/>
+                                </a:rPr>
                                 <m:t>(</m:t>
                               </m:r>
                               <m:r>
-                                <a:rPr lang="en-US" altLang="ko-KR" i="1"/>
+                                <a:rPr lang="en-US" altLang="ko-KR" i="1">
+                                  <a:latin typeface="Cambria Math" panose="02040503050406030204" pitchFamily="18" charset="0"/>
+                                </a:rPr>
                                 <m:t>𝟏</m:t>
                               </m:r>
                               <m:r>
-                                <a:rPr lang="en-US" altLang="ko-KR" i="1"/>
+                                <a:rPr lang="en-US" altLang="ko-KR" i="1">
+                                  <a:latin typeface="Cambria Math" panose="02040503050406030204" pitchFamily="18" charset="0"/>
+                                </a:rPr>
                                 <m:t>+</m:t>
                               </m:r>
                               <m:r>
-                                <a:rPr lang="en-US" altLang="ko-KR" i="1"/>
+                                <a:rPr lang="en-US" altLang="ko-KR" i="1">
+                                  <a:latin typeface="Cambria Math" panose="02040503050406030204" pitchFamily="18" charset="0"/>
+                                </a:rPr>
                                 <m:t>𝜶</m:t>
                               </m:r>
                               <m:r>
-                                <a:rPr lang="en-US" altLang="ko-KR" i="1"/>
+                                <a:rPr lang="en-US" altLang="ko-KR" i="1">
+                                  <a:latin typeface="Cambria Math" panose="02040503050406030204" pitchFamily="18" charset="0"/>
+                                </a:rPr>
                                 <m:t>)</m:t>
                               </m:r>
                             </m:num>
                             <m:den>
                               <m:r>
-                                <a:rPr lang="en-US" altLang="ko-KR" i="1"/>
+                                <a:rPr lang="en-US" altLang="ko-KR" i="1">
+                                  <a:latin typeface="Cambria Math" panose="02040503050406030204" pitchFamily="18" charset="0"/>
+                                </a:rPr>
                                 <m:t>𝟏</m:t>
                               </m:r>
                               <m:r>
-                                <a:rPr lang="en-US" altLang="ko-KR" i="1"/>
+                                <a:rPr lang="en-US" altLang="ko-KR" i="1">
+                                  <a:latin typeface="Cambria Math" panose="02040503050406030204" pitchFamily="18" charset="0"/>
+                                </a:rPr>
                                 <m:t>+</m:t>
                               </m:r>
                               <m:r>
-                                <a:rPr lang="en-US" altLang="ko-KR" i="1"/>
+                                <a:rPr lang="en-US" altLang="ko-KR" i="1">
+                                  <a:latin typeface="Cambria Math" panose="02040503050406030204" pitchFamily="18" charset="0"/>
+                                </a:rPr>
                                 <m:t>𝜶</m:t>
                               </m:r>
                               <m:r>
-                                <a:rPr lang="en-US" altLang="ko-KR" i="1"/>
+                                <a:rPr lang="en-US" altLang="ko-KR" i="1">
+                                  <a:latin typeface="Cambria Math" panose="02040503050406030204" pitchFamily="18" charset="0"/>
+                                </a:rPr>
                                 <m:t>∙</m:t>
                               </m:r>
                               <m:func>
                                 <m:funcPr>
                                   <m:ctrlPr>
-                                    <a:rPr lang="ko-KR" altLang="ko-KR" i="1"/>
+                                    <a:rPr lang="ko-KR" altLang="ko-KR" i="1">
+                                      <a:latin typeface="Cambria Math" panose="02040503050406030204" pitchFamily="18" charset="0"/>
+                                    </a:rPr>
                                   </m:ctrlPr>
                                 </m:funcPr>
                                 <m:fName>
                                   <m:r>
-                                    <a:rPr lang="en-US" altLang="ko-KR" i="1"/>
+                                    <a:rPr lang="en-US" altLang="ko-KR" i="1">
+                                      <a:latin typeface="Cambria Math" panose="02040503050406030204" pitchFamily="18" charset="0"/>
+                                    </a:rPr>
                                     <m:t>𝐞𝐱𝐩</m:t>
                                   </m:r>
                                 </m:fName>
@@ -8334,23 +8735,31 @@
                                   <m:d>
                                     <m:dPr>
                                       <m:ctrlPr>
-                                        <a:rPr lang="ko-KR" altLang="ko-KR" i="1"/>
+                                        <a:rPr lang="ko-KR" altLang="ko-KR" i="1">
+                                          <a:latin typeface="Cambria Math" panose="02040503050406030204" pitchFamily="18" charset="0"/>
+                                        </a:rPr>
                                       </m:ctrlPr>
                                     </m:dPr>
                                     <m:e>
                                       <m:f>
                                         <m:fPr>
                                           <m:ctrlPr>
-                                            <a:rPr lang="ko-KR" altLang="ko-KR" i="1"/>
+                                            <a:rPr lang="ko-KR" altLang="ko-KR" i="1">
+                                              <a:latin typeface="Cambria Math" panose="02040503050406030204" pitchFamily="18" charset="0"/>
+                                            </a:rPr>
                                           </m:ctrlPr>
                                         </m:fPr>
                                         <m:num>
                                           <m:r>
-                                            <a:rPr lang="en-US" altLang="ko-KR" i="1"/>
+                                            <a:rPr lang="en-US" altLang="ko-KR" i="1">
+                                              <a:latin typeface="Cambria Math" panose="02040503050406030204" pitchFamily="18" charset="0"/>
+                                            </a:rPr>
                                             <m:t>−</m:t>
                                           </m:r>
                                           <m:r>
-                                            <a:rPr lang="en-US" altLang="ko-KR" i="1"/>
+                                            <a:rPr lang="en-US" altLang="ko-KR" i="1">
+                                              <a:latin typeface="Cambria Math" panose="02040503050406030204" pitchFamily="18" charset="0"/>
+                                            </a:rPr>
                                             <m:t>𝜷</m:t>
                                           </m:r>
                                           <m:sSub>
@@ -8360,6 +8769,7 @@
                                                   <a:solidFill>
                                                     <a:srgbClr val="9933FF"/>
                                                   </a:solidFill>
+                                                  <a:latin typeface="Cambria Math" panose="02040503050406030204" pitchFamily="18" charset="0"/>
                                                 </a:rPr>
                                               </m:ctrlPr>
                                             </m:sSubPr>
@@ -8369,6 +8779,7 @@
                                                   <a:solidFill>
                                                     <a:srgbClr val="9933FF"/>
                                                   </a:solidFill>
+                                                  <a:latin typeface="Cambria Math" panose="02040503050406030204" pitchFamily="18" charset="0"/>
                                                 </a:rPr>
                                                 <m:t>𝒈</m:t>
                                               </m:r>
@@ -8379,6 +8790,7 @@
                                                   <a:solidFill>
                                                     <a:srgbClr val="9933FF"/>
                                                   </a:solidFill>
+                                                  <a:latin typeface="Cambria Math" panose="02040503050406030204" pitchFamily="18" charset="0"/>
                                                 </a:rPr>
                                                 <m:t>𝟎</m:t>
                                               </m:r>
@@ -8387,18 +8799,24 @@
                                           <m:sSup>
                                             <m:sSupPr>
                                               <m:ctrlPr>
-                                                <a:rPr lang="ko-KR" altLang="ko-KR" i="1"/>
+                                                <a:rPr lang="ko-KR" altLang="ko-KR" i="1">
+                                                  <a:latin typeface="Cambria Math" panose="02040503050406030204" pitchFamily="18" charset="0"/>
+                                                </a:rPr>
                                               </m:ctrlPr>
                                             </m:sSupPr>
                                             <m:e>
                                               <m:r>
-                                                <a:rPr lang="en-US" altLang="ko-KR" i="1"/>
+                                                <a:rPr lang="en-US" altLang="ko-KR" i="1">
+                                                  <a:latin typeface="Cambria Math" panose="02040503050406030204" pitchFamily="18" charset="0"/>
+                                                </a:rPr>
                                                 <m:t>𝑷</m:t>
                                               </m:r>
                                             </m:e>
                                             <m:sup>
                                               <m:r>
-                                                <a:rPr lang="en-US" altLang="ko-KR" i="1"/>
+                                                <a:rPr lang="en-US" altLang="ko-KR" i="1">
+                                                  <a:latin typeface="Cambria Math" panose="02040503050406030204" pitchFamily="18" charset="0"/>
+                                                </a:rPr>
                                                 <m:t>𝑫𝑳</m:t>
                                               </m:r>
                                             </m:sup>
@@ -8412,6 +8830,7 @@
                                                   <a:solidFill>
                                                     <a:srgbClr val="9933FF"/>
                                                   </a:solidFill>
+                                                  <a:latin typeface="Cambria Math" panose="02040503050406030204" pitchFamily="18" charset="0"/>
                                                 </a:rPr>
                                               </m:ctrlPr>
                                             </m:sSupPr>
@@ -8423,6 +8842,7 @@
                                                       <a:solidFill>
                                                         <a:srgbClr val="9933FF"/>
                                                       </a:solidFill>
+                                                      <a:latin typeface="Cambria Math" panose="02040503050406030204" pitchFamily="18" charset="0"/>
                                                     </a:rPr>
                                                   </m:ctrlPr>
                                                 </m:dPr>
@@ -8434,6 +8854,7 @@
                                                           <a:solidFill>
                                                             <a:srgbClr val="9933FF"/>
                                                           </a:solidFill>
+                                                          <a:latin typeface="Cambria Math" panose="02040503050406030204" pitchFamily="18" charset="0"/>
                                                         </a:rPr>
                                                       </m:ctrlPr>
                                                     </m:sSupPr>
@@ -8447,6 +8868,7 @@
                                                               <a:solidFill>
                                                                 <a:srgbClr val="9933FF"/>
                                                               </a:solidFill>
+                                                              <a:latin typeface="Cambria Math" panose="02040503050406030204" pitchFamily="18" charset="0"/>
                                                             </a:rPr>
                                                           </m:ctrlPr>
                                                         </m:dPr>
@@ -8456,6 +8878,7 @@
                                                               <a:solidFill>
                                                                 <a:srgbClr val="9933FF"/>
                                                               </a:solidFill>
+                                                              <a:latin typeface="Cambria Math" panose="02040503050406030204" pitchFamily="18" charset="0"/>
                                                             </a:rPr>
                                                             <m:t>𝐩</m:t>
                                                           </m:r>
@@ -8468,6 +8891,7 @@
                                                                   <a:solidFill>
                                                                     <a:srgbClr val="9933FF"/>
                                                                   </a:solidFill>
+                                                                  <a:latin typeface="Cambria Math" panose="02040503050406030204" pitchFamily="18" charset="0"/>
                                                                 </a:rPr>
                                                               </m:ctrlPr>
                                                             </m:dPr>
@@ -8477,6 +8901,7 @@
                                                                   <a:solidFill>
                                                                     <a:srgbClr val="9933FF"/>
                                                                   </a:solidFill>
+                                                                  <a:latin typeface="Cambria Math" panose="02040503050406030204" pitchFamily="18" charset="0"/>
                                                                 </a:rPr>
                                                                 <m:t>𝒏</m:t>
                                                               </m:r>
@@ -8487,6 +8912,7 @@
                                                               <a:solidFill>
                                                                 <a:srgbClr val="9933FF"/>
                                                               </a:solidFill>
+                                                              <a:latin typeface="Cambria Math" panose="02040503050406030204" pitchFamily="18" charset="0"/>
                                                             </a:rPr>
                                                             <m:t>−</m:t>
                                                           </m:r>
@@ -8497,6 +8923,7 @@
                                                                   <a:solidFill>
                                                                     <a:srgbClr val="9933FF"/>
                                                                   </a:solidFill>
+                                                                  <a:latin typeface="Cambria Math" panose="02040503050406030204" pitchFamily="18" charset="0"/>
                                                                 </a:rPr>
                                                               </m:ctrlPr>
                                                             </m:sSubPr>
@@ -8506,6 +8933,7 @@
                                                                   <a:solidFill>
                                                                     <a:srgbClr val="9933FF"/>
                                                                   </a:solidFill>
+                                                                  <a:latin typeface="Cambria Math" panose="02040503050406030204" pitchFamily="18" charset="0"/>
                                                                 </a:rPr>
                                                                 <m:t>𝐮</m:t>
                                                               </m:r>
@@ -8516,6 +8944,7 @@
                                                                   <a:solidFill>
                                                                     <a:srgbClr val="9933FF"/>
                                                                   </a:solidFill>
+                                                                  <a:latin typeface="Cambria Math" panose="02040503050406030204" pitchFamily="18" charset="0"/>
                                                                 </a:rPr>
                                                                 <m:t>𝒌</m:t>
                                                               </m:r>
@@ -8530,6 +8959,7 @@
                                                           <a:solidFill>
                                                             <a:srgbClr val="9933FF"/>
                                                           </a:solidFill>
+                                                          <a:latin typeface="Cambria Math" panose="02040503050406030204" pitchFamily="18" charset="0"/>
                                                         </a:rPr>
                                                         <m:t>𝟐</m:t>
                                                       </m:r>
@@ -8540,6 +8970,7 @@
                                                       <a:solidFill>
                                                         <a:srgbClr val="9933FF"/>
                                                       </a:solidFill>
+                                                      <a:latin typeface="Cambria Math" panose="02040503050406030204" pitchFamily="18" charset="0"/>
                                                     </a:rPr>
                                                     <m:t>+</m:t>
                                                   </m:r>
@@ -8550,6 +8981,7 @@
                                                           <a:solidFill>
                                                             <a:srgbClr val="9933FF"/>
                                                           </a:solidFill>
+                                                          <a:latin typeface="Cambria Math" panose="02040503050406030204" pitchFamily="18" charset="0"/>
                                                         </a:rPr>
                                                       </m:ctrlPr>
                                                     </m:sSupPr>
@@ -8559,6 +8991,7 @@
                                                           <a:solidFill>
                                                             <a:srgbClr val="9933FF"/>
                                                           </a:solidFill>
+                                                          <a:latin typeface="Cambria Math" panose="02040503050406030204" pitchFamily="18" charset="0"/>
                                                         </a:rPr>
                                                         <m:t>𝑯</m:t>
                                                       </m:r>
@@ -8569,6 +9002,7 @@
                                                           <a:solidFill>
                                                             <a:srgbClr val="9933FF"/>
                                                           </a:solidFill>
+                                                          <a:latin typeface="Cambria Math" panose="02040503050406030204" pitchFamily="18" charset="0"/>
                                                         </a:rPr>
                                                         <m:t>𝟐</m:t>
                                                       </m:r>
@@ -8585,6 +9019,7 @@
                                                       <a:solidFill>
                                                         <a:srgbClr val="9933FF"/>
                                                       </a:solidFill>
+                                                      <a:latin typeface="Cambria Math" panose="02040503050406030204" pitchFamily="18" charset="0"/>
                                                     </a:rPr>
                                                   </m:ctrlPr>
                                                 </m:fPr>
@@ -8594,6 +9029,7 @@
                                                       <a:solidFill>
                                                         <a:srgbClr val="9933FF"/>
                                                       </a:solidFill>
+                                                      <a:latin typeface="Cambria Math" panose="02040503050406030204" pitchFamily="18" charset="0"/>
                                                     </a:rPr>
                                                     <m:t>𝜸</m:t>
                                                   </m:r>
@@ -8604,6 +9040,7 @@
                                                       <a:solidFill>
                                                         <a:srgbClr val="9933FF"/>
                                                       </a:solidFill>
+                                                      <a:latin typeface="Cambria Math" panose="02040503050406030204" pitchFamily="18" charset="0"/>
                                                     </a:rPr>
                                                     <m:t>𝟐</m:t>
                                                   </m:r>
@@ -8620,11 +9057,15 @@
                             </m:den>
                           </m:f>
                           <m:r>
-                            <a:rPr lang="en-US" altLang="ko-KR" i="1"/>
+                            <a:rPr lang="en-US" altLang="ko-KR" i="1">
+                              <a:latin typeface="Cambria Math" panose="02040503050406030204" pitchFamily="18" charset="0"/>
+                            </a:rPr>
                             <m:t>−</m:t>
                           </m:r>
                           <m:r>
-                            <a:rPr lang="en-US" altLang="ko-KR" i="1"/>
+                            <a:rPr lang="en-US" altLang="ko-KR" i="1">
+                              <a:latin typeface="Cambria Math" panose="02040503050406030204" pitchFamily="18" charset="0"/>
+                            </a:rPr>
                             <m:t>𝑴</m:t>
                           </m:r>
                         </m:e>
@@ -8643,7 +9084,7 @@
             </p:txBody>
           </p:sp>
         </mc:Choice>
-        <mc:Fallback>
+        <mc:Fallback xmlns="">
           <p:sp>
             <p:nvSpPr>
               <p:cNvPr id="2" name="Rectangle 1"/>
@@ -8682,8 +9123,8 @@
           </p:sp>
         </mc:Fallback>
       </mc:AlternateContent>
-      <mc:AlternateContent xmlns:mc="http://schemas.openxmlformats.org/markup-compatibility/2006">
-        <mc:Choice xmlns:a14="http://schemas.microsoft.com/office/drawing/2010/main" Requires="a14">
+      <mc:AlternateContent xmlns:mc="http://schemas.openxmlformats.org/markup-compatibility/2006" xmlns:a14="http://schemas.microsoft.com/office/drawing/2010/main">
+        <mc:Choice Requires="a14">
           <p:sp>
             <p:nvSpPr>
               <p:cNvPr id="3" name="Rectangle 2"/>
@@ -8705,6 +9146,7 @@
               </a:bodyPr>
               <a:lstStyle/>
               <a:p>
+                <a:pPr/>
                 <a14:m>
                   <m:oMathPara xmlns:m="http://schemas.openxmlformats.org/officeDocument/2006/math">
                     <m:oMathParaPr>
@@ -8714,7 +9156,7 @@
                       <m:sSub>
                         <m:sSubPr>
                           <m:ctrlPr>
-                            <a:rPr lang="ko-KR" altLang="en-US" smtClean="0">
+                            <a:rPr lang="ko-KR" altLang="en-US" i="1" smtClean="0">
                               <a:solidFill>
                                 <a:srgbClr val="0000FF"/>
                               </a:solidFill>
@@ -9066,7 +9508,7 @@
             </p:txBody>
           </p:sp>
         </mc:Choice>
-        <mc:Fallback>
+        <mc:Fallback xmlns="">
           <p:sp>
             <p:nvSpPr>
               <p:cNvPr id="3" name="Rectangle 2"/>
@@ -9105,8 +9547,8 @@
           </p:sp>
         </mc:Fallback>
       </mc:AlternateContent>
-      <mc:AlternateContent xmlns:mc="http://schemas.openxmlformats.org/markup-compatibility/2006">
-        <mc:Choice xmlns:a14="http://schemas.microsoft.com/office/drawing/2010/main" Requires="a14">
+      <mc:AlternateContent xmlns:mc="http://schemas.openxmlformats.org/markup-compatibility/2006" xmlns:a14="http://schemas.microsoft.com/office/drawing/2010/main">
+        <mc:Choice Requires="a14">
           <p:sp>
             <p:nvSpPr>
               <p:cNvPr id="12" name="Rectangle 11"/>
@@ -9128,6 +9570,7 @@
               </a:bodyPr>
               <a:lstStyle/>
               <a:p>
+                <a:pPr/>
                 <a14:m>
                   <m:oMathPara xmlns:m="http://schemas.openxmlformats.org/officeDocument/2006/math">
                     <m:oMathParaPr>
@@ -9137,24 +9580,32 @@
                       <m:sSubSup>
                         <m:sSubSupPr>
                           <m:ctrlPr>
-                            <a:rPr lang="ko-KR" altLang="ko-KR" i="1" smtClean="0"/>
+                            <a:rPr lang="ko-KR" altLang="ko-KR" i="1" smtClean="0">
+                              <a:latin typeface="Cambria Math" panose="02040503050406030204" pitchFamily="18" charset="0"/>
+                            </a:rPr>
                           </m:ctrlPr>
                         </m:sSubSupPr>
                         <m:e>
                           <m:r>
-                            <a:rPr lang="en-US" altLang="ko-KR" i="1"/>
+                            <a:rPr lang="en-US" altLang="ko-KR" i="1">
+                              <a:latin typeface="Cambria Math" panose="02040503050406030204" pitchFamily="18" charset="0"/>
+                            </a:rPr>
                             <m:t>𝑬</m:t>
                           </m:r>
                         </m:e>
                         <m:sub>
                           <m:r>
-                            <a:rPr lang="en-US" altLang="ko-KR" i="1"/>
+                            <a:rPr lang="en-US" altLang="ko-KR" i="1">
+                              <a:latin typeface="Cambria Math" panose="02040503050406030204" pitchFamily="18" charset="0"/>
+                            </a:rPr>
                             <m:t>𝒌</m:t>
                           </m:r>
                         </m:sub>
                         <m:sup>
                           <m:r>
-                            <a:rPr lang="en-US" altLang="ko-KR" i="1"/>
+                            <a:rPr lang="en-US" altLang="ko-KR" i="1">
+                              <a:latin typeface="Cambria Math" panose="02040503050406030204" pitchFamily="18" charset="0"/>
+                            </a:rPr>
                             <m:t>𝑵𝑳</m:t>
                           </m:r>
                         </m:sup>
@@ -9164,42 +9615,56 @@
                           <m:begChr m:val="["/>
                           <m:endChr m:val="]"/>
                           <m:ctrlPr>
-                            <a:rPr lang="ko-KR" altLang="ko-KR" i="1"/>
+                            <a:rPr lang="ko-KR" altLang="ko-KR" i="1">
+                              <a:latin typeface="Cambria Math" panose="02040503050406030204" pitchFamily="18" charset="0"/>
+                            </a:rPr>
                           </m:ctrlPr>
                         </m:dPr>
                         <m:e>
                           <m:r>
-                            <a:rPr lang="en-US" altLang="ko-KR" i="1"/>
+                            <a:rPr lang="en-US" altLang="ko-KR" i="1">
+                              <a:latin typeface="Cambria Math" panose="02040503050406030204" pitchFamily="18" charset="0"/>
+                            </a:rPr>
                             <m:t>𝒏</m:t>
                           </m:r>
                         </m:e>
                       </m:d>
                       <m:r>
-                        <a:rPr lang="en-US" altLang="ko-KR" i="1"/>
+                        <a:rPr lang="en-US" altLang="ko-KR" i="1">
+                          <a:latin typeface="Cambria Math" panose="02040503050406030204" pitchFamily="18" charset="0"/>
+                        </a:rPr>
                         <m:t>≜</m:t>
                       </m:r>
                       <m:f>
                         <m:fPr>
                           <m:ctrlPr>
-                            <a:rPr lang="ko-KR" altLang="ko-KR" i="1"/>
+                            <a:rPr lang="ko-KR" altLang="ko-KR" i="1">
+                              <a:latin typeface="Cambria Math" panose="02040503050406030204" pitchFamily="18" charset="0"/>
+                            </a:rPr>
                           </m:ctrlPr>
                         </m:fPr>
                         <m:num>
                           <m:sSub>
                             <m:sSubPr>
                               <m:ctrlPr>
-                                <a:rPr lang="ko-KR" altLang="ko-KR" i="1"/>
+                                <a:rPr lang="ko-KR" altLang="ko-KR" i="1">
+                                  <a:latin typeface="Cambria Math" panose="02040503050406030204" pitchFamily="18" charset="0"/>
+                                </a:rPr>
                               </m:ctrlPr>
                             </m:sSubPr>
                             <m:e>
                               <m:r>
-                                <a:rPr lang="en-US" altLang="ko-KR" i="1"/>
+                                <a:rPr lang="en-US" altLang="ko-KR" i="1">
+                                  <a:latin typeface="Cambria Math" panose="02040503050406030204" pitchFamily="18" charset="0"/>
+                                </a:rPr>
                                 <m:t>𝝉</m:t>
                               </m:r>
                             </m:e>
                             <m:sub>
                               <m:r>
-                                <a:rPr lang="en-US" altLang="ko-KR" i="1"/>
+                                <a:rPr lang="en-US" altLang="ko-KR" i="1">
+                                  <a:latin typeface="Cambria Math" panose="02040503050406030204" pitchFamily="18" charset="0"/>
+                                </a:rPr>
                                 <m:t>𝟎</m:t>
                               </m:r>
                             </m:sub>
@@ -9209,12 +9674,16 @@
                               <m:begChr m:val="["/>
                               <m:endChr m:val="]"/>
                               <m:ctrlPr>
-                                <a:rPr lang="ko-KR" altLang="ko-KR" i="1"/>
+                                <a:rPr lang="ko-KR" altLang="ko-KR" i="1">
+                                  <a:latin typeface="Cambria Math" panose="02040503050406030204" pitchFamily="18" charset="0"/>
+                                </a:rPr>
                               </m:ctrlPr>
                             </m:dPr>
                             <m:e>
                               <m:r>
-                                <a:rPr lang="en-US" altLang="ko-KR" i="1"/>
+                                <a:rPr lang="en-US" altLang="ko-KR" i="1">
+                                  <a:latin typeface="Cambria Math" panose="02040503050406030204" pitchFamily="18" charset="0"/>
+                                </a:rPr>
                                 <m:t>𝒏</m:t>
                               </m:r>
                             </m:e>
@@ -9222,18 +9691,24 @@
                           <m:sSub>
                             <m:sSubPr>
                               <m:ctrlPr>
-                                <a:rPr lang="ko-KR" altLang="ko-KR" i="1"/>
+                                <a:rPr lang="ko-KR" altLang="ko-KR" i="1">
+                                  <a:latin typeface="Cambria Math" panose="02040503050406030204" pitchFamily="18" charset="0"/>
+                                </a:rPr>
                               </m:ctrlPr>
                             </m:sSubPr>
                             <m:e>
                               <m:r>
-                                <a:rPr lang="en-US" altLang="ko-KR" i="1"/>
+                                <a:rPr lang="en-US" altLang="ko-KR" i="1">
+                                  <a:latin typeface="Cambria Math" panose="02040503050406030204" pitchFamily="18" charset="0"/>
+                                </a:rPr>
                                 <m:t>𝜹</m:t>
                               </m:r>
                             </m:e>
                             <m:sub>
                               <m:r>
-                                <a:rPr lang="en-US" altLang="ko-KR" i="1"/>
+                                <a:rPr lang="en-US" altLang="ko-KR" i="1">
+                                  <a:latin typeface="Cambria Math" panose="02040503050406030204" pitchFamily="18" charset="0"/>
+                                </a:rPr>
                                 <m:t>𝑵</m:t>
                               </m:r>
                             </m:sub>
@@ -9241,7 +9716,9 @@
                         </m:num>
                         <m:den>
                           <m:r>
-                            <a:rPr lang="en-US" altLang="ko-KR" i="1"/>
+                            <a:rPr lang="en-US" altLang="ko-KR" i="1">
+                              <a:latin typeface="Cambria Math" panose="02040503050406030204" pitchFamily="18" charset="0"/>
+                            </a:rPr>
                             <m:t>𝜶</m:t>
                           </m:r>
                         </m:den>
@@ -9249,68 +9726,96 @@
                       <m:d>
                         <m:dPr>
                           <m:ctrlPr>
-                            <a:rPr lang="ko-KR" altLang="ko-KR" i="1"/>
+                            <a:rPr lang="ko-KR" altLang="ko-KR" i="1">
+                              <a:latin typeface="Cambria Math" panose="02040503050406030204" pitchFamily="18" charset="0"/>
+                            </a:rPr>
                           </m:ctrlPr>
                         </m:dPr>
                         <m:e>
                           <m:f>
                             <m:fPr>
                               <m:ctrlPr>
-                                <a:rPr lang="ko-KR" altLang="ko-KR" i="1"/>
+                                <a:rPr lang="ko-KR" altLang="ko-KR" i="1">
+                                  <a:latin typeface="Cambria Math" panose="02040503050406030204" pitchFamily="18" charset="0"/>
+                                </a:rPr>
                               </m:ctrlPr>
                             </m:fPr>
                             <m:num>
                               <m:r>
-                                <a:rPr lang="en-US" altLang="ko-KR" i="1"/>
+                                <a:rPr lang="en-US" altLang="ko-KR" i="1">
+                                  <a:latin typeface="Cambria Math" panose="02040503050406030204" pitchFamily="18" charset="0"/>
+                                </a:rPr>
                                 <m:t>𝑴</m:t>
                               </m:r>
                               <m:r>
-                                <a:rPr lang="en-US" altLang="ko-KR" i="1"/>
+                                <a:rPr lang="en-US" altLang="ko-KR" i="1">
+                                  <a:latin typeface="Cambria Math" panose="02040503050406030204" pitchFamily="18" charset="0"/>
+                                </a:rPr>
                                 <m:t>(</m:t>
                               </m:r>
                               <m:r>
-                                <a:rPr lang="en-US" altLang="ko-KR" i="1"/>
+                                <a:rPr lang="en-US" altLang="ko-KR" i="1">
+                                  <a:latin typeface="Cambria Math" panose="02040503050406030204" pitchFamily="18" charset="0"/>
+                                </a:rPr>
                                 <m:t>𝟏</m:t>
                               </m:r>
                               <m:r>
-                                <a:rPr lang="en-US" altLang="ko-KR" i="1"/>
+                                <a:rPr lang="en-US" altLang="ko-KR" i="1">
+                                  <a:latin typeface="Cambria Math" panose="02040503050406030204" pitchFamily="18" charset="0"/>
+                                </a:rPr>
                                 <m:t>+</m:t>
                               </m:r>
                               <m:r>
-                                <a:rPr lang="en-US" altLang="ko-KR" i="1"/>
+                                <a:rPr lang="en-US" altLang="ko-KR" i="1">
+                                  <a:latin typeface="Cambria Math" panose="02040503050406030204" pitchFamily="18" charset="0"/>
+                                </a:rPr>
                                 <m:t>𝜶</m:t>
                               </m:r>
                               <m:r>
-                                <a:rPr lang="en-US" altLang="ko-KR" i="1"/>
+                                <a:rPr lang="en-US" altLang="ko-KR" i="1">
+                                  <a:latin typeface="Cambria Math" panose="02040503050406030204" pitchFamily="18" charset="0"/>
+                                </a:rPr>
                                 <m:t>)</m:t>
                               </m:r>
                             </m:num>
                             <m:den>
                               <m:r>
-                                <a:rPr lang="en-US" altLang="ko-KR" i="1"/>
+                                <a:rPr lang="en-US" altLang="ko-KR" i="1">
+                                  <a:latin typeface="Cambria Math" panose="02040503050406030204" pitchFamily="18" charset="0"/>
+                                </a:rPr>
                                 <m:t>𝟏</m:t>
                               </m:r>
                               <m:r>
-                                <a:rPr lang="en-US" altLang="ko-KR" i="1"/>
+                                <a:rPr lang="en-US" altLang="ko-KR" i="1">
+                                  <a:latin typeface="Cambria Math" panose="02040503050406030204" pitchFamily="18" charset="0"/>
+                                </a:rPr>
                                 <m:t>+</m:t>
                               </m:r>
                               <m:r>
-                                <a:rPr lang="en-US" altLang="ko-KR" i="1"/>
+                                <a:rPr lang="en-US" altLang="ko-KR" i="1">
+                                  <a:latin typeface="Cambria Math" panose="02040503050406030204" pitchFamily="18" charset="0"/>
+                                </a:rPr>
                                 <m:t>𝜶</m:t>
                               </m:r>
                               <m:r>
-                                <a:rPr lang="en-US" altLang="ko-KR" i="1"/>
+                                <a:rPr lang="en-US" altLang="ko-KR" i="1">
+                                  <a:latin typeface="Cambria Math" panose="02040503050406030204" pitchFamily="18" charset="0"/>
+                                </a:rPr>
                                 <m:t>∙</m:t>
                               </m:r>
                               <m:func>
                                 <m:funcPr>
                                   <m:ctrlPr>
-                                    <a:rPr lang="ko-KR" altLang="ko-KR" i="1"/>
+                                    <a:rPr lang="ko-KR" altLang="ko-KR" i="1">
+                                      <a:latin typeface="Cambria Math" panose="02040503050406030204" pitchFamily="18" charset="0"/>
+                                    </a:rPr>
                                   </m:ctrlPr>
                                 </m:funcPr>
                                 <m:fName>
                                   <m:r>
-                                    <a:rPr lang="en-US" altLang="ko-KR" i="1"/>
+                                    <a:rPr lang="en-US" altLang="ko-KR" i="1">
+                                      <a:latin typeface="Cambria Math" panose="02040503050406030204" pitchFamily="18" charset="0"/>
+                                    </a:rPr>
                                     <m:t>𝐞𝐱𝐩</m:t>
                                   </m:r>
                                 </m:fName>
@@ -9318,7 +9823,9 @@
                                   <m:d>
                                     <m:dPr>
                                       <m:ctrlPr>
-                                        <a:rPr lang="ko-KR" altLang="ko-KR" i="1"/>
+                                        <a:rPr lang="ko-KR" altLang="ko-KR" i="1">
+                                          <a:latin typeface="Cambria Math" panose="02040503050406030204" pitchFamily="18" charset="0"/>
+                                        </a:rPr>
                                       </m:ctrlPr>
                                     </m:dPr>
                                     <m:e>
@@ -9442,11 +9949,15 @@
                             </m:den>
                           </m:f>
                           <m:r>
-                            <a:rPr lang="en-US" altLang="ko-KR" i="1"/>
+                            <a:rPr lang="en-US" altLang="ko-KR" i="1">
+                              <a:latin typeface="Cambria Math" panose="02040503050406030204" pitchFamily="18" charset="0"/>
+                            </a:rPr>
                             <m:t>−</m:t>
                           </m:r>
                           <m:r>
-                            <a:rPr lang="en-US" altLang="ko-KR" i="1"/>
+                            <a:rPr lang="en-US" altLang="ko-KR" i="1">
+                              <a:latin typeface="Cambria Math" panose="02040503050406030204" pitchFamily="18" charset="0"/>
+                            </a:rPr>
                             <m:t>𝑴</m:t>
                           </m:r>
                         </m:e>
@@ -9465,7 +9976,7 @@
             </p:txBody>
           </p:sp>
         </mc:Choice>
-        <mc:Fallback>
+        <mc:Fallback xmlns="">
           <p:sp>
             <p:nvSpPr>
               <p:cNvPr id="12" name="Rectangle 11"/>
@@ -10620,9 +11131,33 @@
           <a:chExt cx="0" cy="0"/>
         </a:xfrm>
       </p:grpSpPr>
+      <p:pic>
+        <p:nvPicPr>
+          <p:cNvPr id="2" name="Picture 1"/>
+          <p:cNvPicPr>
+            <a:picLocks noChangeAspect="1"/>
+          </p:cNvPicPr>
+          <p:nvPr/>
+        </p:nvPicPr>
+        <p:blipFill>
+          <a:blip r:embed="rId2"/>
+          <a:stretch>
+            <a:fillRect/>
+          </a:stretch>
+        </p:blipFill>
+        <p:spPr>
+          <a:xfrm>
+            <a:off x="323878" y="2399462"/>
+            <a:ext cx="8720292" cy="4063010"/>
+          </a:xfrm>
+          <a:prstGeom prst="rect">
+            <a:avLst/>
+          </a:prstGeom>
+        </p:spPr>
+      </p:pic>
       <p:sp>
         <p:nvSpPr>
-          <p:cNvPr id="107" name="To do"/>
+          <p:cNvPr id="99" name="Current Status"/>
           <p:cNvSpPr txBox="1">
             <a:spLocks noGrp="1"/>
           </p:cNvSpPr>
@@ -10640,16 +11175,15 @@
           <a:lstStyle/>
           <a:p>
             <a:r>
-              <a:rPr lang="en-US" dirty="0" err="1" smtClean="0"/>
-              <a:t>Github</a:t>
+              <a:rPr dirty="0"/>
+              <a:t>Current Status</a:t>
             </a:r>
-            <a:endParaRPr dirty="0"/>
           </a:p>
         </p:txBody>
       </p:sp>
       <p:sp>
         <p:nvSpPr>
-          <p:cNvPr id="108" name="Future Plans…"/>
+          <p:cNvPr id="100" name="주간 진행 사항…"/>
           <p:cNvSpPr txBox="1">
             <a:spLocks noGrp="1"/>
           </p:cNvSpPr>
@@ -10658,6 +11192,10 @@
           </p:nvPr>
         </p:nvSpPr>
         <p:spPr>
+          <a:xfrm>
+            <a:off x="673100" y="1567280"/>
+            <a:ext cx="11142848" cy="724658"/>
+          </a:xfrm>
           <a:prstGeom prst="rect">
             <a:avLst/>
           </a:prstGeom>
@@ -10666,19 +11204,17 @@
           <a:bodyPr/>
           <a:lstStyle/>
           <a:p>
+            <a:pPr latinLnBrk="1"/>
             <a:r>
-              <a:rPr lang="en-US" altLang="ko-KR" dirty="0">
-                <a:hlinkClick r:id="rId2"/>
-              </a:rPr>
-              <a:t>https://github.com/WannaBeSuperteur/2020/tree/master/WPCN</a:t>
+              <a:rPr lang="en-US" altLang="ko-KR" sz="3000" dirty="0" smtClean="0"/>
+              <a:t>Formula about the problems</a:t>
             </a:r>
-            <a:endParaRPr lang="en-US" altLang="ko-KR" dirty="0" smtClean="0"/>
           </a:p>
         </p:txBody>
       </p:sp>
       <p:sp>
         <p:nvSpPr>
-          <p:cNvPr id="109" name="Slide Number"/>
+          <p:cNvPr id="101" name="Slide Number"/>
           <p:cNvSpPr txBox="1">
             <a:spLocks noGrp="1"/>
           </p:cNvSpPr>
@@ -10707,10 +11243,520 @@
           </a:p>
         </p:txBody>
       </p:sp>
+      <p:sp>
+        <p:nvSpPr>
+          <p:cNvPr id="7" name="Rectangle 6"/>
+          <p:cNvSpPr/>
+          <p:nvPr/>
+        </p:nvSpPr>
+        <p:spPr>
+          <a:xfrm>
+            <a:off x="277808" y="2468290"/>
+            <a:ext cx="2762275" cy="264926"/>
+          </a:xfrm>
+          <a:prstGeom prst="rect">
+            <a:avLst/>
+          </a:prstGeom>
+          <a:noFill/>
+          <a:ln w="38100" cap="flat">
+            <a:solidFill>
+              <a:srgbClr val="FF0000"/>
+            </a:solidFill>
+            <a:miter lim="400000"/>
+          </a:ln>
+          <a:effectLst/>
+          <a:sp3d/>
+        </p:spPr>
+        <p:style>
+          <a:lnRef idx="0">
+            <a:scrgbClr r="0" g="0" b="0"/>
+          </a:lnRef>
+          <a:fillRef idx="0">
+            <a:scrgbClr r="0" g="0" b="0"/>
+          </a:fillRef>
+          <a:effectRef idx="0">
+            <a:scrgbClr r="0" g="0" b="0"/>
+          </a:effectRef>
+          <a:fontRef idx="none"/>
+        </p:style>
+        <p:txBody>
+          <a:bodyPr rot="0" spcFirstLastPara="1" vertOverflow="overflow" horzOverflow="overflow" vert="horz" wrap="square" lIns="50800" tIns="50800" rIns="50800" bIns="50800" numCol="1" spcCol="38100" rtlCol="0" anchor="ctr">
+            <a:spAutoFit/>
+          </a:bodyPr>
+          <a:lstStyle/>
+          <a:p>
+            <a:pPr marL="0" marR="0" indent="0" algn="ctr" defTabSz="584200" rtl="0" fontAlgn="auto" latinLnBrk="0" hangingPunct="0">
+              <a:lnSpc>
+                <a:spcPct val="100000"/>
+              </a:lnSpc>
+              <a:spcBef>
+                <a:spcPts val="0"/>
+              </a:spcBef>
+              <a:spcAft>
+                <a:spcPts val="0"/>
+              </a:spcAft>
+              <a:buClrTx/>
+              <a:buSzTx/>
+              <a:buFontTx/>
+              <a:buNone/>
+              <a:tabLst/>
+            </a:pPr>
+            <a:endParaRPr kumimoji="0" lang="ko-KR" altLang="en-US" sz="2200" b="0" i="0" u="none" strike="noStrike" cap="none" spc="0" normalizeH="0" baseline="0">
+              <a:ln>
+                <a:noFill/>
+              </a:ln>
+              <a:solidFill>
+                <a:srgbClr val="FFFFFF"/>
+              </a:solidFill>
+              <a:effectLst/>
+              <a:uFillTx/>
+              <a:latin typeface="+mn-lt"/>
+              <a:ea typeface="+mn-ea"/>
+              <a:cs typeface="+mn-cs"/>
+              <a:sym typeface="Helvetica Neue Medium"/>
+            </a:endParaRPr>
+          </a:p>
+        </p:txBody>
+      </p:sp>
+      <p:sp>
+        <p:nvSpPr>
+          <p:cNvPr id="13" name="Rectangle 12"/>
+          <p:cNvSpPr/>
+          <p:nvPr/>
+        </p:nvSpPr>
+        <p:spPr>
+          <a:xfrm>
+            <a:off x="312004" y="3496400"/>
+            <a:ext cx="8732165" cy="275692"/>
+          </a:xfrm>
+          <a:prstGeom prst="rect">
+            <a:avLst/>
+          </a:prstGeom>
+          <a:noFill/>
+          <a:ln w="38100" cap="flat">
+            <a:solidFill>
+              <a:srgbClr val="FF0000"/>
+            </a:solidFill>
+            <a:miter lim="400000"/>
+          </a:ln>
+          <a:effectLst/>
+          <a:sp3d/>
+        </p:spPr>
+        <p:style>
+          <a:lnRef idx="0">
+            <a:scrgbClr r="0" g="0" b="0"/>
+          </a:lnRef>
+          <a:fillRef idx="0">
+            <a:scrgbClr r="0" g="0" b="0"/>
+          </a:fillRef>
+          <a:effectRef idx="0">
+            <a:scrgbClr r="0" g="0" b="0"/>
+          </a:effectRef>
+          <a:fontRef idx="none"/>
+        </p:style>
+        <p:txBody>
+          <a:bodyPr rot="0" spcFirstLastPara="1" vertOverflow="overflow" horzOverflow="overflow" vert="horz" wrap="square" lIns="50800" tIns="50800" rIns="50800" bIns="50800" numCol="1" spcCol="38100" rtlCol="0" anchor="ctr">
+            <a:spAutoFit/>
+          </a:bodyPr>
+          <a:lstStyle/>
+          <a:p>
+            <a:pPr marL="0" marR="0" indent="0" algn="ctr" defTabSz="584200" rtl="0" fontAlgn="auto" latinLnBrk="0" hangingPunct="0">
+              <a:lnSpc>
+                <a:spcPct val="100000"/>
+              </a:lnSpc>
+              <a:spcBef>
+                <a:spcPts val="0"/>
+              </a:spcBef>
+              <a:spcAft>
+                <a:spcPts val="0"/>
+              </a:spcAft>
+              <a:buClrTx/>
+              <a:buSzTx/>
+              <a:buFontTx/>
+              <a:buNone/>
+              <a:tabLst/>
+            </a:pPr>
+            <a:endParaRPr kumimoji="0" lang="ko-KR" altLang="en-US" sz="2200" b="0" i="0" u="none" strike="noStrike" cap="none" spc="0" normalizeH="0" baseline="0">
+              <a:ln>
+                <a:noFill/>
+              </a:ln>
+              <a:solidFill>
+                <a:srgbClr val="FFFFFF"/>
+              </a:solidFill>
+              <a:effectLst/>
+              <a:uFillTx/>
+              <a:latin typeface="+mn-lt"/>
+              <a:ea typeface="+mn-ea"/>
+              <a:cs typeface="+mn-cs"/>
+              <a:sym typeface="Helvetica Neue Medium"/>
+            </a:endParaRPr>
+          </a:p>
+        </p:txBody>
+      </p:sp>
+      <p:pic>
+        <p:nvPicPr>
+          <p:cNvPr id="3" name="Picture 2"/>
+          <p:cNvPicPr>
+            <a:picLocks noChangeAspect="1"/>
+          </p:cNvPicPr>
+          <p:nvPr/>
+        </p:nvPicPr>
+        <p:blipFill>
+          <a:blip r:embed="rId3"/>
+          <a:stretch>
+            <a:fillRect/>
+          </a:stretch>
+        </p:blipFill>
+        <p:spPr>
+          <a:xfrm>
+            <a:off x="323878" y="6605015"/>
+            <a:ext cx="6836561" cy="2271503"/>
+          </a:xfrm>
+          <a:prstGeom prst="rect">
+            <a:avLst/>
+          </a:prstGeom>
+        </p:spPr>
+      </p:pic>
+      <p:pic>
+        <p:nvPicPr>
+          <p:cNvPr id="5" name="Picture 4"/>
+          <p:cNvPicPr>
+            <a:picLocks noChangeAspect="1"/>
+          </p:cNvPicPr>
+          <p:nvPr/>
+        </p:nvPicPr>
+        <p:blipFill>
+          <a:blip r:embed="rId4"/>
+          <a:stretch>
+            <a:fillRect/>
+          </a:stretch>
+        </p:blipFill>
+        <p:spPr>
+          <a:xfrm>
+            <a:off x="7464307" y="4214620"/>
+            <a:ext cx="4408632" cy="2782146"/>
+          </a:xfrm>
+          <a:prstGeom prst="rect">
+            <a:avLst/>
+          </a:prstGeom>
+        </p:spPr>
+      </p:pic>
+      <p:sp>
+        <p:nvSpPr>
+          <p:cNvPr id="16" name="Rectangle 15"/>
+          <p:cNvSpPr/>
+          <p:nvPr/>
+        </p:nvSpPr>
+        <p:spPr>
+          <a:xfrm>
+            <a:off x="277809" y="6545598"/>
+            <a:ext cx="5552976" cy="292431"/>
+          </a:xfrm>
+          <a:prstGeom prst="rect">
+            <a:avLst/>
+          </a:prstGeom>
+          <a:noFill/>
+          <a:ln w="38100" cap="flat">
+            <a:solidFill>
+              <a:srgbClr val="FF0000"/>
+            </a:solidFill>
+            <a:miter lim="400000"/>
+          </a:ln>
+          <a:effectLst/>
+          <a:sp3d/>
+        </p:spPr>
+        <p:style>
+          <a:lnRef idx="0">
+            <a:scrgbClr r="0" g="0" b="0"/>
+          </a:lnRef>
+          <a:fillRef idx="0">
+            <a:scrgbClr r="0" g="0" b="0"/>
+          </a:fillRef>
+          <a:effectRef idx="0">
+            <a:scrgbClr r="0" g="0" b="0"/>
+          </a:effectRef>
+          <a:fontRef idx="none"/>
+        </p:style>
+        <p:txBody>
+          <a:bodyPr rot="0" spcFirstLastPara="1" vertOverflow="overflow" horzOverflow="overflow" vert="horz" wrap="square" lIns="50800" tIns="50800" rIns="50800" bIns="50800" numCol="1" spcCol="38100" rtlCol="0" anchor="ctr">
+            <a:spAutoFit/>
+          </a:bodyPr>
+          <a:lstStyle/>
+          <a:p>
+            <a:pPr marL="0" marR="0" indent="0" algn="ctr" defTabSz="584200" rtl="0" fontAlgn="auto" latinLnBrk="0" hangingPunct="0">
+              <a:lnSpc>
+                <a:spcPct val="100000"/>
+              </a:lnSpc>
+              <a:spcBef>
+                <a:spcPts val="0"/>
+              </a:spcBef>
+              <a:spcAft>
+                <a:spcPts val="0"/>
+              </a:spcAft>
+              <a:buClrTx/>
+              <a:buSzTx/>
+              <a:buFontTx/>
+              <a:buNone/>
+              <a:tabLst/>
+            </a:pPr>
+            <a:endParaRPr kumimoji="0" lang="ko-KR" altLang="en-US" sz="2200" b="0" i="0" u="none" strike="noStrike" cap="none" spc="0" normalizeH="0" baseline="0">
+              <a:ln>
+                <a:noFill/>
+              </a:ln>
+              <a:solidFill>
+                <a:srgbClr val="FFFFFF"/>
+              </a:solidFill>
+              <a:effectLst/>
+              <a:uFillTx/>
+              <a:latin typeface="+mn-lt"/>
+              <a:ea typeface="+mn-ea"/>
+              <a:cs typeface="+mn-cs"/>
+              <a:sym typeface="Helvetica Neue Medium"/>
+            </a:endParaRPr>
+          </a:p>
+        </p:txBody>
+      </p:sp>
+      <p:sp>
+        <p:nvSpPr>
+          <p:cNvPr id="17" name="Rectangle 16"/>
+          <p:cNvSpPr/>
+          <p:nvPr/>
+        </p:nvSpPr>
+        <p:spPr>
+          <a:xfrm>
+            <a:off x="277808" y="7740766"/>
+            <a:ext cx="3439169" cy="263203"/>
+          </a:xfrm>
+          <a:prstGeom prst="rect">
+            <a:avLst/>
+          </a:prstGeom>
+          <a:noFill/>
+          <a:ln w="38100" cap="flat">
+            <a:solidFill>
+              <a:srgbClr val="FF0000"/>
+            </a:solidFill>
+            <a:miter lim="400000"/>
+          </a:ln>
+          <a:effectLst/>
+          <a:sp3d/>
+        </p:spPr>
+        <p:style>
+          <a:lnRef idx="0">
+            <a:scrgbClr r="0" g="0" b="0"/>
+          </a:lnRef>
+          <a:fillRef idx="0">
+            <a:scrgbClr r="0" g="0" b="0"/>
+          </a:fillRef>
+          <a:effectRef idx="0">
+            <a:scrgbClr r="0" g="0" b="0"/>
+          </a:effectRef>
+          <a:fontRef idx="none"/>
+        </p:style>
+        <p:txBody>
+          <a:bodyPr rot="0" spcFirstLastPara="1" vertOverflow="overflow" horzOverflow="overflow" vert="horz" wrap="square" lIns="50800" tIns="50800" rIns="50800" bIns="50800" numCol="1" spcCol="38100" rtlCol="0" anchor="ctr">
+            <a:spAutoFit/>
+          </a:bodyPr>
+          <a:lstStyle/>
+          <a:p>
+            <a:pPr marL="0" marR="0" indent="0" algn="ctr" defTabSz="584200" rtl="0" fontAlgn="auto" latinLnBrk="0" hangingPunct="0">
+              <a:lnSpc>
+                <a:spcPct val="100000"/>
+              </a:lnSpc>
+              <a:spcBef>
+                <a:spcPts val="0"/>
+              </a:spcBef>
+              <a:spcAft>
+                <a:spcPts val="0"/>
+              </a:spcAft>
+              <a:buClrTx/>
+              <a:buSzTx/>
+              <a:buFontTx/>
+              <a:buNone/>
+              <a:tabLst/>
+            </a:pPr>
+            <a:endParaRPr kumimoji="0" lang="ko-KR" altLang="en-US" sz="2200" b="0" i="0" u="none" strike="noStrike" cap="none" spc="0" normalizeH="0" baseline="0">
+              <a:ln>
+                <a:noFill/>
+              </a:ln>
+              <a:solidFill>
+                <a:srgbClr val="FFFFFF"/>
+              </a:solidFill>
+              <a:effectLst/>
+              <a:uFillTx/>
+              <a:latin typeface="+mn-lt"/>
+              <a:ea typeface="+mn-ea"/>
+              <a:cs typeface="+mn-cs"/>
+              <a:sym typeface="Helvetica Neue Medium"/>
+            </a:endParaRPr>
+          </a:p>
+        </p:txBody>
+      </p:sp>
+      <p:cxnSp>
+        <p:nvCxnSpPr>
+          <p:cNvPr id="18" name="Straight Arrow Connector 17"/>
+          <p:cNvCxnSpPr>
+            <a:endCxn id="7" idx="3"/>
+          </p:cNvCxnSpPr>
+          <p:nvPr/>
+        </p:nvCxnSpPr>
+        <p:spPr>
+          <a:xfrm flipH="1" flipV="1">
+            <a:off x="3040083" y="2600753"/>
+            <a:ext cx="4932783" cy="2283470"/>
+          </a:xfrm>
+          <a:prstGeom prst="straightConnector1">
+            <a:avLst/>
+          </a:prstGeom>
+          <a:noFill/>
+          <a:ln w="38100" cap="flat">
+            <a:solidFill>
+              <a:srgbClr val="FF0000"/>
+            </a:solidFill>
+            <a:prstDash val="solid"/>
+            <a:miter lim="400000"/>
+            <a:tailEnd type="triangle" w="lg" len="lg"/>
+          </a:ln>
+          <a:effectLst/>
+          <a:sp3d/>
+        </p:spPr>
+        <p:style>
+          <a:lnRef idx="0">
+            <a:scrgbClr r="0" g="0" b="0"/>
+          </a:lnRef>
+          <a:fillRef idx="0">
+            <a:scrgbClr r="0" g="0" b="0"/>
+          </a:fillRef>
+          <a:effectRef idx="0">
+            <a:scrgbClr r="0" g="0" b="0"/>
+          </a:effectRef>
+          <a:fontRef idx="none"/>
+        </p:style>
+      </p:cxnSp>
+      <p:cxnSp>
+        <p:nvCxnSpPr>
+          <p:cNvPr id="20" name="Straight Arrow Connector 19"/>
+          <p:cNvCxnSpPr/>
+          <p:nvPr/>
+        </p:nvCxnSpPr>
+        <p:spPr>
+          <a:xfrm flipH="1" flipV="1">
+            <a:off x="8775865" y="3779013"/>
+            <a:ext cx="82378" cy="1386753"/>
+          </a:xfrm>
+          <a:prstGeom prst="straightConnector1">
+            <a:avLst/>
+          </a:prstGeom>
+          <a:noFill/>
+          <a:ln w="38100" cap="flat">
+            <a:solidFill>
+              <a:srgbClr val="FF0000"/>
+            </a:solidFill>
+            <a:prstDash val="solid"/>
+            <a:miter lim="400000"/>
+            <a:tailEnd type="triangle" w="lg" len="lg"/>
+          </a:ln>
+          <a:effectLst/>
+          <a:sp3d/>
+        </p:spPr>
+        <p:style>
+          <a:lnRef idx="0">
+            <a:scrgbClr r="0" g="0" b="0"/>
+          </a:lnRef>
+          <a:fillRef idx="0">
+            <a:scrgbClr r="0" g="0" b="0"/>
+          </a:fillRef>
+          <a:effectRef idx="0">
+            <a:scrgbClr r="0" g="0" b="0"/>
+          </a:effectRef>
+          <a:fontRef idx="none"/>
+        </p:style>
+      </p:cxnSp>
+      <p:cxnSp>
+        <p:nvCxnSpPr>
+          <p:cNvPr id="24" name="Straight Arrow Connector 23"/>
+          <p:cNvCxnSpPr>
+            <a:endCxn id="16" idx="3"/>
+          </p:cNvCxnSpPr>
+          <p:nvPr/>
+        </p:nvCxnSpPr>
+        <p:spPr>
+          <a:xfrm flipH="1">
+            <a:off x="5830785" y="6047426"/>
+            <a:ext cx="2427615" cy="644388"/>
+          </a:xfrm>
+          <a:prstGeom prst="straightConnector1">
+            <a:avLst/>
+          </a:prstGeom>
+          <a:noFill/>
+          <a:ln w="38100" cap="flat">
+            <a:solidFill>
+              <a:srgbClr val="FF0000"/>
+            </a:solidFill>
+            <a:prstDash val="solid"/>
+            <a:miter lim="400000"/>
+            <a:tailEnd type="triangle" w="lg" len="lg"/>
+          </a:ln>
+          <a:effectLst/>
+          <a:sp3d/>
+        </p:spPr>
+        <p:style>
+          <a:lnRef idx="0">
+            <a:scrgbClr r="0" g="0" b="0"/>
+          </a:lnRef>
+          <a:fillRef idx="0">
+            <a:scrgbClr r="0" g="0" b="0"/>
+          </a:fillRef>
+          <a:effectRef idx="0">
+            <a:scrgbClr r="0" g="0" b="0"/>
+          </a:effectRef>
+          <a:fontRef idx="none"/>
+        </p:style>
+      </p:cxnSp>
+      <p:cxnSp>
+        <p:nvCxnSpPr>
+          <p:cNvPr id="27" name="Straight Arrow Connector 26"/>
+          <p:cNvCxnSpPr>
+            <a:endCxn id="17" idx="3"/>
+          </p:cNvCxnSpPr>
+          <p:nvPr/>
+        </p:nvCxnSpPr>
+        <p:spPr>
+          <a:xfrm flipH="1">
+            <a:off x="3716977" y="6605015"/>
+            <a:ext cx="4541423" cy="1267353"/>
+          </a:xfrm>
+          <a:prstGeom prst="straightConnector1">
+            <a:avLst/>
+          </a:prstGeom>
+          <a:noFill/>
+          <a:ln w="38100" cap="flat">
+            <a:solidFill>
+              <a:srgbClr val="FF0000"/>
+            </a:solidFill>
+            <a:prstDash val="solid"/>
+            <a:miter lim="400000"/>
+            <a:tailEnd type="triangle" w="lg" len="lg"/>
+          </a:ln>
+          <a:effectLst/>
+          <a:sp3d/>
+        </p:spPr>
+        <p:style>
+          <a:lnRef idx="0">
+            <a:scrgbClr r="0" g="0" b="0"/>
+          </a:lnRef>
+          <a:fillRef idx="0">
+            <a:scrgbClr r="0" g="0" b="0"/>
+          </a:fillRef>
+          <a:effectRef idx="0">
+            <a:scrgbClr r="0" g="0" b="0"/>
+          </a:effectRef>
+          <a:fontRef idx="none"/>
+        </p:style>
+      </p:cxnSp>
     </p:spTree>
     <p:extLst>
       <p:ext uri="{BB962C8B-B14F-4D97-AF65-F5344CB8AC3E}">
-        <p14:creationId xmlns:p14="http://schemas.microsoft.com/office/powerpoint/2010/main" val="4099176061"/>
+        <p14:creationId xmlns:p14="http://schemas.microsoft.com/office/powerpoint/2010/main" val="1557082033"/>
       </p:ext>
     </p:extLst>
   </p:cSld>
@@ -10718,6 +11764,2111 @@
     <a:masterClrMapping/>
   </p:clrMapOvr>
   <p:transition spd="med"/>
+  <p:timing>
+    <p:tnLst>
+      <p:par>
+        <p:cTn id="1" dur="indefinite" restart="never" nodeType="tmRoot"/>
+      </p:par>
+    </p:tnLst>
+  </p:timing>
+</p:sld>
+</file>
+
+<file path=ppt/slides/slide17.xml><?xml version="1.0" encoding="utf-8"?>
+<p:sld xmlns:a="http://schemas.openxmlformats.org/drawingml/2006/main" xmlns:r="http://schemas.openxmlformats.org/officeDocument/2006/relationships" xmlns:p="http://schemas.openxmlformats.org/presentationml/2006/main">
+  <p:cSld>
+    <p:spTree>
+      <p:nvGrpSpPr>
+        <p:cNvPr id="1" name=""/>
+        <p:cNvGrpSpPr/>
+        <p:nvPr/>
+      </p:nvGrpSpPr>
+      <p:grpSpPr>
+        <a:xfrm>
+          <a:off x="0" y="0"/>
+          <a:ext cx="0" cy="0"/>
+          <a:chOff x="0" y="0"/>
+          <a:chExt cx="0" cy="0"/>
+        </a:xfrm>
+      </p:grpSpPr>
+      <p:sp>
+        <p:nvSpPr>
+          <p:cNvPr id="99" name="Current Status"/>
+          <p:cNvSpPr txBox="1">
+            <a:spLocks noGrp="1"/>
+          </p:cNvSpPr>
+          <p:nvPr>
+            <p:ph type="title"/>
+          </p:nvPr>
+        </p:nvSpPr>
+        <p:spPr>
+          <a:prstGeom prst="rect">
+            <a:avLst/>
+          </a:prstGeom>
+        </p:spPr>
+        <p:txBody>
+          <a:bodyPr/>
+          <a:lstStyle/>
+          <a:p>
+            <a:r>
+              <a:rPr dirty="0"/>
+              <a:t>Current Status</a:t>
+            </a:r>
+          </a:p>
+        </p:txBody>
+      </p:sp>
+      <p:sp>
+        <p:nvSpPr>
+          <p:cNvPr id="100" name="주간 진행 사항…"/>
+          <p:cNvSpPr txBox="1">
+            <a:spLocks noGrp="1"/>
+          </p:cNvSpPr>
+          <p:nvPr>
+            <p:ph type="body" idx="1"/>
+          </p:nvPr>
+        </p:nvSpPr>
+        <p:spPr>
+          <a:xfrm>
+            <a:off x="673100" y="1567280"/>
+            <a:ext cx="11142848" cy="724658"/>
+          </a:xfrm>
+          <a:prstGeom prst="rect">
+            <a:avLst/>
+          </a:prstGeom>
+        </p:spPr>
+        <p:txBody>
+          <a:bodyPr/>
+          <a:lstStyle/>
+          <a:p>
+            <a:pPr latinLnBrk="1"/>
+            <a:r>
+              <a:rPr lang="en-US" altLang="ko-KR" sz="3000" dirty="0" smtClean="0"/>
+              <a:t>Formula about the problems</a:t>
+            </a:r>
+          </a:p>
+        </p:txBody>
+      </p:sp>
+      <p:sp>
+        <p:nvSpPr>
+          <p:cNvPr id="101" name="Slide Number"/>
+          <p:cNvSpPr txBox="1">
+            <a:spLocks noGrp="1"/>
+          </p:cNvSpPr>
+          <p:nvPr>
+            <p:ph type="sldNum" sz="quarter" idx="2"/>
+          </p:nvPr>
+        </p:nvSpPr>
+        <p:spPr>
+          <a:prstGeom prst="rect">
+            <a:avLst/>
+          </a:prstGeom>
+          <a:extLst>
+            <a:ext uri="{C572A759-6A51-4108-AA02-DFA0A04FC94B}">
+              <ma14:wrappingTextBoxFlag xmlns="" xmlns:m="http://schemas.openxmlformats.org/officeDocument/2006/math" xmlns:a14="http://schemas.microsoft.com/office/drawing/2010/main" xmlns:ma14="http://schemas.microsoft.com/office/mac/drawingml/2011/main" val="1"/>
+            </a:ext>
+          </a:extLst>
+        </p:spPr>
+        <p:txBody>
+          <a:bodyPr/>
+          <a:lstStyle/>
+          <a:p>
+            <a:fld id="{86CB4B4D-7CA3-9044-876B-883B54F8677D}" type="slidenum">
+              <a:t>17</a:t>
+            </a:fld>
+            <a:endParaRPr/>
+          </a:p>
+        </p:txBody>
+      </p:sp>
+      <p:pic>
+        <p:nvPicPr>
+          <p:cNvPr id="4" name="Picture 3"/>
+          <p:cNvPicPr>
+            <a:picLocks noChangeAspect="1"/>
+          </p:cNvPicPr>
+          <p:nvPr/>
+        </p:nvPicPr>
+        <p:blipFill>
+          <a:blip r:embed="rId2"/>
+          <a:stretch>
+            <a:fillRect/>
+          </a:stretch>
+        </p:blipFill>
+        <p:spPr>
+          <a:xfrm>
+            <a:off x="231115" y="3318765"/>
+            <a:ext cx="8271618" cy="4372141"/>
+          </a:xfrm>
+          <a:prstGeom prst="rect">
+            <a:avLst/>
+          </a:prstGeom>
+        </p:spPr>
+      </p:pic>
+      <p:pic>
+        <p:nvPicPr>
+          <p:cNvPr id="6" name="Picture 5"/>
+          <p:cNvPicPr>
+            <a:picLocks noChangeAspect="1"/>
+          </p:cNvPicPr>
+          <p:nvPr/>
+        </p:nvPicPr>
+        <p:blipFill>
+          <a:blip r:embed="rId3"/>
+          <a:stretch>
+            <a:fillRect/>
+          </a:stretch>
+        </p:blipFill>
+        <p:spPr>
+          <a:xfrm>
+            <a:off x="7452611" y="5159903"/>
+            <a:ext cx="5343525" cy="2209800"/>
+          </a:xfrm>
+          <a:prstGeom prst="rect">
+            <a:avLst/>
+          </a:prstGeom>
+        </p:spPr>
+      </p:pic>
+      <p:cxnSp>
+        <p:nvCxnSpPr>
+          <p:cNvPr id="19" name="Straight Arrow Connector 18"/>
+          <p:cNvCxnSpPr/>
+          <p:nvPr/>
+        </p:nvCxnSpPr>
+        <p:spPr>
+          <a:xfrm flipH="1" flipV="1">
+            <a:off x="3170712" y="3592509"/>
+            <a:ext cx="4281899" cy="1739512"/>
+          </a:xfrm>
+          <a:prstGeom prst="straightConnector1">
+            <a:avLst/>
+          </a:prstGeom>
+          <a:noFill/>
+          <a:ln w="38100" cap="flat">
+            <a:solidFill>
+              <a:srgbClr val="FF0000"/>
+            </a:solidFill>
+            <a:prstDash val="solid"/>
+            <a:miter lim="400000"/>
+            <a:tailEnd type="triangle" w="lg" len="lg"/>
+          </a:ln>
+          <a:effectLst/>
+          <a:sp3d/>
+        </p:spPr>
+        <p:style>
+          <a:lnRef idx="0">
+            <a:scrgbClr r="0" g="0" b="0"/>
+          </a:lnRef>
+          <a:fillRef idx="0">
+            <a:scrgbClr r="0" g="0" b="0"/>
+          </a:fillRef>
+          <a:effectRef idx="0">
+            <a:scrgbClr r="0" g="0" b="0"/>
+          </a:effectRef>
+          <a:fontRef idx="none"/>
+        </p:style>
+      </p:cxnSp>
+      <p:cxnSp>
+        <p:nvCxnSpPr>
+          <p:cNvPr id="21" name="Straight Arrow Connector 20"/>
+          <p:cNvCxnSpPr/>
+          <p:nvPr/>
+        </p:nvCxnSpPr>
+        <p:spPr>
+          <a:xfrm flipH="1" flipV="1">
+            <a:off x="8312727" y="4838701"/>
+            <a:ext cx="1175657" cy="1360218"/>
+          </a:xfrm>
+          <a:prstGeom prst="straightConnector1">
+            <a:avLst/>
+          </a:prstGeom>
+          <a:noFill/>
+          <a:ln w="38100" cap="flat">
+            <a:solidFill>
+              <a:srgbClr val="FF0000"/>
+            </a:solidFill>
+            <a:prstDash val="solid"/>
+            <a:miter lim="400000"/>
+            <a:tailEnd type="triangle" w="lg" len="lg"/>
+          </a:ln>
+          <a:effectLst/>
+          <a:sp3d/>
+        </p:spPr>
+        <p:style>
+          <a:lnRef idx="0">
+            <a:scrgbClr r="0" g="0" b="0"/>
+          </a:lnRef>
+          <a:fillRef idx="0">
+            <a:scrgbClr r="0" g="0" b="0"/>
+          </a:fillRef>
+          <a:effectRef idx="0">
+            <a:scrgbClr r="0" g="0" b="0"/>
+          </a:effectRef>
+          <a:fontRef idx="none"/>
+        </p:style>
+      </p:cxnSp>
+      <p:sp>
+        <p:nvSpPr>
+          <p:cNvPr id="23" name="Rectangle 22"/>
+          <p:cNvSpPr/>
+          <p:nvPr/>
+        </p:nvSpPr>
+        <p:spPr>
+          <a:xfrm>
+            <a:off x="231115" y="3450228"/>
+            <a:ext cx="2939597" cy="242998"/>
+          </a:xfrm>
+          <a:prstGeom prst="rect">
+            <a:avLst/>
+          </a:prstGeom>
+          <a:noFill/>
+          <a:ln w="38100" cap="flat">
+            <a:solidFill>
+              <a:srgbClr val="FF0000"/>
+            </a:solidFill>
+            <a:miter lim="400000"/>
+          </a:ln>
+          <a:effectLst/>
+          <a:sp3d/>
+        </p:spPr>
+        <p:style>
+          <a:lnRef idx="0">
+            <a:scrgbClr r="0" g="0" b="0"/>
+          </a:lnRef>
+          <a:fillRef idx="0">
+            <a:scrgbClr r="0" g="0" b="0"/>
+          </a:fillRef>
+          <a:effectRef idx="0">
+            <a:scrgbClr r="0" g="0" b="0"/>
+          </a:effectRef>
+          <a:fontRef idx="none"/>
+        </p:style>
+        <p:txBody>
+          <a:bodyPr rot="0" spcFirstLastPara="1" vertOverflow="overflow" horzOverflow="overflow" vert="horz" wrap="square" lIns="50800" tIns="50800" rIns="50800" bIns="50800" numCol="1" spcCol="38100" rtlCol="0" anchor="ctr">
+            <a:spAutoFit/>
+          </a:bodyPr>
+          <a:lstStyle/>
+          <a:p>
+            <a:pPr marL="0" marR="0" indent="0" algn="ctr" defTabSz="584200" rtl="0" fontAlgn="auto" latinLnBrk="0" hangingPunct="0">
+              <a:lnSpc>
+                <a:spcPct val="100000"/>
+              </a:lnSpc>
+              <a:spcBef>
+                <a:spcPts val="0"/>
+              </a:spcBef>
+              <a:spcAft>
+                <a:spcPts val="0"/>
+              </a:spcAft>
+              <a:buClrTx/>
+              <a:buSzTx/>
+              <a:buFontTx/>
+              <a:buNone/>
+              <a:tabLst/>
+            </a:pPr>
+            <a:endParaRPr kumimoji="0" lang="ko-KR" altLang="en-US" sz="2200" b="0" i="0" u="none" strike="noStrike" cap="none" spc="0" normalizeH="0" baseline="0">
+              <a:ln>
+                <a:noFill/>
+              </a:ln>
+              <a:solidFill>
+                <a:srgbClr val="FFFFFF"/>
+              </a:solidFill>
+              <a:effectLst/>
+              <a:uFillTx/>
+              <a:latin typeface="+mn-lt"/>
+              <a:ea typeface="+mn-ea"/>
+              <a:cs typeface="+mn-cs"/>
+              <a:sym typeface="Helvetica Neue Medium"/>
+            </a:endParaRPr>
+          </a:p>
+        </p:txBody>
+      </p:sp>
+      <p:sp>
+        <p:nvSpPr>
+          <p:cNvPr id="25" name="Rectangle 24"/>
+          <p:cNvSpPr/>
+          <p:nvPr/>
+        </p:nvSpPr>
+        <p:spPr>
+          <a:xfrm>
+            <a:off x="231114" y="4566594"/>
+            <a:ext cx="8271619" cy="272105"/>
+          </a:xfrm>
+          <a:prstGeom prst="rect">
+            <a:avLst/>
+          </a:prstGeom>
+          <a:noFill/>
+          <a:ln w="38100" cap="flat">
+            <a:solidFill>
+              <a:srgbClr val="FF0000"/>
+            </a:solidFill>
+            <a:miter lim="400000"/>
+          </a:ln>
+          <a:effectLst/>
+          <a:sp3d/>
+        </p:spPr>
+        <p:style>
+          <a:lnRef idx="0">
+            <a:scrgbClr r="0" g="0" b="0"/>
+          </a:lnRef>
+          <a:fillRef idx="0">
+            <a:scrgbClr r="0" g="0" b="0"/>
+          </a:fillRef>
+          <a:effectRef idx="0">
+            <a:scrgbClr r="0" g="0" b="0"/>
+          </a:effectRef>
+          <a:fontRef idx="none"/>
+        </p:style>
+        <p:txBody>
+          <a:bodyPr rot="0" spcFirstLastPara="1" vertOverflow="overflow" horzOverflow="overflow" vert="horz" wrap="square" lIns="50800" tIns="50800" rIns="50800" bIns="50800" numCol="1" spcCol="38100" rtlCol="0" anchor="ctr">
+            <a:spAutoFit/>
+          </a:bodyPr>
+          <a:lstStyle/>
+          <a:p>
+            <a:pPr marL="0" marR="0" indent="0" algn="ctr" defTabSz="584200" rtl="0" fontAlgn="auto" latinLnBrk="0" hangingPunct="0">
+              <a:lnSpc>
+                <a:spcPct val="100000"/>
+              </a:lnSpc>
+              <a:spcBef>
+                <a:spcPts val="0"/>
+              </a:spcBef>
+              <a:spcAft>
+                <a:spcPts val="0"/>
+              </a:spcAft>
+              <a:buClrTx/>
+              <a:buSzTx/>
+              <a:buFontTx/>
+              <a:buNone/>
+              <a:tabLst/>
+            </a:pPr>
+            <a:endParaRPr kumimoji="0" lang="ko-KR" altLang="en-US" sz="2200" b="0" i="0" u="none" strike="noStrike" cap="none" spc="0" normalizeH="0" baseline="0">
+              <a:ln>
+                <a:noFill/>
+              </a:ln>
+              <a:solidFill>
+                <a:srgbClr val="FFFFFF"/>
+              </a:solidFill>
+              <a:effectLst/>
+              <a:uFillTx/>
+              <a:latin typeface="+mn-lt"/>
+              <a:ea typeface="+mn-ea"/>
+              <a:cs typeface="+mn-cs"/>
+              <a:sym typeface="Helvetica Neue Medium"/>
+            </a:endParaRPr>
+          </a:p>
+        </p:txBody>
+      </p:sp>
+    </p:spTree>
+    <p:extLst>
+      <p:ext uri="{BB962C8B-B14F-4D97-AF65-F5344CB8AC3E}">
+        <p14:creationId xmlns:p14="http://schemas.microsoft.com/office/powerpoint/2010/main" val="2592166344"/>
+      </p:ext>
+    </p:extLst>
+  </p:cSld>
+  <p:clrMapOvr>
+    <a:masterClrMapping/>
+  </p:clrMapOvr>
+  <p:transition spd="med"/>
+  <p:timing>
+    <p:tnLst>
+      <p:par>
+        <p:cTn id="1" dur="indefinite" restart="never" nodeType="tmRoot"/>
+      </p:par>
+    </p:tnLst>
+  </p:timing>
+</p:sld>
+</file>
+
+<file path=ppt/slides/slide18.xml><?xml version="1.0" encoding="utf-8"?>
+<p:sld xmlns:a="http://schemas.openxmlformats.org/drawingml/2006/main" xmlns:r="http://schemas.openxmlformats.org/officeDocument/2006/relationships" xmlns:p="http://schemas.openxmlformats.org/presentationml/2006/main">
+  <p:cSld>
+    <p:spTree>
+      <p:nvGrpSpPr>
+        <p:cNvPr id="1" name=""/>
+        <p:cNvGrpSpPr/>
+        <p:nvPr/>
+      </p:nvGrpSpPr>
+      <p:grpSpPr>
+        <a:xfrm>
+          <a:off x="0" y="0"/>
+          <a:ext cx="0" cy="0"/>
+          <a:chOff x="0" y="0"/>
+          <a:chExt cx="0" cy="0"/>
+        </a:xfrm>
+      </p:grpSpPr>
+      <p:sp>
+        <p:nvSpPr>
+          <p:cNvPr id="99" name="Current Status"/>
+          <p:cNvSpPr txBox="1">
+            <a:spLocks noGrp="1"/>
+          </p:cNvSpPr>
+          <p:nvPr>
+            <p:ph type="title"/>
+          </p:nvPr>
+        </p:nvSpPr>
+        <p:spPr>
+          <a:prstGeom prst="rect">
+            <a:avLst/>
+          </a:prstGeom>
+        </p:spPr>
+        <p:txBody>
+          <a:bodyPr/>
+          <a:lstStyle/>
+          <a:p>
+            <a:r>
+              <a:rPr dirty="0"/>
+              <a:t>Current Status</a:t>
+            </a:r>
+          </a:p>
+        </p:txBody>
+      </p:sp>
+      <p:sp>
+        <p:nvSpPr>
+          <p:cNvPr id="100" name="주간 진행 사항…"/>
+          <p:cNvSpPr txBox="1">
+            <a:spLocks noGrp="1"/>
+          </p:cNvSpPr>
+          <p:nvPr>
+            <p:ph type="body" idx="1"/>
+          </p:nvPr>
+        </p:nvSpPr>
+        <p:spPr>
+          <a:xfrm>
+            <a:off x="673100" y="1567280"/>
+            <a:ext cx="11142848" cy="724658"/>
+          </a:xfrm>
+          <a:prstGeom prst="rect">
+            <a:avLst/>
+          </a:prstGeom>
+        </p:spPr>
+        <p:txBody>
+          <a:bodyPr/>
+          <a:lstStyle/>
+          <a:p>
+            <a:pPr latinLnBrk="1"/>
+            <a:r>
+              <a:rPr lang="en-US" altLang="ko-KR" sz="3000" dirty="0" smtClean="0"/>
+              <a:t>Formula about the </a:t>
+            </a:r>
+            <a:r>
+              <a:rPr lang="en-US" altLang="ko-KR" sz="3000" dirty="0" smtClean="0"/>
+              <a:t>solutions (Commonly Used</a:t>
+            </a:r>
+            <a:r>
+              <a:rPr lang="ko-KR" altLang="en-US" sz="3000" dirty="0" smtClean="0"/>
+              <a:t>에 있는 것</a:t>
+            </a:r>
+            <a:r>
+              <a:rPr lang="en-US" altLang="ko-KR" sz="3000" dirty="0" smtClean="0"/>
+              <a:t>)</a:t>
+            </a:r>
+            <a:endParaRPr lang="en-US" altLang="ko-KR" sz="3000" dirty="0" smtClean="0"/>
+          </a:p>
+        </p:txBody>
+      </p:sp>
+      <p:sp>
+        <p:nvSpPr>
+          <p:cNvPr id="101" name="Slide Number"/>
+          <p:cNvSpPr txBox="1">
+            <a:spLocks noGrp="1"/>
+          </p:cNvSpPr>
+          <p:nvPr>
+            <p:ph type="sldNum" sz="quarter" idx="2"/>
+          </p:nvPr>
+        </p:nvSpPr>
+        <p:spPr>
+          <a:prstGeom prst="rect">
+            <a:avLst/>
+          </a:prstGeom>
+          <a:extLst>
+            <a:ext uri="{C572A759-6A51-4108-AA02-DFA0A04FC94B}">
+              <ma14:wrappingTextBoxFlag xmlns="" xmlns:m="http://schemas.openxmlformats.org/officeDocument/2006/math" xmlns:a14="http://schemas.microsoft.com/office/drawing/2010/main" xmlns:ma14="http://schemas.microsoft.com/office/mac/drawingml/2011/main" val="1"/>
+            </a:ext>
+          </a:extLst>
+        </p:spPr>
+        <p:txBody>
+          <a:bodyPr/>
+          <a:lstStyle/>
+          <a:p>
+            <a:fld id="{86CB4B4D-7CA3-9044-876B-883B54F8677D}" type="slidenum">
+              <a:t>18</a:t>
+            </a:fld>
+            <a:endParaRPr/>
+          </a:p>
+        </p:txBody>
+      </p:sp>
+      <p:pic>
+        <p:nvPicPr>
+          <p:cNvPr id="5" name="Picture 4"/>
+          <p:cNvPicPr>
+            <a:picLocks noChangeAspect="1"/>
+          </p:cNvPicPr>
+          <p:nvPr/>
+        </p:nvPicPr>
+        <p:blipFill>
+          <a:blip r:embed="rId2"/>
+          <a:stretch>
+            <a:fillRect/>
+          </a:stretch>
+        </p:blipFill>
+        <p:spPr>
+          <a:xfrm>
+            <a:off x="673100" y="2615788"/>
+            <a:ext cx="5124450" cy="1790700"/>
+          </a:xfrm>
+          <a:prstGeom prst="rect">
+            <a:avLst/>
+          </a:prstGeom>
+        </p:spPr>
+      </p:pic>
+      <p:pic>
+        <p:nvPicPr>
+          <p:cNvPr id="7" name="Picture 6"/>
+          <p:cNvPicPr>
+            <a:picLocks noChangeAspect="1"/>
+          </p:cNvPicPr>
+          <p:nvPr/>
+        </p:nvPicPr>
+        <p:blipFill>
+          <a:blip r:embed="rId3"/>
+          <a:stretch>
+            <a:fillRect/>
+          </a:stretch>
+        </p:blipFill>
+        <p:spPr>
+          <a:xfrm>
+            <a:off x="7155543" y="2745921"/>
+            <a:ext cx="3743325" cy="342900"/>
+          </a:xfrm>
+          <a:prstGeom prst="rect">
+            <a:avLst/>
+          </a:prstGeom>
+        </p:spPr>
+      </p:pic>
+      <p:sp>
+        <p:nvSpPr>
+          <p:cNvPr id="15" name="Rectangle 14"/>
+          <p:cNvSpPr/>
+          <p:nvPr/>
+        </p:nvSpPr>
+        <p:spPr>
+          <a:xfrm>
+            <a:off x="1561152" y="2781547"/>
+            <a:ext cx="4236398" cy="234785"/>
+          </a:xfrm>
+          <a:prstGeom prst="rect">
+            <a:avLst/>
+          </a:prstGeom>
+          <a:noFill/>
+          <a:ln w="38100" cap="flat">
+            <a:solidFill>
+              <a:srgbClr val="FF0000"/>
+            </a:solidFill>
+            <a:miter lim="400000"/>
+          </a:ln>
+          <a:effectLst/>
+          <a:sp3d/>
+        </p:spPr>
+        <p:style>
+          <a:lnRef idx="0">
+            <a:scrgbClr r="0" g="0" b="0"/>
+          </a:lnRef>
+          <a:fillRef idx="0">
+            <a:scrgbClr r="0" g="0" b="0"/>
+          </a:fillRef>
+          <a:effectRef idx="0">
+            <a:scrgbClr r="0" g="0" b="0"/>
+          </a:effectRef>
+          <a:fontRef idx="none"/>
+        </p:style>
+        <p:txBody>
+          <a:bodyPr rot="0" spcFirstLastPara="1" vertOverflow="overflow" horzOverflow="overflow" vert="horz" wrap="square" lIns="50800" tIns="50800" rIns="50800" bIns="50800" numCol="1" spcCol="38100" rtlCol="0" anchor="ctr">
+            <a:spAutoFit/>
+          </a:bodyPr>
+          <a:lstStyle/>
+          <a:p>
+            <a:pPr marL="0" marR="0" indent="0" algn="ctr" defTabSz="584200" rtl="0" fontAlgn="auto" latinLnBrk="0" hangingPunct="0">
+              <a:lnSpc>
+                <a:spcPct val="100000"/>
+              </a:lnSpc>
+              <a:spcBef>
+                <a:spcPts val="0"/>
+              </a:spcBef>
+              <a:spcAft>
+                <a:spcPts val="0"/>
+              </a:spcAft>
+              <a:buClrTx/>
+              <a:buSzTx/>
+              <a:buFontTx/>
+              <a:buNone/>
+              <a:tabLst/>
+            </a:pPr>
+            <a:endParaRPr kumimoji="0" lang="ko-KR" altLang="en-US" sz="2200" b="0" i="0" u="none" strike="noStrike" cap="none" spc="0" normalizeH="0" baseline="0">
+              <a:ln>
+                <a:noFill/>
+              </a:ln>
+              <a:solidFill>
+                <a:srgbClr val="FFFFFF"/>
+              </a:solidFill>
+              <a:effectLst/>
+              <a:uFillTx/>
+              <a:latin typeface="+mn-lt"/>
+              <a:ea typeface="+mn-ea"/>
+              <a:cs typeface="+mn-cs"/>
+              <a:sym typeface="Helvetica Neue Medium"/>
+            </a:endParaRPr>
+          </a:p>
+        </p:txBody>
+      </p:sp>
+      <p:cxnSp>
+        <p:nvCxnSpPr>
+          <p:cNvPr id="16" name="Straight Arrow Connector 15"/>
+          <p:cNvCxnSpPr>
+            <a:stCxn id="7" idx="1"/>
+            <a:endCxn id="15" idx="3"/>
+          </p:cNvCxnSpPr>
+          <p:nvPr/>
+        </p:nvCxnSpPr>
+        <p:spPr>
+          <a:xfrm flipH="1" flipV="1">
+            <a:off x="5797550" y="2898940"/>
+            <a:ext cx="1357993" cy="18431"/>
+          </a:xfrm>
+          <a:prstGeom prst="straightConnector1">
+            <a:avLst/>
+          </a:prstGeom>
+          <a:noFill/>
+          <a:ln w="38100" cap="flat">
+            <a:solidFill>
+              <a:srgbClr val="FF0000"/>
+            </a:solidFill>
+            <a:prstDash val="solid"/>
+            <a:miter lim="400000"/>
+            <a:tailEnd type="triangle" w="lg" len="lg"/>
+          </a:ln>
+          <a:effectLst/>
+          <a:sp3d/>
+        </p:spPr>
+        <p:style>
+          <a:lnRef idx="0">
+            <a:scrgbClr r="0" g="0" b="0"/>
+          </a:lnRef>
+          <a:fillRef idx="0">
+            <a:scrgbClr r="0" g="0" b="0"/>
+          </a:fillRef>
+          <a:effectRef idx="0">
+            <a:scrgbClr r="0" g="0" b="0"/>
+          </a:effectRef>
+          <a:fontRef idx="none"/>
+        </p:style>
+      </p:cxnSp>
+      <p:pic>
+        <p:nvPicPr>
+          <p:cNvPr id="10" name="Picture 9"/>
+          <p:cNvPicPr>
+            <a:picLocks noChangeAspect="1"/>
+          </p:cNvPicPr>
+          <p:nvPr/>
+        </p:nvPicPr>
+        <p:blipFill>
+          <a:blip r:embed="rId4"/>
+          <a:stretch>
+            <a:fillRect/>
+          </a:stretch>
+        </p:blipFill>
+        <p:spPr>
+          <a:xfrm>
+            <a:off x="7155543" y="3628592"/>
+            <a:ext cx="1714500" cy="409575"/>
+          </a:xfrm>
+          <a:prstGeom prst="rect">
+            <a:avLst/>
+          </a:prstGeom>
+        </p:spPr>
+      </p:pic>
+      <p:cxnSp>
+        <p:nvCxnSpPr>
+          <p:cNvPr id="20" name="Straight Arrow Connector 19"/>
+          <p:cNvCxnSpPr>
+            <a:stCxn id="10" idx="1"/>
+            <a:endCxn id="22" idx="3"/>
+          </p:cNvCxnSpPr>
+          <p:nvPr/>
+        </p:nvCxnSpPr>
+        <p:spPr>
+          <a:xfrm flipH="1" flipV="1">
+            <a:off x="4429496" y="3674268"/>
+            <a:ext cx="2726047" cy="159112"/>
+          </a:xfrm>
+          <a:prstGeom prst="straightConnector1">
+            <a:avLst/>
+          </a:prstGeom>
+          <a:noFill/>
+          <a:ln w="38100" cap="flat">
+            <a:solidFill>
+              <a:srgbClr val="FF0000"/>
+            </a:solidFill>
+            <a:prstDash val="solid"/>
+            <a:miter lim="400000"/>
+            <a:tailEnd type="triangle" w="lg" len="lg"/>
+          </a:ln>
+          <a:effectLst/>
+          <a:sp3d/>
+        </p:spPr>
+        <p:style>
+          <a:lnRef idx="0">
+            <a:scrgbClr r="0" g="0" b="0"/>
+          </a:lnRef>
+          <a:fillRef idx="0">
+            <a:scrgbClr r="0" g="0" b="0"/>
+          </a:fillRef>
+          <a:effectRef idx="0">
+            <a:scrgbClr r="0" g="0" b="0"/>
+          </a:effectRef>
+          <a:fontRef idx="none"/>
+        </p:style>
+      </p:cxnSp>
+      <p:sp>
+        <p:nvSpPr>
+          <p:cNvPr id="22" name="Rectangle 21"/>
+          <p:cNvSpPr/>
+          <p:nvPr/>
+        </p:nvSpPr>
+        <p:spPr>
+          <a:xfrm>
+            <a:off x="1561151" y="3524373"/>
+            <a:ext cx="2868345" cy="299790"/>
+          </a:xfrm>
+          <a:prstGeom prst="rect">
+            <a:avLst/>
+          </a:prstGeom>
+          <a:noFill/>
+          <a:ln w="38100" cap="flat">
+            <a:solidFill>
+              <a:srgbClr val="FF0000"/>
+            </a:solidFill>
+            <a:miter lim="400000"/>
+          </a:ln>
+          <a:effectLst/>
+          <a:sp3d/>
+        </p:spPr>
+        <p:style>
+          <a:lnRef idx="0">
+            <a:scrgbClr r="0" g="0" b="0"/>
+          </a:lnRef>
+          <a:fillRef idx="0">
+            <a:scrgbClr r="0" g="0" b="0"/>
+          </a:fillRef>
+          <a:effectRef idx="0">
+            <a:scrgbClr r="0" g="0" b="0"/>
+          </a:effectRef>
+          <a:fontRef idx="none"/>
+        </p:style>
+        <p:txBody>
+          <a:bodyPr rot="0" spcFirstLastPara="1" vertOverflow="overflow" horzOverflow="overflow" vert="horz" wrap="square" lIns="50800" tIns="50800" rIns="50800" bIns="50800" numCol="1" spcCol="38100" rtlCol="0" anchor="ctr">
+            <a:spAutoFit/>
+          </a:bodyPr>
+          <a:lstStyle/>
+          <a:p>
+            <a:pPr marL="0" marR="0" indent="0" algn="ctr" defTabSz="584200" rtl="0" fontAlgn="auto" latinLnBrk="0" hangingPunct="0">
+              <a:lnSpc>
+                <a:spcPct val="100000"/>
+              </a:lnSpc>
+              <a:spcBef>
+                <a:spcPts val="0"/>
+              </a:spcBef>
+              <a:spcAft>
+                <a:spcPts val="0"/>
+              </a:spcAft>
+              <a:buClrTx/>
+              <a:buSzTx/>
+              <a:buFontTx/>
+              <a:buNone/>
+              <a:tabLst/>
+            </a:pPr>
+            <a:endParaRPr kumimoji="0" lang="ko-KR" altLang="en-US" sz="2200" b="0" i="0" u="none" strike="noStrike" cap="none" spc="0" normalizeH="0" baseline="0">
+              <a:ln>
+                <a:noFill/>
+              </a:ln>
+              <a:solidFill>
+                <a:srgbClr val="FFFFFF"/>
+              </a:solidFill>
+              <a:effectLst/>
+              <a:uFillTx/>
+              <a:latin typeface="+mn-lt"/>
+              <a:ea typeface="+mn-ea"/>
+              <a:cs typeface="+mn-cs"/>
+              <a:sym typeface="Helvetica Neue Medium"/>
+            </a:endParaRPr>
+          </a:p>
+        </p:txBody>
+      </p:sp>
+      <p:sp>
+        <p:nvSpPr>
+          <p:cNvPr id="13" name="TextBox 12"/>
+          <p:cNvSpPr txBox="1"/>
+          <p:nvPr/>
+        </p:nvSpPr>
+        <p:spPr>
+          <a:xfrm>
+            <a:off x="7155543" y="3055484"/>
+            <a:ext cx="2285882" cy="348813"/>
+          </a:xfrm>
+          <a:prstGeom prst="rect">
+            <a:avLst/>
+          </a:prstGeom>
+          <a:noFill/>
+          <a:ln w="12700" cap="flat">
+            <a:noFill/>
+            <a:miter lim="400000"/>
+          </a:ln>
+          <a:effectLst/>
+          <a:sp3d/>
+        </p:spPr>
+        <p:style>
+          <a:lnRef idx="0">
+            <a:scrgbClr r="0" g="0" b="0"/>
+          </a:lnRef>
+          <a:fillRef idx="0">
+            <a:scrgbClr r="0" g="0" b="0"/>
+          </a:fillRef>
+          <a:effectRef idx="0">
+            <a:scrgbClr r="0" g="0" b="0"/>
+          </a:effectRef>
+          <a:fontRef idx="none"/>
+        </p:style>
+        <p:txBody>
+          <a:bodyPr rot="0" spcFirstLastPara="1" vertOverflow="overflow" horzOverflow="overflow" vert="horz" wrap="none" lIns="50800" tIns="50800" rIns="50800" bIns="50800" numCol="1" spcCol="38100" rtlCol="0" anchor="ctr">
+            <a:spAutoFit/>
+          </a:bodyPr>
+          <a:lstStyle/>
+          <a:p>
+            <a:pPr marL="0" marR="0" indent="0" algn="ctr" defTabSz="584200" rtl="0" fontAlgn="auto" latinLnBrk="0" hangingPunct="0">
+              <a:lnSpc>
+                <a:spcPct val="100000"/>
+              </a:lnSpc>
+              <a:spcBef>
+                <a:spcPts val="0"/>
+              </a:spcBef>
+              <a:spcAft>
+                <a:spcPts val="0"/>
+              </a:spcAft>
+              <a:buClrTx/>
+              <a:buSzTx/>
+              <a:buFontTx/>
+              <a:buNone/>
+              <a:tabLst/>
+            </a:pPr>
+            <a:r>
+              <a:rPr kumimoji="0" lang="en-US" altLang="ko-KR" sz="1600" b="1" i="0" u="none" strike="noStrike" cap="none" spc="0" normalizeH="0" baseline="0" dirty="0" smtClean="0">
+                <a:ln>
+                  <a:noFill/>
+                </a:ln>
+                <a:solidFill>
+                  <a:srgbClr val="FF0000"/>
+                </a:solidFill>
+                <a:effectLst/>
+                <a:uFillTx/>
+                <a:sym typeface="Helvetica Neue"/>
+              </a:rPr>
+              <a:t>betwee</a:t>
+            </a:r>
+            <a:r>
+              <a:rPr lang="en-US" altLang="ko-KR" sz="1600" dirty="0" smtClean="0">
+                <a:solidFill>
+                  <a:srgbClr val="FF0000"/>
+                </a:solidFill>
+              </a:rPr>
+              <a:t>n (24) and (25)</a:t>
+            </a:r>
+            <a:endParaRPr kumimoji="0" lang="ko-KR" altLang="en-US" sz="1600" b="1" i="0" u="none" strike="noStrike" cap="none" spc="0" normalizeH="0" baseline="0" dirty="0">
+              <a:ln>
+                <a:noFill/>
+              </a:ln>
+              <a:solidFill>
+                <a:srgbClr val="FF0000"/>
+              </a:solidFill>
+              <a:effectLst/>
+              <a:uFillTx/>
+              <a:sym typeface="Helvetica Neue"/>
+            </a:endParaRPr>
+          </a:p>
+        </p:txBody>
+      </p:sp>
+      <p:sp>
+        <p:nvSpPr>
+          <p:cNvPr id="26" name="TextBox 25"/>
+          <p:cNvSpPr txBox="1"/>
+          <p:nvPr/>
+        </p:nvSpPr>
+        <p:spPr>
+          <a:xfrm>
+            <a:off x="7155543" y="4049757"/>
+            <a:ext cx="2285882" cy="348813"/>
+          </a:xfrm>
+          <a:prstGeom prst="rect">
+            <a:avLst/>
+          </a:prstGeom>
+          <a:noFill/>
+          <a:ln w="12700" cap="flat">
+            <a:noFill/>
+            <a:miter lim="400000"/>
+          </a:ln>
+          <a:effectLst/>
+          <a:sp3d/>
+        </p:spPr>
+        <p:style>
+          <a:lnRef idx="0">
+            <a:scrgbClr r="0" g="0" b="0"/>
+          </a:lnRef>
+          <a:fillRef idx="0">
+            <a:scrgbClr r="0" g="0" b="0"/>
+          </a:fillRef>
+          <a:effectRef idx="0">
+            <a:scrgbClr r="0" g="0" b="0"/>
+          </a:effectRef>
+          <a:fontRef idx="none"/>
+        </p:style>
+        <p:txBody>
+          <a:bodyPr rot="0" spcFirstLastPara="1" vertOverflow="overflow" horzOverflow="overflow" vert="horz" wrap="none" lIns="50800" tIns="50800" rIns="50800" bIns="50800" numCol="1" spcCol="38100" rtlCol="0" anchor="ctr">
+            <a:spAutoFit/>
+          </a:bodyPr>
+          <a:lstStyle/>
+          <a:p>
+            <a:pPr marL="0" marR="0" indent="0" algn="ctr" defTabSz="584200" rtl="0" fontAlgn="auto" latinLnBrk="0" hangingPunct="0">
+              <a:lnSpc>
+                <a:spcPct val="100000"/>
+              </a:lnSpc>
+              <a:spcBef>
+                <a:spcPts val="0"/>
+              </a:spcBef>
+              <a:spcAft>
+                <a:spcPts val="0"/>
+              </a:spcAft>
+              <a:buClrTx/>
+              <a:buSzTx/>
+              <a:buFontTx/>
+              <a:buNone/>
+              <a:tabLst/>
+            </a:pPr>
+            <a:r>
+              <a:rPr kumimoji="0" lang="en-US" altLang="ko-KR" sz="1600" b="1" i="0" u="none" strike="noStrike" cap="none" spc="0" normalizeH="0" baseline="0" dirty="0" smtClean="0">
+                <a:ln>
+                  <a:noFill/>
+                </a:ln>
+                <a:solidFill>
+                  <a:srgbClr val="FF0000"/>
+                </a:solidFill>
+                <a:effectLst/>
+                <a:uFillTx/>
+                <a:sym typeface="Helvetica Neue"/>
+              </a:rPr>
+              <a:t>betwee</a:t>
+            </a:r>
+            <a:r>
+              <a:rPr lang="en-US" altLang="ko-KR" sz="1600" dirty="0" smtClean="0">
+                <a:solidFill>
+                  <a:srgbClr val="FF0000"/>
+                </a:solidFill>
+              </a:rPr>
+              <a:t>n (34) and (35)</a:t>
+            </a:r>
+            <a:endParaRPr kumimoji="0" lang="ko-KR" altLang="en-US" sz="1600" b="1" i="0" u="none" strike="noStrike" cap="none" spc="0" normalizeH="0" baseline="0" dirty="0">
+              <a:ln>
+                <a:noFill/>
+              </a:ln>
+              <a:solidFill>
+                <a:srgbClr val="FF0000"/>
+              </a:solidFill>
+              <a:effectLst/>
+              <a:uFillTx/>
+              <a:sym typeface="Helvetica Neue"/>
+            </a:endParaRPr>
+          </a:p>
+        </p:txBody>
+      </p:sp>
+      <p:pic>
+        <p:nvPicPr>
+          <p:cNvPr id="14" name="Picture 13"/>
+          <p:cNvPicPr>
+            <a:picLocks noChangeAspect="1"/>
+          </p:cNvPicPr>
+          <p:nvPr/>
+        </p:nvPicPr>
+        <p:blipFill>
+          <a:blip r:embed="rId5"/>
+          <a:stretch>
+            <a:fillRect/>
+          </a:stretch>
+        </p:blipFill>
+        <p:spPr>
+          <a:xfrm>
+            <a:off x="673100" y="4676460"/>
+            <a:ext cx="6482443" cy="1718147"/>
+          </a:xfrm>
+          <a:prstGeom prst="rect">
+            <a:avLst/>
+          </a:prstGeom>
+        </p:spPr>
+      </p:pic>
+      <p:pic>
+        <p:nvPicPr>
+          <p:cNvPr id="17" name="Picture 16"/>
+          <p:cNvPicPr>
+            <a:picLocks noChangeAspect="1"/>
+          </p:cNvPicPr>
+          <p:nvPr/>
+        </p:nvPicPr>
+        <p:blipFill>
+          <a:blip r:embed="rId6"/>
+          <a:stretch>
+            <a:fillRect/>
+          </a:stretch>
+        </p:blipFill>
+        <p:spPr>
+          <a:xfrm>
+            <a:off x="673101" y="6584002"/>
+            <a:ext cx="9385300" cy="2147163"/>
+          </a:xfrm>
+          <a:prstGeom prst="rect">
+            <a:avLst/>
+          </a:prstGeom>
+        </p:spPr>
+      </p:pic>
+      <p:sp>
+        <p:nvSpPr>
+          <p:cNvPr id="28" name="Rectangle 27"/>
+          <p:cNvSpPr/>
+          <p:nvPr/>
+        </p:nvSpPr>
+        <p:spPr>
+          <a:xfrm>
+            <a:off x="673100" y="4667242"/>
+            <a:ext cx="6482443" cy="397181"/>
+          </a:xfrm>
+          <a:prstGeom prst="rect">
+            <a:avLst/>
+          </a:prstGeom>
+          <a:noFill/>
+          <a:ln w="38100" cap="flat">
+            <a:solidFill>
+              <a:srgbClr val="FF0000"/>
+            </a:solidFill>
+            <a:miter lim="400000"/>
+          </a:ln>
+          <a:effectLst/>
+          <a:sp3d/>
+        </p:spPr>
+        <p:style>
+          <a:lnRef idx="0">
+            <a:scrgbClr r="0" g="0" b="0"/>
+          </a:lnRef>
+          <a:fillRef idx="0">
+            <a:scrgbClr r="0" g="0" b="0"/>
+          </a:fillRef>
+          <a:effectRef idx="0">
+            <a:scrgbClr r="0" g="0" b="0"/>
+          </a:effectRef>
+          <a:fontRef idx="none"/>
+        </p:style>
+        <p:txBody>
+          <a:bodyPr rot="0" spcFirstLastPara="1" vertOverflow="overflow" horzOverflow="overflow" vert="horz" wrap="square" lIns="50800" tIns="50800" rIns="50800" bIns="50800" numCol="1" spcCol="38100" rtlCol="0" anchor="ctr">
+            <a:spAutoFit/>
+          </a:bodyPr>
+          <a:lstStyle/>
+          <a:p>
+            <a:pPr marL="0" marR="0" indent="0" algn="ctr" defTabSz="584200" rtl="0" fontAlgn="auto" latinLnBrk="0" hangingPunct="0">
+              <a:lnSpc>
+                <a:spcPct val="100000"/>
+              </a:lnSpc>
+              <a:spcBef>
+                <a:spcPts val="0"/>
+              </a:spcBef>
+              <a:spcAft>
+                <a:spcPts val="0"/>
+              </a:spcAft>
+              <a:buClrTx/>
+              <a:buSzTx/>
+              <a:buFontTx/>
+              <a:buNone/>
+              <a:tabLst/>
+            </a:pPr>
+            <a:endParaRPr kumimoji="0" lang="ko-KR" altLang="en-US" sz="2200" b="0" i="0" u="none" strike="noStrike" cap="none" spc="0" normalizeH="0" baseline="0">
+              <a:ln>
+                <a:noFill/>
+              </a:ln>
+              <a:solidFill>
+                <a:srgbClr val="FFFFFF"/>
+              </a:solidFill>
+              <a:effectLst/>
+              <a:uFillTx/>
+              <a:latin typeface="+mn-lt"/>
+              <a:ea typeface="+mn-ea"/>
+              <a:cs typeface="+mn-cs"/>
+              <a:sym typeface="Helvetica Neue Medium"/>
+            </a:endParaRPr>
+          </a:p>
+        </p:txBody>
+      </p:sp>
+      <p:sp>
+        <p:nvSpPr>
+          <p:cNvPr id="29" name="Rectangle 28"/>
+          <p:cNvSpPr/>
+          <p:nvPr/>
+        </p:nvSpPr>
+        <p:spPr>
+          <a:xfrm>
+            <a:off x="673099" y="6560252"/>
+            <a:ext cx="9385302" cy="443616"/>
+          </a:xfrm>
+          <a:prstGeom prst="rect">
+            <a:avLst/>
+          </a:prstGeom>
+          <a:noFill/>
+          <a:ln w="38100" cap="flat">
+            <a:solidFill>
+              <a:srgbClr val="FF0000"/>
+            </a:solidFill>
+            <a:miter lim="400000"/>
+          </a:ln>
+          <a:effectLst/>
+          <a:sp3d/>
+        </p:spPr>
+        <p:style>
+          <a:lnRef idx="0">
+            <a:scrgbClr r="0" g="0" b="0"/>
+          </a:lnRef>
+          <a:fillRef idx="0">
+            <a:scrgbClr r="0" g="0" b="0"/>
+          </a:fillRef>
+          <a:effectRef idx="0">
+            <a:scrgbClr r="0" g="0" b="0"/>
+          </a:effectRef>
+          <a:fontRef idx="none"/>
+        </p:style>
+        <p:txBody>
+          <a:bodyPr rot="0" spcFirstLastPara="1" vertOverflow="overflow" horzOverflow="overflow" vert="horz" wrap="square" lIns="50800" tIns="50800" rIns="50800" bIns="50800" numCol="1" spcCol="38100" rtlCol="0" anchor="ctr">
+            <a:spAutoFit/>
+          </a:bodyPr>
+          <a:lstStyle/>
+          <a:p>
+            <a:pPr marL="0" marR="0" indent="0" algn="ctr" defTabSz="584200" rtl="0" fontAlgn="auto" latinLnBrk="0" hangingPunct="0">
+              <a:lnSpc>
+                <a:spcPct val="100000"/>
+              </a:lnSpc>
+              <a:spcBef>
+                <a:spcPts val="0"/>
+              </a:spcBef>
+              <a:spcAft>
+                <a:spcPts val="0"/>
+              </a:spcAft>
+              <a:buClrTx/>
+              <a:buSzTx/>
+              <a:buFontTx/>
+              <a:buNone/>
+              <a:tabLst/>
+            </a:pPr>
+            <a:endParaRPr kumimoji="0" lang="ko-KR" altLang="en-US" sz="2200" b="0" i="0" u="none" strike="noStrike" cap="none" spc="0" normalizeH="0" baseline="0">
+              <a:ln>
+                <a:noFill/>
+              </a:ln>
+              <a:solidFill>
+                <a:srgbClr val="FFFFFF"/>
+              </a:solidFill>
+              <a:effectLst/>
+              <a:uFillTx/>
+              <a:latin typeface="+mn-lt"/>
+              <a:ea typeface="+mn-ea"/>
+              <a:cs typeface="+mn-cs"/>
+              <a:sym typeface="Helvetica Neue Medium"/>
+            </a:endParaRPr>
+          </a:p>
+        </p:txBody>
+      </p:sp>
+      <p:sp>
+        <p:nvSpPr>
+          <p:cNvPr id="30" name="TextBox 29"/>
+          <p:cNvSpPr txBox="1"/>
+          <p:nvPr/>
+        </p:nvSpPr>
+        <p:spPr>
+          <a:xfrm>
+            <a:off x="7164367" y="4608518"/>
+            <a:ext cx="487313" cy="348813"/>
+          </a:xfrm>
+          <a:prstGeom prst="rect">
+            <a:avLst/>
+          </a:prstGeom>
+          <a:noFill/>
+          <a:ln w="12700" cap="flat">
+            <a:noFill/>
+            <a:miter lim="400000"/>
+          </a:ln>
+          <a:effectLst/>
+          <a:sp3d/>
+        </p:spPr>
+        <p:style>
+          <a:lnRef idx="0">
+            <a:scrgbClr r="0" g="0" b="0"/>
+          </a:lnRef>
+          <a:fillRef idx="0">
+            <a:scrgbClr r="0" g="0" b="0"/>
+          </a:fillRef>
+          <a:effectRef idx="0">
+            <a:scrgbClr r="0" g="0" b="0"/>
+          </a:effectRef>
+          <a:fontRef idx="none"/>
+        </p:style>
+        <p:txBody>
+          <a:bodyPr rot="0" spcFirstLastPara="1" vertOverflow="overflow" horzOverflow="overflow" vert="horz" wrap="none" lIns="50800" tIns="50800" rIns="50800" bIns="50800" numCol="1" spcCol="38100" rtlCol="0" anchor="ctr">
+            <a:spAutoFit/>
+          </a:bodyPr>
+          <a:lstStyle/>
+          <a:p>
+            <a:pPr marL="0" marR="0" indent="0" algn="ctr" defTabSz="584200" rtl="0" fontAlgn="auto" latinLnBrk="0" hangingPunct="0">
+              <a:lnSpc>
+                <a:spcPct val="100000"/>
+              </a:lnSpc>
+              <a:spcBef>
+                <a:spcPts val="0"/>
+              </a:spcBef>
+              <a:spcAft>
+                <a:spcPts val="0"/>
+              </a:spcAft>
+              <a:buClrTx/>
+              <a:buSzTx/>
+              <a:buFontTx/>
+              <a:buNone/>
+              <a:tabLst/>
+            </a:pPr>
+            <a:r>
+              <a:rPr lang="en-US" altLang="ko-KR" sz="1600" dirty="0" smtClean="0">
+                <a:solidFill>
+                  <a:srgbClr val="FF0000"/>
+                </a:solidFill>
+              </a:rPr>
+              <a:t>(35)</a:t>
+            </a:r>
+            <a:endParaRPr kumimoji="0" lang="ko-KR" altLang="en-US" sz="1600" b="1" i="0" u="none" strike="noStrike" cap="none" spc="0" normalizeH="0" baseline="0" dirty="0">
+              <a:ln>
+                <a:noFill/>
+              </a:ln>
+              <a:solidFill>
+                <a:srgbClr val="FF0000"/>
+              </a:solidFill>
+              <a:effectLst/>
+              <a:uFillTx/>
+              <a:sym typeface="Helvetica Neue"/>
+            </a:endParaRPr>
+          </a:p>
+        </p:txBody>
+      </p:sp>
+      <p:sp>
+        <p:nvSpPr>
+          <p:cNvPr id="31" name="TextBox 30"/>
+          <p:cNvSpPr txBox="1"/>
+          <p:nvPr/>
+        </p:nvSpPr>
+        <p:spPr>
+          <a:xfrm>
+            <a:off x="10166845" y="6541822"/>
+            <a:ext cx="487313" cy="348813"/>
+          </a:xfrm>
+          <a:prstGeom prst="rect">
+            <a:avLst/>
+          </a:prstGeom>
+          <a:noFill/>
+          <a:ln w="12700" cap="flat">
+            <a:noFill/>
+            <a:miter lim="400000"/>
+          </a:ln>
+          <a:effectLst/>
+          <a:sp3d/>
+        </p:spPr>
+        <p:style>
+          <a:lnRef idx="0">
+            <a:scrgbClr r="0" g="0" b="0"/>
+          </a:lnRef>
+          <a:fillRef idx="0">
+            <a:scrgbClr r="0" g="0" b="0"/>
+          </a:fillRef>
+          <a:effectRef idx="0">
+            <a:scrgbClr r="0" g="0" b="0"/>
+          </a:effectRef>
+          <a:fontRef idx="none"/>
+        </p:style>
+        <p:txBody>
+          <a:bodyPr rot="0" spcFirstLastPara="1" vertOverflow="overflow" horzOverflow="overflow" vert="horz" wrap="none" lIns="50800" tIns="50800" rIns="50800" bIns="50800" numCol="1" spcCol="38100" rtlCol="0" anchor="ctr">
+            <a:spAutoFit/>
+          </a:bodyPr>
+          <a:lstStyle/>
+          <a:p>
+            <a:pPr marL="0" marR="0" indent="0" algn="ctr" defTabSz="584200" rtl="0" fontAlgn="auto" latinLnBrk="0" hangingPunct="0">
+              <a:lnSpc>
+                <a:spcPct val="100000"/>
+              </a:lnSpc>
+              <a:spcBef>
+                <a:spcPts val="0"/>
+              </a:spcBef>
+              <a:spcAft>
+                <a:spcPts val="0"/>
+              </a:spcAft>
+              <a:buClrTx/>
+              <a:buSzTx/>
+              <a:buFontTx/>
+              <a:buNone/>
+              <a:tabLst/>
+            </a:pPr>
+            <a:r>
+              <a:rPr lang="en-US" altLang="ko-KR" sz="1600" dirty="0" smtClean="0">
+                <a:solidFill>
+                  <a:srgbClr val="FF0000"/>
+                </a:solidFill>
+              </a:rPr>
+              <a:t>(36)</a:t>
+            </a:r>
+            <a:endParaRPr kumimoji="0" lang="ko-KR" altLang="en-US" sz="1600" b="1" i="0" u="none" strike="noStrike" cap="none" spc="0" normalizeH="0" baseline="0" dirty="0">
+              <a:ln>
+                <a:noFill/>
+              </a:ln>
+              <a:solidFill>
+                <a:srgbClr val="FF0000"/>
+              </a:solidFill>
+              <a:effectLst/>
+              <a:uFillTx/>
+              <a:sym typeface="Helvetica Neue"/>
+            </a:endParaRPr>
+          </a:p>
+        </p:txBody>
+      </p:sp>
+      <p:pic>
+        <p:nvPicPr>
+          <p:cNvPr id="18" name="Picture 17"/>
+          <p:cNvPicPr>
+            <a:picLocks noChangeAspect="1"/>
+          </p:cNvPicPr>
+          <p:nvPr/>
+        </p:nvPicPr>
+        <p:blipFill>
+          <a:blip r:embed="rId7"/>
+          <a:stretch>
+            <a:fillRect/>
+          </a:stretch>
+        </p:blipFill>
+        <p:spPr>
+          <a:xfrm>
+            <a:off x="7315200" y="5011910"/>
+            <a:ext cx="5312187" cy="781997"/>
+          </a:xfrm>
+          <a:prstGeom prst="rect">
+            <a:avLst/>
+          </a:prstGeom>
+        </p:spPr>
+      </p:pic>
+      <p:pic>
+        <p:nvPicPr>
+          <p:cNvPr id="24" name="Picture 23"/>
+          <p:cNvPicPr>
+            <a:picLocks noChangeAspect="1"/>
+          </p:cNvPicPr>
+          <p:nvPr/>
+        </p:nvPicPr>
+        <p:blipFill>
+          <a:blip r:embed="rId8"/>
+          <a:stretch>
+            <a:fillRect/>
+          </a:stretch>
+        </p:blipFill>
+        <p:spPr>
+          <a:xfrm>
+            <a:off x="8109540" y="7118542"/>
+            <a:ext cx="4362450" cy="390525"/>
+          </a:xfrm>
+          <a:prstGeom prst="rect">
+            <a:avLst/>
+          </a:prstGeom>
+        </p:spPr>
+      </p:pic>
+    </p:spTree>
+    <p:extLst>
+      <p:ext uri="{BB962C8B-B14F-4D97-AF65-F5344CB8AC3E}">
+        <p14:creationId xmlns:p14="http://schemas.microsoft.com/office/powerpoint/2010/main" val="2179440267"/>
+      </p:ext>
+    </p:extLst>
+  </p:cSld>
+  <p:clrMapOvr>
+    <a:masterClrMapping/>
+  </p:clrMapOvr>
+  <p:transition spd="med"/>
+  <p:timing>
+    <p:tnLst>
+      <p:par>
+        <p:cTn id="1" dur="indefinite" restart="never" nodeType="tmRoot"/>
+      </p:par>
+    </p:tnLst>
+  </p:timing>
+</p:sld>
+</file>
+
+<file path=ppt/slides/slide19.xml><?xml version="1.0" encoding="utf-8"?>
+<p:sld xmlns:a="http://schemas.openxmlformats.org/drawingml/2006/main" xmlns:r="http://schemas.openxmlformats.org/officeDocument/2006/relationships" xmlns:p="http://schemas.openxmlformats.org/presentationml/2006/main">
+  <p:cSld>
+    <p:spTree>
+      <p:nvGrpSpPr>
+        <p:cNvPr id="1" name=""/>
+        <p:cNvGrpSpPr/>
+        <p:nvPr/>
+      </p:nvGrpSpPr>
+      <p:grpSpPr>
+        <a:xfrm>
+          <a:off x="0" y="0"/>
+          <a:ext cx="0" cy="0"/>
+          <a:chOff x="0" y="0"/>
+          <a:chExt cx="0" cy="0"/>
+        </a:xfrm>
+      </p:grpSpPr>
+      <p:sp>
+        <p:nvSpPr>
+          <p:cNvPr id="99" name="Current Status"/>
+          <p:cNvSpPr txBox="1">
+            <a:spLocks noGrp="1"/>
+          </p:cNvSpPr>
+          <p:nvPr>
+            <p:ph type="title"/>
+          </p:nvPr>
+        </p:nvSpPr>
+        <p:spPr>
+          <a:prstGeom prst="rect">
+            <a:avLst/>
+          </a:prstGeom>
+        </p:spPr>
+        <p:txBody>
+          <a:bodyPr/>
+          <a:lstStyle/>
+          <a:p>
+            <a:r>
+              <a:rPr dirty="0"/>
+              <a:t>Current Status</a:t>
+            </a:r>
+          </a:p>
+        </p:txBody>
+      </p:sp>
+      <p:sp>
+        <p:nvSpPr>
+          <p:cNvPr id="100" name="주간 진행 사항…"/>
+          <p:cNvSpPr txBox="1">
+            <a:spLocks noGrp="1"/>
+          </p:cNvSpPr>
+          <p:nvPr>
+            <p:ph type="body" idx="1"/>
+          </p:nvPr>
+        </p:nvSpPr>
+        <p:spPr>
+          <a:xfrm>
+            <a:off x="673100" y="1567280"/>
+            <a:ext cx="11142848" cy="724658"/>
+          </a:xfrm>
+          <a:prstGeom prst="rect">
+            <a:avLst/>
+          </a:prstGeom>
+        </p:spPr>
+        <p:txBody>
+          <a:bodyPr/>
+          <a:lstStyle/>
+          <a:p>
+            <a:pPr latinLnBrk="1"/>
+            <a:r>
+              <a:rPr lang="en-US" altLang="ko-KR" sz="3000" dirty="0" smtClean="0"/>
+              <a:t>Formula about the </a:t>
+            </a:r>
+            <a:r>
+              <a:rPr lang="en-US" altLang="ko-KR" sz="3000" dirty="0" smtClean="0"/>
+              <a:t>solutions (Commonly Used</a:t>
+            </a:r>
+            <a:r>
+              <a:rPr lang="ko-KR" altLang="en-US" sz="3000" dirty="0" smtClean="0"/>
+              <a:t>에 있는 것</a:t>
+            </a:r>
+            <a:r>
+              <a:rPr lang="en-US" altLang="ko-KR" sz="3000" dirty="0" smtClean="0"/>
+              <a:t>)</a:t>
+            </a:r>
+            <a:endParaRPr lang="en-US" altLang="ko-KR" sz="3000" dirty="0" smtClean="0"/>
+          </a:p>
+        </p:txBody>
+      </p:sp>
+      <p:sp>
+        <p:nvSpPr>
+          <p:cNvPr id="101" name="Slide Number"/>
+          <p:cNvSpPr txBox="1">
+            <a:spLocks noGrp="1"/>
+          </p:cNvSpPr>
+          <p:nvPr>
+            <p:ph type="sldNum" sz="quarter" idx="2"/>
+          </p:nvPr>
+        </p:nvSpPr>
+        <p:spPr>
+          <a:prstGeom prst="rect">
+            <a:avLst/>
+          </a:prstGeom>
+          <a:extLst>
+            <a:ext uri="{C572A759-6A51-4108-AA02-DFA0A04FC94B}">
+              <ma14:wrappingTextBoxFlag xmlns="" xmlns:m="http://schemas.openxmlformats.org/officeDocument/2006/math" xmlns:a14="http://schemas.microsoft.com/office/drawing/2010/main" xmlns:ma14="http://schemas.microsoft.com/office/mac/drawingml/2011/main" val="1"/>
+            </a:ext>
+          </a:extLst>
+        </p:spPr>
+        <p:txBody>
+          <a:bodyPr/>
+          <a:lstStyle/>
+          <a:p>
+            <a:fld id="{86CB4B4D-7CA3-9044-876B-883B54F8677D}" type="slidenum">
+              <a:t>19</a:t>
+            </a:fld>
+            <a:endParaRPr/>
+          </a:p>
+        </p:txBody>
+      </p:sp>
+      <p:pic>
+        <p:nvPicPr>
+          <p:cNvPr id="3" name="Picture 2"/>
+          <p:cNvPicPr>
+            <a:picLocks noChangeAspect="1"/>
+          </p:cNvPicPr>
+          <p:nvPr/>
+        </p:nvPicPr>
+        <p:blipFill>
+          <a:blip r:embed="rId2"/>
+          <a:stretch>
+            <a:fillRect/>
+          </a:stretch>
+        </p:blipFill>
+        <p:spPr>
+          <a:xfrm>
+            <a:off x="578097" y="2373318"/>
+            <a:ext cx="5750787" cy="2171933"/>
+          </a:xfrm>
+          <a:prstGeom prst="rect">
+            <a:avLst/>
+          </a:prstGeom>
+        </p:spPr>
+      </p:pic>
+      <p:pic>
+        <p:nvPicPr>
+          <p:cNvPr id="4" name="Picture 3"/>
+          <p:cNvPicPr>
+            <a:picLocks noChangeAspect="1"/>
+          </p:cNvPicPr>
+          <p:nvPr/>
+        </p:nvPicPr>
+        <p:blipFill>
+          <a:blip r:embed="rId3"/>
+          <a:stretch>
+            <a:fillRect/>
+          </a:stretch>
+        </p:blipFill>
+        <p:spPr>
+          <a:xfrm>
+            <a:off x="578097" y="5500101"/>
+            <a:ext cx="10906125" cy="2000250"/>
+          </a:xfrm>
+          <a:prstGeom prst="rect">
+            <a:avLst/>
+          </a:prstGeom>
+        </p:spPr>
+      </p:pic>
+      <p:sp>
+        <p:nvSpPr>
+          <p:cNvPr id="25" name="Rectangle 24"/>
+          <p:cNvSpPr/>
+          <p:nvPr/>
+        </p:nvSpPr>
+        <p:spPr>
+          <a:xfrm>
+            <a:off x="578098" y="2359815"/>
+            <a:ext cx="3934526" cy="240881"/>
+          </a:xfrm>
+          <a:prstGeom prst="rect">
+            <a:avLst/>
+          </a:prstGeom>
+          <a:noFill/>
+          <a:ln w="38100" cap="flat">
+            <a:solidFill>
+              <a:srgbClr val="FF0000"/>
+            </a:solidFill>
+            <a:miter lim="400000"/>
+          </a:ln>
+          <a:effectLst/>
+          <a:sp3d/>
+        </p:spPr>
+        <p:style>
+          <a:lnRef idx="0">
+            <a:scrgbClr r="0" g="0" b="0"/>
+          </a:lnRef>
+          <a:fillRef idx="0">
+            <a:scrgbClr r="0" g="0" b="0"/>
+          </a:fillRef>
+          <a:effectRef idx="0">
+            <a:scrgbClr r="0" g="0" b="0"/>
+          </a:effectRef>
+          <a:fontRef idx="none"/>
+        </p:style>
+        <p:txBody>
+          <a:bodyPr rot="0" spcFirstLastPara="1" vertOverflow="overflow" horzOverflow="overflow" vert="horz" wrap="square" lIns="50800" tIns="50800" rIns="50800" bIns="50800" numCol="1" spcCol="38100" rtlCol="0" anchor="ctr">
+            <a:spAutoFit/>
+          </a:bodyPr>
+          <a:lstStyle/>
+          <a:p>
+            <a:pPr marL="0" marR="0" indent="0" algn="ctr" defTabSz="584200" rtl="0" fontAlgn="auto" latinLnBrk="0" hangingPunct="0">
+              <a:lnSpc>
+                <a:spcPct val="100000"/>
+              </a:lnSpc>
+              <a:spcBef>
+                <a:spcPts val="0"/>
+              </a:spcBef>
+              <a:spcAft>
+                <a:spcPts val="0"/>
+              </a:spcAft>
+              <a:buClrTx/>
+              <a:buSzTx/>
+              <a:buFontTx/>
+              <a:buNone/>
+              <a:tabLst/>
+            </a:pPr>
+            <a:endParaRPr kumimoji="0" lang="ko-KR" altLang="en-US" sz="2200" b="0" i="0" u="none" strike="noStrike" cap="none" spc="0" normalizeH="0" baseline="0">
+              <a:ln>
+                <a:noFill/>
+              </a:ln>
+              <a:solidFill>
+                <a:srgbClr val="FFFFFF"/>
+              </a:solidFill>
+              <a:effectLst/>
+              <a:uFillTx/>
+              <a:latin typeface="+mn-lt"/>
+              <a:ea typeface="+mn-ea"/>
+              <a:cs typeface="+mn-cs"/>
+              <a:sym typeface="Helvetica Neue Medium"/>
+            </a:endParaRPr>
+          </a:p>
+        </p:txBody>
+      </p:sp>
+      <p:sp>
+        <p:nvSpPr>
+          <p:cNvPr id="27" name="Rectangle 26"/>
+          <p:cNvSpPr/>
+          <p:nvPr/>
+        </p:nvSpPr>
+        <p:spPr>
+          <a:xfrm>
+            <a:off x="578098" y="5500101"/>
+            <a:ext cx="4979554" cy="308758"/>
+          </a:xfrm>
+          <a:prstGeom prst="rect">
+            <a:avLst/>
+          </a:prstGeom>
+          <a:noFill/>
+          <a:ln w="38100" cap="flat">
+            <a:solidFill>
+              <a:srgbClr val="FF0000"/>
+            </a:solidFill>
+            <a:miter lim="400000"/>
+          </a:ln>
+          <a:effectLst/>
+          <a:sp3d/>
+        </p:spPr>
+        <p:style>
+          <a:lnRef idx="0">
+            <a:scrgbClr r="0" g="0" b="0"/>
+          </a:lnRef>
+          <a:fillRef idx="0">
+            <a:scrgbClr r="0" g="0" b="0"/>
+          </a:fillRef>
+          <a:effectRef idx="0">
+            <a:scrgbClr r="0" g="0" b="0"/>
+          </a:effectRef>
+          <a:fontRef idx="none"/>
+        </p:style>
+        <p:txBody>
+          <a:bodyPr rot="0" spcFirstLastPara="1" vertOverflow="overflow" horzOverflow="overflow" vert="horz" wrap="square" lIns="50800" tIns="50800" rIns="50800" bIns="50800" numCol="1" spcCol="38100" rtlCol="0" anchor="ctr">
+            <a:spAutoFit/>
+          </a:bodyPr>
+          <a:lstStyle/>
+          <a:p>
+            <a:pPr marL="0" marR="0" indent="0" algn="ctr" defTabSz="584200" rtl="0" fontAlgn="auto" latinLnBrk="0" hangingPunct="0">
+              <a:lnSpc>
+                <a:spcPct val="100000"/>
+              </a:lnSpc>
+              <a:spcBef>
+                <a:spcPts val="0"/>
+              </a:spcBef>
+              <a:spcAft>
+                <a:spcPts val="0"/>
+              </a:spcAft>
+              <a:buClrTx/>
+              <a:buSzTx/>
+              <a:buFontTx/>
+              <a:buNone/>
+              <a:tabLst/>
+            </a:pPr>
+            <a:endParaRPr kumimoji="0" lang="ko-KR" altLang="en-US" sz="2200" b="0" i="0" u="none" strike="noStrike" cap="none" spc="0" normalizeH="0" baseline="0">
+              <a:ln>
+                <a:noFill/>
+              </a:ln>
+              <a:solidFill>
+                <a:srgbClr val="FFFFFF"/>
+              </a:solidFill>
+              <a:effectLst/>
+              <a:uFillTx/>
+              <a:latin typeface="+mn-lt"/>
+              <a:ea typeface="+mn-ea"/>
+              <a:cs typeface="+mn-cs"/>
+              <a:sym typeface="Helvetica Neue Medium"/>
+            </a:endParaRPr>
+          </a:p>
+        </p:txBody>
+      </p:sp>
+      <p:pic>
+        <p:nvPicPr>
+          <p:cNvPr id="6" name="Picture 5"/>
+          <p:cNvPicPr>
+            <a:picLocks noChangeAspect="1"/>
+          </p:cNvPicPr>
+          <p:nvPr/>
+        </p:nvPicPr>
+        <p:blipFill>
+          <a:blip r:embed="rId4"/>
+          <a:stretch>
+            <a:fillRect/>
+          </a:stretch>
+        </p:blipFill>
+        <p:spPr>
+          <a:xfrm>
+            <a:off x="7064065" y="2324362"/>
+            <a:ext cx="4600575" cy="1323975"/>
+          </a:xfrm>
+          <a:prstGeom prst="rect">
+            <a:avLst/>
+          </a:prstGeom>
+        </p:spPr>
+      </p:pic>
+      <p:cxnSp>
+        <p:nvCxnSpPr>
+          <p:cNvPr id="32" name="Straight Arrow Connector 31"/>
+          <p:cNvCxnSpPr>
+            <a:stCxn id="6" idx="1"/>
+            <a:endCxn id="25" idx="3"/>
+          </p:cNvCxnSpPr>
+          <p:nvPr/>
+        </p:nvCxnSpPr>
+        <p:spPr>
+          <a:xfrm flipH="1" flipV="1">
+            <a:off x="4512624" y="2480256"/>
+            <a:ext cx="2551441" cy="506094"/>
+          </a:xfrm>
+          <a:prstGeom prst="straightConnector1">
+            <a:avLst/>
+          </a:prstGeom>
+          <a:noFill/>
+          <a:ln w="38100" cap="flat">
+            <a:solidFill>
+              <a:srgbClr val="FF0000"/>
+            </a:solidFill>
+            <a:prstDash val="solid"/>
+            <a:miter lim="400000"/>
+            <a:tailEnd type="triangle" w="lg" len="lg"/>
+          </a:ln>
+          <a:effectLst/>
+          <a:sp3d/>
+        </p:spPr>
+        <p:style>
+          <a:lnRef idx="0">
+            <a:scrgbClr r="0" g="0" b="0"/>
+          </a:lnRef>
+          <a:fillRef idx="0">
+            <a:scrgbClr r="0" g="0" b="0"/>
+          </a:fillRef>
+          <a:effectRef idx="0">
+            <a:scrgbClr r="0" g="0" b="0"/>
+          </a:effectRef>
+          <a:fontRef idx="none"/>
+        </p:style>
+      </p:cxnSp>
+      <p:pic>
+        <p:nvPicPr>
+          <p:cNvPr id="11" name="Picture 10"/>
+          <p:cNvPicPr>
+            <a:picLocks noChangeAspect="1"/>
+          </p:cNvPicPr>
+          <p:nvPr/>
+        </p:nvPicPr>
+        <p:blipFill>
+          <a:blip r:embed="rId5"/>
+          <a:stretch>
+            <a:fillRect/>
+          </a:stretch>
+        </p:blipFill>
+        <p:spPr>
+          <a:xfrm>
+            <a:off x="578097" y="4909547"/>
+            <a:ext cx="4848225" cy="228600"/>
+          </a:xfrm>
+          <a:prstGeom prst="rect">
+            <a:avLst/>
+          </a:prstGeom>
+        </p:spPr>
+      </p:pic>
+      <p:sp>
+        <p:nvSpPr>
+          <p:cNvPr id="33" name="TextBox 32"/>
+          <p:cNvSpPr txBox="1"/>
+          <p:nvPr/>
+        </p:nvSpPr>
+        <p:spPr>
+          <a:xfrm>
+            <a:off x="5557652" y="4786714"/>
+            <a:ext cx="1247137" cy="471924"/>
+          </a:xfrm>
+          <a:prstGeom prst="rect">
+            <a:avLst/>
+          </a:prstGeom>
+          <a:noFill/>
+          <a:ln w="12700" cap="flat">
+            <a:noFill/>
+            <a:miter lim="400000"/>
+          </a:ln>
+          <a:effectLst/>
+          <a:sp3d/>
+        </p:spPr>
+        <p:style>
+          <a:lnRef idx="0">
+            <a:scrgbClr r="0" g="0" b="0"/>
+          </a:lnRef>
+          <a:fillRef idx="0">
+            <a:scrgbClr r="0" g="0" b="0"/>
+          </a:fillRef>
+          <a:effectRef idx="0">
+            <a:scrgbClr r="0" g="0" b="0"/>
+          </a:effectRef>
+          <a:fontRef idx="none"/>
+        </p:style>
+        <p:txBody>
+          <a:bodyPr rot="0" spcFirstLastPara="1" vertOverflow="overflow" horzOverflow="overflow" vert="horz" wrap="none" lIns="50800" tIns="50800" rIns="50800" bIns="50800" numCol="1" spcCol="38100" rtlCol="0" anchor="ctr">
+            <a:spAutoFit/>
+          </a:bodyPr>
+          <a:lstStyle/>
+          <a:p>
+            <a:pPr marL="0" marR="0" indent="0" algn="ctr" defTabSz="584200" rtl="0" fontAlgn="auto" latinLnBrk="0" hangingPunct="0">
+              <a:lnSpc>
+                <a:spcPct val="100000"/>
+              </a:lnSpc>
+              <a:spcBef>
+                <a:spcPts val="0"/>
+              </a:spcBef>
+              <a:spcAft>
+                <a:spcPts val="0"/>
+              </a:spcAft>
+              <a:buClrTx/>
+              <a:buSzTx/>
+              <a:buFontTx/>
+              <a:buNone/>
+              <a:tabLst/>
+            </a:pPr>
+            <a:r>
+              <a:rPr lang="en-US" altLang="ko-KR" smtClean="0">
+                <a:solidFill>
+                  <a:srgbClr val="FF0000"/>
+                </a:solidFill>
+              </a:rPr>
+              <a:t>(</a:t>
+            </a:r>
+            <a:r>
+              <a:rPr lang="ko-KR" altLang="en-US" dirty="0" smtClean="0">
+                <a:solidFill>
+                  <a:srgbClr val="FF0000"/>
+                </a:solidFill>
+              </a:rPr>
+              <a:t>미완성</a:t>
+            </a:r>
+            <a:r>
+              <a:rPr lang="en-US" altLang="ko-KR" dirty="0" smtClean="0">
+                <a:solidFill>
+                  <a:srgbClr val="FF0000"/>
+                </a:solidFill>
+              </a:rPr>
+              <a:t>)</a:t>
+            </a:r>
+            <a:endParaRPr kumimoji="0" lang="ko-KR" altLang="en-US" b="1" i="0" u="none" strike="noStrike" cap="none" spc="0" normalizeH="0" baseline="0" dirty="0">
+              <a:ln>
+                <a:noFill/>
+              </a:ln>
+              <a:solidFill>
+                <a:srgbClr val="FF0000"/>
+              </a:solidFill>
+              <a:effectLst/>
+              <a:uFillTx/>
+              <a:sym typeface="Helvetica Neue"/>
+            </a:endParaRPr>
+          </a:p>
+        </p:txBody>
+      </p:sp>
+      <p:pic>
+        <p:nvPicPr>
+          <p:cNvPr id="12" name="Picture 11"/>
+          <p:cNvPicPr>
+            <a:picLocks noChangeAspect="1"/>
+          </p:cNvPicPr>
+          <p:nvPr/>
+        </p:nvPicPr>
+        <p:blipFill>
+          <a:blip r:embed="rId6"/>
+          <a:stretch>
+            <a:fillRect/>
+          </a:stretch>
+        </p:blipFill>
+        <p:spPr>
+          <a:xfrm>
+            <a:off x="6998400" y="6671706"/>
+            <a:ext cx="4817548" cy="2140215"/>
+          </a:xfrm>
+          <a:prstGeom prst="rect">
+            <a:avLst/>
+          </a:prstGeom>
+        </p:spPr>
+      </p:pic>
+      <p:cxnSp>
+        <p:nvCxnSpPr>
+          <p:cNvPr id="34" name="Straight Arrow Connector 33"/>
+          <p:cNvCxnSpPr>
+            <a:stCxn id="12" idx="1"/>
+            <a:endCxn id="27" idx="3"/>
+          </p:cNvCxnSpPr>
+          <p:nvPr/>
+        </p:nvCxnSpPr>
+        <p:spPr>
+          <a:xfrm flipH="1" flipV="1">
+            <a:off x="5557652" y="5654480"/>
+            <a:ext cx="1440748" cy="2087334"/>
+          </a:xfrm>
+          <a:prstGeom prst="straightConnector1">
+            <a:avLst/>
+          </a:prstGeom>
+          <a:noFill/>
+          <a:ln w="38100" cap="flat">
+            <a:solidFill>
+              <a:srgbClr val="FF0000"/>
+            </a:solidFill>
+            <a:prstDash val="solid"/>
+            <a:miter lim="400000"/>
+            <a:tailEnd type="triangle" w="lg" len="lg"/>
+          </a:ln>
+          <a:effectLst/>
+          <a:sp3d/>
+        </p:spPr>
+        <p:style>
+          <a:lnRef idx="0">
+            <a:scrgbClr r="0" g="0" b="0"/>
+          </a:lnRef>
+          <a:fillRef idx="0">
+            <a:scrgbClr r="0" g="0" b="0"/>
+          </a:fillRef>
+          <a:effectRef idx="0">
+            <a:scrgbClr r="0" g="0" b="0"/>
+          </a:effectRef>
+          <a:fontRef idx="none"/>
+        </p:style>
+      </p:cxnSp>
+      <p:sp>
+        <p:nvSpPr>
+          <p:cNvPr id="38" name="TextBox 37"/>
+          <p:cNvSpPr txBox="1"/>
+          <p:nvPr/>
+        </p:nvSpPr>
+        <p:spPr>
+          <a:xfrm>
+            <a:off x="5693907" y="5460046"/>
+            <a:ext cx="487313" cy="348813"/>
+          </a:xfrm>
+          <a:prstGeom prst="rect">
+            <a:avLst/>
+          </a:prstGeom>
+          <a:noFill/>
+          <a:ln w="12700" cap="flat">
+            <a:noFill/>
+            <a:miter lim="400000"/>
+          </a:ln>
+          <a:effectLst/>
+          <a:sp3d/>
+        </p:spPr>
+        <p:style>
+          <a:lnRef idx="0">
+            <a:scrgbClr r="0" g="0" b="0"/>
+          </a:lnRef>
+          <a:fillRef idx="0">
+            <a:scrgbClr r="0" g="0" b="0"/>
+          </a:fillRef>
+          <a:effectRef idx="0">
+            <a:scrgbClr r="0" g="0" b="0"/>
+          </a:effectRef>
+          <a:fontRef idx="none"/>
+        </p:style>
+        <p:txBody>
+          <a:bodyPr rot="0" spcFirstLastPara="1" vertOverflow="overflow" horzOverflow="overflow" vert="horz" wrap="none" lIns="50800" tIns="50800" rIns="50800" bIns="50800" numCol="1" spcCol="38100" rtlCol="0" anchor="ctr">
+            <a:spAutoFit/>
+          </a:bodyPr>
+          <a:lstStyle/>
+          <a:p>
+            <a:pPr marL="0" marR="0" indent="0" algn="ctr" defTabSz="584200" rtl="0" fontAlgn="auto" latinLnBrk="0" hangingPunct="0">
+              <a:lnSpc>
+                <a:spcPct val="100000"/>
+              </a:lnSpc>
+              <a:spcBef>
+                <a:spcPts val="0"/>
+              </a:spcBef>
+              <a:spcAft>
+                <a:spcPts val="0"/>
+              </a:spcAft>
+              <a:buClrTx/>
+              <a:buSzTx/>
+              <a:buFontTx/>
+              <a:buNone/>
+              <a:tabLst/>
+            </a:pPr>
+            <a:r>
+              <a:rPr lang="en-US" altLang="ko-KR" sz="1600" dirty="0" smtClean="0">
+                <a:solidFill>
+                  <a:srgbClr val="FF0000"/>
+                </a:solidFill>
+              </a:rPr>
+              <a:t>(55)</a:t>
+            </a:r>
+            <a:endParaRPr kumimoji="0" lang="ko-KR" altLang="en-US" sz="1600" b="1" i="0" u="none" strike="noStrike" cap="none" spc="0" normalizeH="0" baseline="0" dirty="0">
+              <a:ln>
+                <a:noFill/>
+              </a:ln>
+              <a:solidFill>
+                <a:srgbClr val="FF0000"/>
+              </a:solidFill>
+              <a:effectLst/>
+              <a:uFillTx/>
+              <a:sym typeface="Helvetica Neue"/>
+            </a:endParaRPr>
+          </a:p>
+        </p:txBody>
+      </p:sp>
+    </p:spTree>
+    <p:extLst>
+      <p:ext uri="{BB962C8B-B14F-4D97-AF65-F5344CB8AC3E}">
+        <p14:creationId xmlns:p14="http://schemas.microsoft.com/office/powerpoint/2010/main" val="619992181"/>
+      </p:ext>
+    </p:extLst>
+  </p:cSld>
+  <p:clrMapOvr>
+    <a:masterClrMapping/>
+  </p:clrMapOvr>
+  <p:transition spd="med"/>
+  <p:timing>
+    <p:tnLst>
+      <p:par>
+        <p:cTn id="1" dur="indefinite" restart="never" nodeType="tmRoot"/>
+      </p:par>
+    </p:tnLst>
+  </p:timing>
 </p:sld>
 </file>
 
@@ -10757,11 +13908,7 @@
           <a:p>
             <a:r>
               <a:rPr lang="en-US" altLang="ko-KR" dirty="0" smtClean="0"/>
-              <a:t>WPCN: </a:t>
-            </a:r>
-            <a:r>
-              <a:rPr lang="en-US" altLang="ko-KR" dirty="0" smtClean="0"/>
-              <a:t>Implementation of UAV</a:t>
+              <a:t>WPCN: Implementation of UAV</a:t>
             </a:r>
             <a:endParaRPr lang="ko-KR" altLang="en-US" dirty="0"/>
           </a:p>
@@ -10797,11 +13944,7 @@
             </a:r>
             <a:r>
               <a:rPr lang="ko-KR" altLang="en-US" dirty="0" smtClean="0"/>
-              <a:t>논문 </a:t>
-            </a:r>
-            <a:r>
-              <a:rPr lang="ko-KR" altLang="en-US" dirty="0" smtClean="0"/>
-              <a:t>구현</a:t>
+              <a:t>논문 구현</a:t>
             </a:r>
             <a:endParaRPr lang="ko-KR" altLang="ko-KR" dirty="0"/>
           </a:p>
@@ -10825,6 +13968,124 @@
       </p:par>
     </p:tnLst>
   </p:timing>
+</p:sld>
+</file>
+
+<file path=ppt/slides/slide20.xml><?xml version="1.0" encoding="utf-8"?>
+<p:sld xmlns:a="http://schemas.openxmlformats.org/drawingml/2006/main" xmlns:r="http://schemas.openxmlformats.org/officeDocument/2006/relationships" xmlns:p="http://schemas.openxmlformats.org/presentationml/2006/main">
+  <p:cSld>
+    <p:spTree>
+      <p:nvGrpSpPr>
+        <p:cNvPr id="1" name=""/>
+        <p:cNvGrpSpPr/>
+        <p:nvPr/>
+      </p:nvGrpSpPr>
+      <p:grpSpPr>
+        <a:xfrm>
+          <a:off x="0" y="0"/>
+          <a:ext cx="0" cy="0"/>
+          <a:chOff x="0" y="0"/>
+          <a:chExt cx="0" cy="0"/>
+        </a:xfrm>
+      </p:grpSpPr>
+      <p:sp>
+        <p:nvSpPr>
+          <p:cNvPr id="107" name="To do"/>
+          <p:cNvSpPr txBox="1">
+            <a:spLocks noGrp="1"/>
+          </p:cNvSpPr>
+          <p:nvPr>
+            <p:ph type="title"/>
+          </p:nvPr>
+        </p:nvSpPr>
+        <p:spPr>
+          <a:prstGeom prst="rect">
+            <a:avLst/>
+          </a:prstGeom>
+        </p:spPr>
+        <p:txBody>
+          <a:bodyPr/>
+          <a:lstStyle/>
+          <a:p>
+            <a:r>
+              <a:rPr lang="en-US" dirty="0" err="1" smtClean="0"/>
+              <a:t>Github</a:t>
+            </a:r>
+            <a:endParaRPr dirty="0"/>
+          </a:p>
+        </p:txBody>
+      </p:sp>
+      <p:sp>
+        <p:nvSpPr>
+          <p:cNvPr id="108" name="Future Plans…"/>
+          <p:cNvSpPr txBox="1">
+            <a:spLocks noGrp="1"/>
+          </p:cNvSpPr>
+          <p:nvPr>
+            <p:ph type="body" idx="1"/>
+          </p:nvPr>
+        </p:nvSpPr>
+        <p:spPr>
+          <a:prstGeom prst="rect">
+            <a:avLst/>
+          </a:prstGeom>
+        </p:spPr>
+        <p:txBody>
+          <a:bodyPr/>
+          <a:lstStyle/>
+          <a:p>
+            <a:r>
+              <a:rPr lang="en-US" altLang="ko-KR" dirty="0">
+                <a:hlinkClick r:id="rId2"/>
+              </a:rPr>
+              <a:t>https://github.com/WannaBeSuperteur/2020/tree/master/WPCN</a:t>
+            </a:r>
+            <a:endParaRPr lang="en-US" altLang="ko-KR" dirty="0" smtClean="0"/>
+          </a:p>
+        </p:txBody>
+      </p:sp>
+      <p:sp>
+        <p:nvSpPr>
+          <p:cNvPr id="109" name="Slide Number"/>
+          <p:cNvSpPr txBox="1">
+            <a:spLocks noGrp="1"/>
+          </p:cNvSpPr>
+          <p:nvPr>
+            <p:ph type="sldNum" sz="quarter" idx="2"/>
+          </p:nvPr>
+        </p:nvSpPr>
+        <p:spPr>
+          <a:prstGeom prst="rect">
+            <a:avLst/>
+          </a:prstGeom>
+          <a:extLst>
+            <a:ext uri="{C572A759-6A51-4108-AA02-DFA0A04FC94B}">
+              <ma14:wrappingTextBoxFlag xmlns="" xmlns:m="http://schemas.openxmlformats.org/officeDocument/2006/math" xmlns:a14="http://schemas.microsoft.com/office/drawing/2010/main" xmlns:ma14="http://schemas.microsoft.com/office/mac/drawingml/2011/main" val="1"/>
+            </a:ext>
+          </a:extLst>
+        </p:spPr>
+        <p:txBody>
+          <a:bodyPr/>
+          <a:lstStyle/>
+          <a:p>
+            <a:fld id="{86CB4B4D-7CA3-9044-876B-883B54F8677D}" type="slidenum">
+              <a:t>20</a:t>
+            </a:fld>
+            <a:endParaRPr/>
+          </a:p>
+        </p:txBody>
+      </p:sp>
+    </p:spTree>
+    <p:extLst>
+      <p:ext uri="{BB962C8B-B14F-4D97-AF65-F5344CB8AC3E}">
+        <p14:creationId xmlns:p14="http://schemas.microsoft.com/office/powerpoint/2010/main" val="4099176061"/>
+      </p:ext>
+    </p:extLst>
+  </p:cSld>
+  <p:clrMapOvr>
+    <a:masterClrMapping/>
+  </p:clrMapOvr>
+  <p:transition spd="med"/>
 </p:sld>
 </file>
 
